--- a/PPT/Group6PPT.pptx
+++ b/PPT/Group6PPT.pptx
@@ -5,15 +5,22 @@
     <p:sldMasterId id="2147483660" r:id="rId1"/>
   </p:sldMasterIdLst>
   <p:notesMasterIdLst>
-    <p:notesMasterId r:id="rId8"/>
+    <p:notesMasterId r:id="rId15"/>
   </p:notesMasterIdLst>
   <p:sldIdLst>
     <p:sldId id="256" r:id="rId2"/>
-    <p:sldId id="257" r:id="rId3"/>
-    <p:sldId id="259" r:id="rId4"/>
-    <p:sldId id="260" r:id="rId5"/>
-    <p:sldId id="261" r:id="rId6"/>
-    <p:sldId id="262" r:id="rId7"/>
+    <p:sldId id="262" r:id="rId3"/>
+    <p:sldId id="257" r:id="rId4"/>
+    <p:sldId id="259" r:id="rId5"/>
+    <p:sldId id="260" r:id="rId6"/>
+    <p:sldId id="263" r:id="rId7"/>
+    <p:sldId id="264" r:id="rId8"/>
+    <p:sldId id="265" r:id="rId9"/>
+    <p:sldId id="266" r:id="rId10"/>
+    <p:sldId id="267" r:id="rId11"/>
+    <p:sldId id="268" r:id="rId12"/>
+    <p:sldId id="269" r:id="rId13"/>
+    <p:sldId id="261" r:id="rId14"/>
   </p:sldIdLst>
   <p:sldSz cx="9144000" cy="6858000" type="screen4x3"/>
   <p:notesSz cx="6858000" cy="9144000"/>
@@ -213,7 +220,7 @@
           <a:p>
             <a:fld id="{CC7095FA-40B2-4BB7-BC72-D3A71383E3DD}" type="datetimeFigureOut">
               <a:rPr lang="en-RW" smtClean="0"/>
-              <a:t>20/01/2026</a:t>
+              <a:t>21/01/2026</a:t>
             </a:fld>
             <a:endParaRPr lang="en-RW"/>
           </a:p>
@@ -509,6 +516,13 @@
           </p:nvPr>
         </p:nvSpPr>
         <p:spPr/>
+        <p:txBody>
+          <a:bodyPr/>
+          <a:lstStyle/>
+          <a:p>
+            <a:endParaRPr lang="en-US"/>
+          </a:p>
+        </p:txBody>
       </p:sp>
       <p:sp>
         <p:nvSpPr>
@@ -580,6 +594,244 @@
     <p:extLst>
       <p:ext uri="{BB962C8B-B14F-4D97-AF65-F5344CB8AC3E}">
         <p14:creationId xmlns:p14="http://schemas.microsoft.com/office/powerpoint/2010/main" val="2419624841"/>
+      </p:ext>
+    </p:extLst>
+  </p:cSld>
+  <p:clrMapOvr>
+    <a:masterClrMapping/>
+  </p:clrMapOvr>
+</p:notes>
+</file>
+
+<file path=ppt/notesSlides/notesSlide10.xml><?xml version="1.0" encoding="utf-8"?>
+<p:notes xmlns:a="http://schemas.openxmlformats.org/drawingml/2006/main" xmlns:r="http://schemas.openxmlformats.org/officeDocument/2006/relationships" xmlns:p="http://schemas.openxmlformats.org/presentationml/2006/main">
+  <p:cSld>
+    <p:spTree>
+      <p:nvGrpSpPr>
+        <p:cNvPr id="1" name="">
+          <a:extLst>
+            <a:ext uri="{FF2B5EF4-FFF2-40B4-BE49-F238E27FC236}">
+              <a16:creationId xmlns:a16="http://schemas.microsoft.com/office/drawing/2014/main" id="{56E78767-3DDC-76D1-B4CE-F017CB77E841}"/>
+            </a:ext>
+          </a:extLst>
+        </p:cNvPr>
+        <p:cNvGrpSpPr/>
+        <p:nvPr/>
+      </p:nvGrpSpPr>
+      <p:grpSpPr>
+        <a:xfrm>
+          <a:off x="0" y="0"/>
+          <a:ext cx="0" cy="0"/>
+          <a:chOff x="0" y="0"/>
+          <a:chExt cx="0" cy="0"/>
+        </a:xfrm>
+      </p:grpSpPr>
+      <p:sp>
+        <p:nvSpPr>
+          <p:cNvPr id="2" name="Slide Image Placeholder 1">
+            <a:extLst>
+              <a:ext uri="{FF2B5EF4-FFF2-40B4-BE49-F238E27FC236}">
+                <a16:creationId xmlns:a16="http://schemas.microsoft.com/office/drawing/2014/main" id="{97CA54B6-90EB-3D76-3070-764786BAD983}"/>
+              </a:ext>
+            </a:extLst>
+          </p:cNvPr>
+          <p:cNvSpPr>
+            <a:spLocks noGrp="1" noRot="1" noChangeAspect="1"/>
+          </p:cNvSpPr>
+          <p:nvPr>
+            <p:ph type="sldImg"/>
+          </p:nvPr>
+        </p:nvSpPr>
+        <p:spPr/>
+        <p:txBody>
+          <a:bodyPr/>
+          <a:lstStyle/>
+          <a:p>
+            <a:endParaRPr lang="en-US"/>
+          </a:p>
+        </p:txBody>
+      </p:sp>
+      <p:sp>
+        <p:nvSpPr>
+          <p:cNvPr id="3" name="Notes Placeholder 2">
+            <a:extLst>
+              <a:ext uri="{FF2B5EF4-FFF2-40B4-BE49-F238E27FC236}">
+                <a16:creationId xmlns:a16="http://schemas.microsoft.com/office/drawing/2014/main" id="{575E8703-CAF3-C35E-5A0B-BED5963163AA}"/>
+              </a:ext>
+            </a:extLst>
+          </p:cNvPr>
+          <p:cNvSpPr>
+            <a:spLocks noGrp="1"/>
+          </p:cNvSpPr>
+          <p:nvPr>
+            <p:ph type="body" idx="1"/>
+          </p:nvPr>
+        </p:nvSpPr>
+        <p:spPr/>
+        <p:txBody>
+          <a:bodyPr/>
+          <a:lstStyle/>
+          <a:p>
+            <a:r>
+              <a:rPr lang="en-GB" dirty="0"/>
+              <a:t>This workflow ensures accurate, automated, and real-time loan repayment predictions.</a:t>
+            </a:r>
+            <a:endParaRPr lang="en-RW" dirty="0"/>
+          </a:p>
+        </p:txBody>
+      </p:sp>
+      <p:sp>
+        <p:nvSpPr>
+          <p:cNvPr id="4" name="Slide Number Placeholder 3">
+            <a:extLst>
+              <a:ext uri="{FF2B5EF4-FFF2-40B4-BE49-F238E27FC236}">
+                <a16:creationId xmlns:a16="http://schemas.microsoft.com/office/drawing/2014/main" id="{56C357D1-2D7E-1697-951B-E2E0691FF678}"/>
+              </a:ext>
+            </a:extLst>
+          </p:cNvPr>
+          <p:cNvSpPr>
+            <a:spLocks noGrp="1"/>
+          </p:cNvSpPr>
+          <p:nvPr>
+            <p:ph type="sldNum" sz="quarter" idx="5"/>
+          </p:nvPr>
+        </p:nvSpPr>
+        <p:spPr/>
+        <p:txBody>
+          <a:bodyPr/>
+          <a:lstStyle/>
+          <a:p>
+            <a:fld id="{B36662A0-F468-4F97-99D3-50FE8E7C5F53}" type="slidenum">
+              <a:rPr lang="en-RW" smtClean="0"/>
+              <a:t>11</a:t>
+            </a:fld>
+            <a:endParaRPr lang="en-RW"/>
+          </a:p>
+        </p:txBody>
+      </p:sp>
+    </p:spTree>
+    <p:extLst>
+      <p:ext uri="{BB962C8B-B14F-4D97-AF65-F5344CB8AC3E}">
+        <p14:creationId xmlns:p14="http://schemas.microsoft.com/office/powerpoint/2010/main" val="3675936029"/>
+      </p:ext>
+    </p:extLst>
+  </p:cSld>
+  <p:clrMapOvr>
+    <a:masterClrMapping/>
+  </p:clrMapOvr>
+</p:notes>
+</file>
+
+<file path=ppt/notesSlides/notesSlide11.xml><?xml version="1.0" encoding="utf-8"?>
+<p:notes xmlns:a="http://schemas.openxmlformats.org/drawingml/2006/main" xmlns:r="http://schemas.openxmlformats.org/officeDocument/2006/relationships" xmlns:p="http://schemas.openxmlformats.org/presentationml/2006/main">
+  <p:cSld>
+    <p:spTree>
+      <p:nvGrpSpPr>
+        <p:cNvPr id="1" name="">
+          <a:extLst>
+            <a:ext uri="{FF2B5EF4-FFF2-40B4-BE49-F238E27FC236}">
+              <a16:creationId xmlns:a16="http://schemas.microsoft.com/office/drawing/2014/main" id="{24D46784-E63B-5A27-DBBE-EF4238F05FB2}"/>
+            </a:ext>
+          </a:extLst>
+        </p:cNvPr>
+        <p:cNvGrpSpPr/>
+        <p:nvPr/>
+      </p:nvGrpSpPr>
+      <p:grpSpPr>
+        <a:xfrm>
+          <a:off x="0" y="0"/>
+          <a:ext cx="0" cy="0"/>
+          <a:chOff x="0" y="0"/>
+          <a:chExt cx="0" cy="0"/>
+        </a:xfrm>
+      </p:grpSpPr>
+      <p:sp>
+        <p:nvSpPr>
+          <p:cNvPr id="2" name="Slide Image Placeholder 1">
+            <a:extLst>
+              <a:ext uri="{FF2B5EF4-FFF2-40B4-BE49-F238E27FC236}">
+                <a16:creationId xmlns:a16="http://schemas.microsoft.com/office/drawing/2014/main" id="{5E4ED291-2F6A-E037-C0E1-CA58126C6783}"/>
+              </a:ext>
+            </a:extLst>
+          </p:cNvPr>
+          <p:cNvSpPr>
+            <a:spLocks noGrp="1" noRot="1" noChangeAspect="1"/>
+          </p:cNvSpPr>
+          <p:nvPr>
+            <p:ph type="sldImg"/>
+          </p:nvPr>
+        </p:nvSpPr>
+        <p:spPr/>
+        <p:txBody>
+          <a:bodyPr/>
+          <a:lstStyle/>
+          <a:p>
+            <a:endParaRPr lang="en-US"/>
+          </a:p>
+        </p:txBody>
+      </p:sp>
+      <p:sp>
+        <p:nvSpPr>
+          <p:cNvPr id="3" name="Notes Placeholder 2">
+            <a:extLst>
+              <a:ext uri="{FF2B5EF4-FFF2-40B4-BE49-F238E27FC236}">
+                <a16:creationId xmlns:a16="http://schemas.microsoft.com/office/drawing/2014/main" id="{A086E3BC-1167-1D4A-7F3D-15D68D6471F2}"/>
+              </a:ext>
+            </a:extLst>
+          </p:cNvPr>
+          <p:cNvSpPr>
+            <a:spLocks noGrp="1"/>
+          </p:cNvSpPr>
+          <p:nvPr>
+            <p:ph type="body" idx="1"/>
+          </p:nvPr>
+        </p:nvSpPr>
+        <p:spPr/>
+        <p:txBody>
+          <a:bodyPr/>
+          <a:lstStyle/>
+          <a:p>
+            <a:r>
+              <a:rPr lang="en-GB" dirty="0"/>
+              <a:t>This workflow ensures accurate, automated, and real-time loan repayment predictions.</a:t>
+            </a:r>
+            <a:endParaRPr lang="en-RW" dirty="0"/>
+          </a:p>
+        </p:txBody>
+      </p:sp>
+      <p:sp>
+        <p:nvSpPr>
+          <p:cNvPr id="4" name="Slide Number Placeholder 3">
+            <a:extLst>
+              <a:ext uri="{FF2B5EF4-FFF2-40B4-BE49-F238E27FC236}">
+                <a16:creationId xmlns:a16="http://schemas.microsoft.com/office/drawing/2014/main" id="{D8CAA11A-9AE2-68CA-A367-CA3564E93A2C}"/>
+              </a:ext>
+            </a:extLst>
+          </p:cNvPr>
+          <p:cNvSpPr>
+            <a:spLocks noGrp="1"/>
+          </p:cNvSpPr>
+          <p:nvPr>
+            <p:ph type="sldNum" sz="quarter" idx="5"/>
+          </p:nvPr>
+        </p:nvSpPr>
+        <p:spPr/>
+        <p:txBody>
+          <a:bodyPr/>
+          <a:lstStyle/>
+          <a:p>
+            <a:fld id="{B36662A0-F468-4F97-99D3-50FE8E7C5F53}" type="slidenum">
+              <a:rPr lang="en-RW" smtClean="0"/>
+              <a:t>12</a:t>
+            </a:fld>
+            <a:endParaRPr lang="en-RW"/>
+          </a:p>
+        </p:txBody>
+      </p:sp>
+    </p:spTree>
+    <p:extLst>
+      <p:ext uri="{BB962C8B-B14F-4D97-AF65-F5344CB8AC3E}">
+        <p14:creationId xmlns:p14="http://schemas.microsoft.com/office/powerpoint/2010/main" val="53522693"/>
       </p:ext>
     </p:extLst>
   </p:cSld>
@@ -617,6 +869,13 @@
           </p:nvPr>
         </p:nvSpPr>
         <p:spPr/>
+        <p:txBody>
+          <a:bodyPr/>
+          <a:lstStyle/>
+          <a:p>
+            <a:endParaRPr lang="en-US"/>
+          </a:p>
+        </p:txBody>
       </p:sp>
       <p:sp>
         <p:nvSpPr>
@@ -658,7 +917,7 @@
           <a:p>
             <a:fld id="{B36662A0-F468-4F97-99D3-50FE8E7C5F53}" type="slidenum">
               <a:rPr lang="en-RW" smtClean="0"/>
-              <a:t>2</a:t>
+              <a:t>3</a:t>
             </a:fld>
             <a:endParaRPr lang="en-RW"/>
           </a:p>
@@ -705,6 +964,13 @@
           </p:nvPr>
         </p:nvSpPr>
         <p:spPr/>
+        <p:txBody>
+          <a:bodyPr/>
+          <a:lstStyle/>
+          <a:p>
+            <a:endParaRPr lang="en-US"/>
+          </a:p>
+        </p:txBody>
       </p:sp>
       <p:sp>
         <p:nvSpPr>
@@ -746,7 +1012,7 @@
           <a:p>
             <a:fld id="{B36662A0-F468-4F97-99D3-50FE8E7C5F53}" type="slidenum">
               <a:rPr lang="en-RW" smtClean="0"/>
-              <a:t>3</a:t>
+              <a:t>4</a:t>
             </a:fld>
             <a:endParaRPr lang="en-RW"/>
           </a:p>
@@ -793,6 +1059,13 @@
           </p:nvPr>
         </p:nvSpPr>
         <p:spPr/>
+        <p:txBody>
+          <a:bodyPr/>
+          <a:lstStyle/>
+          <a:p>
+            <a:endParaRPr lang="en-US"/>
+          </a:p>
+        </p:txBody>
       </p:sp>
       <p:sp>
         <p:nvSpPr>
@@ -834,7 +1107,7 @@
           <a:p>
             <a:fld id="{B36662A0-F468-4F97-99D3-50FE8E7C5F53}" type="slidenum">
               <a:rPr lang="en-RW" smtClean="0"/>
-              <a:t>4</a:t>
+              <a:t>5</a:t>
             </a:fld>
             <a:endParaRPr lang="en-RW"/>
           </a:p>
@@ -844,6 +1117,601 @@
     <p:extLst>
       <p:ext uri="{BB962C8B-B14F-4D97-AF65-F5344CB8AC3E}">
         <p14:creationId xmlns:p14="http://schemas.microsoft.com/office/powerpoint/2010/main" val="1434809328"/>
+      </p:ext>
+    </p:extLst>
+  </p:cSld>
+  <p:clrMapOvr>
+    <a:masterClrMapping/>
+  </p:clrMapOvr>
+</p:notes>
+</file>
+
+<file path=ppt/notesSlides/notesSlide5.xml><?xml version="1.0" encoding="utf-8"?>
+<p:notes xmlns:a="http://schemas.openxmlformats.org/drawingml/2006/main" xmlns:r="http://schemas.openxmlformats.org/officeDocument/2006/relationships" xmlns:p="http://schemas.openxmlformats.org/presentationml/2006/main">
+  <p:cSld>
+    <p:spTree>
+      <p:nvGrpSpPr>
+        <p:cNvPr id="1" name="">
+          <a:extLst>
+            <a:ext uri="{FF2B5EF4-FFF2-40B4-BE49-F238E27FC236}">
+              <a16:creationId xmlns:a16="http://schemas.microsoft.com/office/drawing/2014/main" id="{B8838977-DC80-DFC9-226B-025EDAE16311}"/>
+            </a:ext>
+          </a:extLst>
+        </p:cNvPr>
+        <p:cNvGrpSpPr/>
+        <p:nvPr/>
+      </p:nvGrpSpPr>
+      <p:grpSpPr>
+        <a:xfrm>
+          <a:off x="0" y="0"/>
+          <a:ext cx="0" cy="0"/>
+          <a:chOff x="0" y="0"/>
+          <a:chExt cx="0" cy="0"/>
+        </a:xfrm>
+      </p:grpSpPr>
+      <p:sp>
+        <p:nvSpPr>
+          <p:cNvPr id="2" name="Slide Image Placeholder 1">
+            <a:extLst>
+              <a:ext uri="{FF2B5EF4-FFF2-40B4-BE49-F238E27FC236}">
+                <a16:creationId xmlns:a16="http://schemas.microsoft.com/office/drawing/2014/main" id="{DEC734D1-ADA2-7BE0-8852-E489E3CF805B}"/>
+              </a:ext>
+            </a:extLst>
+          </p:cNvPr>
+          <p:cNvSpPr>
+            <a:spLocks noGrp="1" noRot="1" noChangeAspect="1"/>
+          </p:cNvSpPr>
+          <p:nvPr>
+            <p:ph type="sldImg"/>
+          </p:nvPr>
+        </p:nvSpPr>
+        <p:spPr/>
+        <p:txBody>
+          <a:bodyPr/>
+          <a:lstStyle/>
+          <a:p>
+            <a:endParaRPr lang="en-US"/>
+          </a:p>
+        </p:txBody>
+      </p:sp>
+      <p:sp>
+        <p:nvSpPr>
+          <p:cNvPr id="3" name="Notes Placeholder 2">
+            <a:extLst>
+              <a:ext uri="{FF2B5EF4-FFF2-40B4-BE49-F238E27FC236}">
+                <a16:creationId xmlns:a16="http://schemas.microsoft.com/office/drawing/2014/main" id="{EAC458D1-1BB0-68C4-9AD3-6BBAB0CE8447}"/>
+              </a:ext>
+            </a:extLst>
+          </p:cNvPr>
+          <p:cNvSpPr>
+            <a:spLocks noGrp="1"/>
+          </p:cNvSpPr>
+          <p:nvPr>
+            <p:ph type="body" idx="1"/>
+          </p:nvPr>
+        </p:nvSpPr>
+        <p:spPr/>
+        <p:txBody>
+          <a:bodyPr/>
+          <a:lstStyle/>
+          <a:p>
+            <a:r>
+              <a:rPr lang="en-GB" dirty="0"/>
+              <a:t>This workflow ensures accurate, automated, and real-time loan repayment predictions.</a:t>
+            </a:r>
+            <a:endParaRPr lang="en-RW" dirty="0"/>
+          </a:p>
+        </p:txBody>
+      </p:sp>
+      <p:sp>
+        <p:nvSpPr>
+          <p:cNvPr id="4" name="Slide Number Placeholder 3">
+            <a:extLst>
+              <a:ext uri="{FF2B5EF4-FFF2-40B4-BE49-F238E27FC236}">
+                <a16:creationId xmlns:a16="http://schemas.microsoft.com/office/drawing/2014/main" id="{29D1A7A9-CB93-3609-ECD6-5E1014577F08}"/>
+              </a:ext>
+            </a:extLst>
+          </p:cNvPr>
+          <p:cNvSpPr>
+            <a:spLocks noGrp="1"/>
+          </p:cNvSpPr>
+          <p:nvPr>
+            <p:ph type="sldNum" sz="quarter" idx="5"/>
+          </p:nvPr>
+        </p:nvSpPr>
+        <p:spPr/>
+        <p:txBody>
+          <a:bodyPr/>
+          <a:lstStyle/>
+          <a:p>
+            <a:fld id="{B36662A0-F468-4F97-99D3-50FE8E7C5F53}" type="slidenum">
+              <a:rPr lang="en-RW" smtClean="0"/>
+              <a:t>6</a:t>
+            </a:fld>
+            <a:endParaRPr lang="en-RW"/>
+          </a:p>
+        </p:txBody>
+      </p:sp>
+    </p:spTree>
+    <p:extLst>
+      <p:ext uri="{BB962C8B-B14F-4D97-AF65-F5344CB8AC3E}">
+        <p14:creationId xmlns:p14="http://schemas.microsoft.com/office/powerpoint/2010/main" val="1274709916"/>
+      </p:ext>
+    </p:extLst>
+  </p:cSld>
+  <p:clrMapOvr>
+    <a:masterClrMapping/>
+  </p:clrMapOvr>
+</p:notes>
+</file>
+
+<file path=ppt/notesSlides/notesSlide6.xml><?xml version="1.0" encoding="utf-8"?>
+<p:notes xmlns:a="http://schemas.openxmlformats.org/drawingml/2006/main" xmlns:r="http://schemas.openxmlformats.org/officeDocument/2006/relationships" xmlns:p="http://schemas.openxmlformats.org/presentationml/2006/main">
+  <p:cSld>
+    <p:spTree>
+      <p:nvGrpSpPr>
+        <p:cNvPr id="1" name="">
+          <a:extLst>
+            <a:ext uri="{FF2B5EF4-FFF2-40B4-BE49-F238E27FC236}">
+              <a16:creationId xmlns:a16="http://schemas.microsoft.com/office/drawing/2014/main" id="{9CAB1BAA-86D8-E72D-BA40-226093C22829}"/>
+            </a:ext>
+          </a:extLst>
+        </p:cNvPr>
+        <p:cNvGrpSpPr/>
+        <p:nvPr/>
+      </p:nvGrpSpPr>
+      <p:grpSpPr>
+        <a:xfrm>
+          <a:off x="0" y="0"/>
+          <a:ext cx="0" cy="0"/>
+          <a:chOff x="0" y="0"/>
+          <a:chExt cx="0" cy="0"/>
+        </a:xfrm>
+      </p:grpSpPr>
+      <p:sp>
+        <p:nvSpPr>
+          <p:cNvPr id="2" name="Slide Image Placeholder 1">
+            <a:extLst>
+              <a:ext uri="{FF2B5EF4-FFF2-40B4-BE49-F238E27FC236}">
+                <a16:creationId xmlns:a16="http://schemas.microsoft.com/office/drawing/2014/main" id="{FA5C8CB5-E79F-C425-3DF0-0AEBC88881AC}"/>
+              </a:ext>
+            </a:extLst>
+          </p:cNvPr>
+          <p:cNvSpPr>
+            <a:spLocks noGrp="1" noRot="1" noChangeAspect="1"/>
+          </p:cNvSpPr>
+          <p:nvPr>
+            <p:ph type="sldImg"/>
+          </p:nvPr>
+        </p:nvSpPr>
+        <p:spPr/>
+        <p:txBody>
+          <a:bodyPr/>
+          <a:lstStyle/>
+          <a:p>
+            <a:endParaRPr lang="en-US"/>
+          </a:p>
+        </p:txBody>
+      </p:sp>
+      <p:sp>
+        <p:nvSpPr>
+          <p:cNvPr id="3" name="Notes Placeholder 2">
+            <a:extLst>
+              <a:ext uri="{FF2B5EF4-FFF2-40B4-BE49-F238E27FC236}">
+                <a16:creationId xmlns:a16="http://schemas.microsoft.com/office/drawing/2014/main" id="{77D71716-8022-BEE5-D761-CAC2E2486495}"/>
+              </a:ext>
+            </a:extLst>
+          </p:cNvPr>
+          <p:cNvSpPr>
+            <a:spLocks noGrp="1"/>
+          </p:cNvSpPr>
+          <p:nvPr>
+            <p:ph type="body" idx="1"/>
+          </p:nvPr>
+        </p:nvSpPr>
+        <p:spPr/>
+        <p:txBody>
+          <a:bodyPr/>
+          <a:lstStyle/>
+          <a:p>
+            <a:r>
+              <a:rPr lang="en-GB" dirty="0"/>
+              <a:t>This workflow ensures accurate, automated, and real-time loan repayment predictions.</a:t>
+            </a:r>
+            <a:endParaRPr lang="en-RW" dirty="0"/>
+          </a:p>
+        </p:txBody>
+      </p:sp>
+      <p:sp>
+        <p:nvSpPr>
+          <p:cNvPr id="4" name="Slide Number Placeholder 3">
+            <a:extLst>
+              <a:ext uri="{FF2B5EF4-FFF2-40B4-BE49-F238E27FC236}">
+                <a16:creationId xmlns:a16="http://schemas.microsoft.com/office/drawing/2014/main" id="{D04AFECC-E465-6E74-170E-84C2A033D772}"/>
+              </a:ext>
+            </a:extLst>
+          </p:cNvPr>
+          <p:cNvSpPr>
+            <a:spLocks noGrp="1"/>
+          </p:cNvSpPr>
+          <p:nvPr>
+            <p:ph type="sldNum" sz="quarter" idx="5"/>
+          </p:nvPr>
+        </p:nvSpPr>
+        <p:spPr/>
+        <p:txBody>
+          <a:bodyPr/>
+          <a:lstStyle/>
+          <a:p>
+            <a:fld id="{B36662A0-F468-4F97-99D3-50FE8E7C5F53}" type="slidenum">
+              <a:rPr lang="en-RW" smtClean="0"/>
+              <a:t>7</a:t>
+            </a:fld>
+            <a:endParaRPr lang="en-RW"/>
+          </a:p>
+        </p:txBody>
+      </p:sp>
+    </p:spTree>
+    <p:extLst>
+      <p:ext uri="{BB962C8B-B14F-4D97-AF65-F5344CB8AC3E}">
+        <p14:creationId xmlns:p14="http://schemas.microsoft.com/office/powerpoint/2010/main" val="3891213203"/>
+      </p:ext>
+    </p:extLst>
+  </p:cSld>
+  <p:clrMapOvr>
+    <a:masterClrMapping/>
+  </p:clrMapOvr>
+</p:notes>
+</file>
+
+<file path=ppt/notesSlides/notesSlide7.xml><?xml version="1.0" encoding="utf-8"?>
+<p:notes xmlns:a="http://schemas.openxmlformats.org/drawingml/2006/main" xmlns:r="http://schemas.openxmlformats.org/officeDocument/2006/relationships" xmlns:p="http://schemas.openxmlformats.org/presentationml/2006/main">
+  <p:cSld>
+    <p:spTree>
+      <p:nvGrpSpPr>
+        <p:cNvPr id="1" name="">
+          <a:extLst>
+            <a:ext uri="{FF2B5EF4-FFF2-40B4-BE49-F238E27FC236}">
+              <a16:creationId xmlns:a16="http://schemas.microsoft.com/office/drawing/2014/main" id="{C4F1098A-D30E-63EF-60DD-3F382A521D86}"/>
+            </a:ext>
+          </a:extLst>
+        </p:cNvPr>
+        <p:cNvGrpSpPr/>
+        <p:nvPr/>
+      </p:nvGrpSpPr>
+      <p:grpSpPr>
+        <a:xfrm>
+          <a:off x="0" y="0"/>
+          <a:ext cx="0" cy="0"/>
+          <a:chOff x="0" y="0"/>
+          <a:chExt cx="0" cy="0"/>
+        </a:xfrm>
+      </p:grpSpPr>
+      <p:sp>
+        <p:nvSpPr>
+          <p:cNvPr id="2" name="Slide Image Placeholder 1">
+            <a:extLst>
+              <a:ext uri="{FF2B5EF4-FFF2-40B4-BE49-F238E27FC236}">
+                <a16:creationId xmlns:a16="http://schemas.microsoft.com/office/drawing/2014/main" id="{15D736F7-D06D-AFE0-9DE5-384477C888F3}"/>
+              </a:ext>
+            </a:extLst>
+          </p:cNvPr>
+          <p:cNvSpPr>
+            <a:spLocks noGrp="1" noRot="1" noChangeAspect="1"/>
+          </p:cNvSpPr>
+          <p:nvPr>
+            <p:ph type="sldImg"/>
+          </p:nvPr>
+        </p:nvSpPr>
+        <p:spPr/>
+        <p:txBody>
+          <a:bodyPr/>
+          <a:lstStyle/>
+          <a:p>
+            <a:endParaRPr lang="en-US"/>
+          </a:p>
+        </p:txBody>
+      </p:sp>
+      <p:sp>
+        <p:nvSpPr>
+          <p:cNvPr id="3" name="Notes Placeholder 2">
+            <a:extLst>
+              <a:ext uri="{FF2B5EF4-FFF2-40B4-BE49-F238E27FC236}">
+                <a16:creationId xmlns:a16="http://schemas.microsoft.com/office/drawing/2014/main" id="{3F4EF8D3-A3DB-6954-B716-4FF5031A1F8A}"/>
+              </a:ext>
+            </a:extLst>
+          </p:cNvPr>
+          <p:cNvSpPr>
+            <a:spLocks noGrp="1"/>
+          </p:cNvSpPr>
+          <p:nvPr>
+            <p:ph type="body" idx="1"/>
+          </p:nvPr>
+        </p:nvSpPr>
+        <p:spPr/>
+        <p:txBody>
+          <a:bodyPr/>
+          <a:lstStyle/>
+          <a:p>
+            <a:r>
+              <a:rPr lang="en-GB" dirty="0"/>
+              <a:t>This workflow ensures accurate, automated, and real-time loan repayment predictions.</a:t>
+            </a:r>
+            <a:endParaRPr lang="en-RW" dirty="0"/>
+          </a:p>
+        </p:txBody>
+      </p:sp>
+      <p:sp>
+        <p:nvSpPr>
+          <p:cNvPr id="4" name="Slide Number Placeholder 3">
+            <a:extLst>
+              <a:ext uri="{FF2B5EF4-FFF2-40B4-BE49-F238E27FC236}">
+                <a16:creationId xmlns:a16="http://schemas.microsoft.com/office/drawing/2014/main" id="{DF9591E6-C8FA-11C9-D0FE-41D6738181AE}"/>
+              </a:ext>
+            </a:extLst>
+          </p:cNvPr>
+          <p:cNvSpPr>
+            <a:spLocks noGrp="1"/>
+          </p:cNvSpPr>
+          <p:nvPr>
+            <p:ph type="sldNum" sz="quarter" idx="5"/>
+          </p:nvPr>
+        </p:nvSpPr>
+        <p:spPr/>
+        <p:txBody>
+          <a:bodyPr/>
+          <a:lstStyle/>
+          <a:p>
+            <a:fld id="{B36662A0-F468-4F97-99D3-50FE8E7C5F53}" type="slidenum">
+              <a:rPr lang="en-RW" smtClean="0"/>
+              <a:t>8</a:t>
+            </a:fld>
+            <a:endParaRPr lang="en-RW"/>
+          </a:p>
+        </p:txBody>
+      </p:sp>
+    </p:spTree>
+    <p:extLst>
+      <p:ext uri="{BB962C8B-B14F-4D97-AF65-F5344CB8AC3E}">
+        <p14:creationId xmlns:p14="http://schemas.microsoft.com/office/powerpoint/2010/main" val="1816526844"/>
+      </p:ext>
+    </p:extLst>
+  </p:cSld>
+  <p:clrMapOvr>
+    <a:masterClrMapping/>
+  </p:clrMapOvr>
+</p:notes>
+</file>
+
+<file path=ppt/notesSlides/notesSlide8.xml><?xml version="1.0" encoding="utf-8"?>
+<p:notes xmlns:a="http://schemas.openxmlformats.org/drawingml/2006/main" xmlns:r="http://schemas.openxmlformats.org/officeDocument/2006/relationships" xmlns:p="http://schemas.openxmlformats.org/presentationml/2006/main">
+  <p:cSld>
+    <p:spTree>
+      <p:nvGrpSpPr>
+        <p:cNvPr id="1" name="">
+          <a:extLst>
+            <a:ext uri="{FF2B5EF4-FFF2-40B4-BE49-F238E27FC236}">
+              <a16:creationId xmlns:a16="http://schemas.microsoft.com/office/drawing/2014/main" id="{4EFEBAB0-E39E-5206-1170-70C392DA029B}"/>
+            </a:ext>
+          </a:extLst>
+        </p:cNvPr>
+        <p:cNvGrpSpPr/>
+        <p:nvPr/>
+      </p:nvGrpSpPr>
+      <p:grpSpPr>
+        <a:xfrm>
+          <a:off x="0" y="0"/>
+          <a:ext cx="0" cy="0"/>
+          <a:chOff x="0" y="0"/>
+          <a:chExt cx="0" cy="0"/>
+        </a:xfrm>
+      </p:grpSpPr>
+      <p:sp>
+        <p:nvSpPr>
+          <p:cNvPr id="2" name="Slide Image Placeholder 1">
+            <a:extLst>
+              <a:ext uri="{FF2B5EF4-FFF2-40B4-BE49-F238E27FC236}">
+                <a16:creationId xmlns:a16="http://schemas.microsoft.com/office/drawing/2014/main" id="{0603021E-C46B-CAA7-43A9-6C32CE6E8BE4}"/>
+              </a:ext>
+            </a:extLst>
+          </p:cNvPr>
+          <p:cNvSpPr>
+            <a:spLocks noGrp="1" noRot="1" noChangeAspect="1"/>
+          </p:cNvSpPr>
+          <p:nvPr>
+            <p:ph type="sldImg"/>
+          </p:nvPr>
+        </p:nvSpPr>
+        <p:spPr/>
+        <p:txBody>
+          <a:bodyPr/>
+          <a:lstStyle/>
+          <a:p>
+            <a:endParaRPr lang="en-US"/>
+          </a:p>
+        </p:txBody>
+      </p:sp>
+      <p:sp>
+        <p:nvSpPr>
+          <p:cNvPr id="3" name="Notes Placeholder 2">
+            <a:extLst>
+              <a:ext uri="{FF2B5EF4-FFF2-40B4-BE49-F238E27FC236}">
+                <a16:creationId xmlns:a16="http://schemas.microsoft.com/office/drawing/2014/main" id="{890ED158-C7B3-9C7A-088E-2F34B4640DD8}"/>
+              </a:ext>
+            </a:extLst>
+          </p:cNvPr>
+          <p:cNvSpPr>
+            <a:spLocks noGrp="1"/>
+          </p:cNvSpPr>
+          <p:nvPr>
+            <p:ph type="body" idx="1"/>
+          </p:nvPr>
+        </p:nvSpPr>
+        <p:spPr/>
+        <p:txBody>
+          <a:bodyPr/>
+          <a:lstStyle/>
+          <a:p>
+            <a:r>
+              <a:rPr lang="en-GB" dirty="0"/>
+              <a:t>This workflow ensures accurate, automated, and real-time loan repayment predictions.</a:t>
+            </a:r>
+            <a:endParaRPr lang="en-RW" dirty="0"/>
+          </a:p>
+        </p:txBody>
+      </p:sp>
+      <p:sp>
+        <p:nvSpPr>
+          <p:cNvPr id="4" name="Slide Number Placeholder 3">
+            <a:extLst>
+              <a:ext uri="{FF2B5EF4-FFF2-40B4-BE49-F238E27FC236}">
+                <a16:creationId xmlns:a16="http://schemas.microsoft.com/office/drawing/2014/main" id="{AC1C9B78-E825-FA3B-FBAD-A1543CFBDAA3}"/>
+              </a:ext>
+            </a:extLst>
+          </p:cNvPr>
+          <p:cNvSpPr>
+            <a:spLocks noGrp="1"/>
+          </p:cNvSpPr>
+          <p:nvPr>
+            <p:ph type="sldNum" sz="quarter" idx="5"/>
+          </p:nvPr>
+        </p:nvSpPr>
+        <p:spPr/>
+        <p:txBody>
+          <a:bodyPr/>
+          <a:lstStyle/>
+          <a:p>
+            <a:fld id="{B36662A0-F468-4F97-99D3-50FE8E7C5F53}" type="slidenum">
+              <a:rPr lang="en-RW" smtClean="0"/>
+              <a:t>9</a:t>
+            </a:fld>
+            <a:endParaRPr lang="en-RW"/>
+          </a:p>
+        </p:txBody>
+      </p:sp>
+    </p:spTree>
+    <p:extLst>
+      <p:ext uri="{BB962C8B-B14F-4D97-AF65-F5344CB8AC3E}">
+        <p14:creationId xmlns:p14="http://schemas.microsoft.com/office/powerpoint/2010/main" val="867440459"/>
+      </p:ext>
+    </p:extLst>
+  </p:cSld>
+  <p:clrMapOvr>
+    <a:masterClrMapping/>
+  </p:clrMapOvr>
+</p:notes>
+</file>
+
+<file path=ppt/notesSlides/notesSlide9.xml><?xml version="1.0" encoding="utf-8"?>
+<p:notes xmlns:a="http://schemas.openxmlformats.org/drawingml/2006/main" xmlns:r="http://schemas.openxmlformats.org/officeDocument/2006/relationships" xmlns:p="http://schemas.openxmlformats.org/presentationml/2006/main">
+  <p:cSld>
+    <p:spTree>
+      <p:nvGrpSpPr>
+        <p:cNvPr id="1" name="">
+          <a:extLst>
+            <a:ext uri="{FF2B5EF4-FFF2-40B4-BE49-F238E27FC236}">
+              <a16:creationId xmlns:a16="http://schemas.microsoft.com/office/drawing/2014/main" id="{34FD1C00-6109-C29E-61FB-1D837632CC1C}"/>
+            </a:ext>
+          </a:extLst>
+        </p:cNvPr>
+        <p:cNvGrpSpPr/>
+        <p:nvPr/>
+      </p:nvGrpSpPr>
+      <p:grpSpPr>
+        <a:xfrm>
+          <a:off x="0" y="0"/>
+          <a:ext cx="0" cy="0"/>
+          <a:chOff x="0" y="0"/>
+          <a:chExt cx="0" cy="0"/>
+        </a:xfrm>
+      </p:grpSpPr>
+      <p:sp>
+        <p:nvSpPr>
+          <p:cNvPr id="2" name="Slide Image Placeholder 1">
+            <a:extLst>
+              <a:ext uri="{FF2B5EF4-FFF2-40B4-BE49-F238E27FC236}">
+                <a16:creationId xmlns:a16="http://schemas.microsoft.com/office/drawing/2014/main" id="{DCF11D75-42BE-819C-034B-DC40A6640DA2}"/>
+              </a:ext>
+            </a:extLst>
+          </p:cNvPr>
+          <p:cNvSpPr>
+            <a:spLocks noGrp="1" noRot="1" noChangeAspect="1"/>
+          </p:cNvSpPr>
+          <p:nvPr>
+            <p:ph type="sldImg"/>
+          </p:nvPr>
+        </p:nvSpPr>
+        <p:spPr/>
+        <p:txBody>
+          <a:bodyPr/>
+          <a:lstStyle/>
+          <a:p>
+            <a:endParaRPr lang="en-US"/>
+          </a:p>
+        </p:txBody>
+      </p:sp>
+      <p:sp>
+        <p:nvSpPr>
+          <p:cNvPr id="3" name="Notes Placeholder 2">
+            <a:extLst>
+              <a:ext uri="{FF2B5EF4-FFF2-40B4-BE49-F238E27FC236}">
+                <a16:creationId xmlns:a16="http://schemas.microsoft.com/office/drawing/2014/main" id="{6304BD49-863D-A434-8AFD-96D874E641B1}"/>
+              </a:ext>
+            </a:extLst>
+          </p:cNvPr>
+          <p:cNvSpPr>
+            <a:spLocks noGrp="1"/>
+          </p:cNvSpPr>
+          <p:nvPr>
+            <p:ph type="body" idx="1"/>
+          </p:nvPr>
+        </p:nvSpPr>
+        <p:spPr/>
+        <p:txBody>
+          <a:bodyPr/>
+          <a:lstStyle/>
+          <a:p>
+            <a:r>
+              <a:rPr lang="en-GB" dirty="0"/>
+              <a:t>This workflow ensures accurate, automated, and real-time loan repayment predictions.</a:t>
+            </a:r>
+            <a:endParaRPr lang="en-RW" dirty="0"/>
+          </a:p>
+        </p:txBody>
+      </p:sp>
+      <p:sp>
+        <p:nvSpPr>
+          <p:cNvPr id="4" name="Slide Number Placeholder 3">
+            <a:extLst>
+              <a:ext uri="{FF2B5EF4-FFF2-40B4-BE49-F238E27FC236}">
+                <a16:creationId xmlns:a16="http://schemas.microsoft.com/office/drawing/2014/main" id="{37F1E851-7DF1-3C64-2597-B7AF9009E094}"/>
+              </a:ext>
+            </a:extLst>
+          </p:cNvPr>
+          <p:cNvSpPr>
+            <a:spLocks noGrp="1"/>
+          </p:cNvSpPr>
+          <p:nvPr>
+            <p:ph type="sldNum" sz="quarter" idx="5"/>
+          </p:nvPr>
+        </p:nvSpPr>
+        <p:spPr/>
+        <p:txBody>
+          <a:bodyPr/>
+          <a:lstStyle/>
+          <a:p>
+            <a:fld id="{B36662A0-F468-4F97-99D3-50FE8E7C5F53}" type="slidenum">
+              <a:rPr lang="en-RW" smtClean="0"/>
+              <a:t>10</a:t>
+            </a:fld>
+            <a:endParaRPr lang="en-RW"/>
+          </a:p>
+        </p:txBody>
+      </p:sp>
+    </p:spTree>
+    <p:extLst>
+      <p:ext uri="{BB962C8B-B14F-4D97-AF65-F5344CB8AC3E}">
+        <p14:creationId xmlns:p14="http://schemas.microsoft.com/office/powerpoint/2010/main" val="603977252"/>
       </p:ext>
     </p:extLst>
   </p:cSld>
@@ -992,7 +1860,7 @@
           <a:p>
             <a:fld id="{5BCAD085-E8A6-8845-BD4E-CB4CCA059FC4}" type="datetimeFigureOut">
               <a:rPr lang="en-US" smtClean="0"/>
-              <a:t>1/20/2026</a:t>
+              <a:t>1/21/2026</a:t>
             </a:fld>
             <a:endParaRPr lang="en-US"/>
           </a:p>
@@ -1234,7 +2102,7 @@
           <a:p>
             <a:fld id="{5BCAD085-E8A6-8845-BD4E-CB4CCA059FC4}" type="datetimeFigureOut">
               <a:rPr lang="en-US" smtClean="0"/>
-              <a:t>1/20/2026</a:t>
+              <a:t>1/21/2026</a:t>
             </a:fld>
             <a:endParaRPr lang="en-US"/>
           </a:p>
@@ -1418,7 +2286,7 @@
           <a:p>
             <a:fld id="{5BCAD085-E8A6-8845-BD4E-CB4CCA059FC4}" type="datetimeFigureOut">
               <a:rPr lang="en-US" smtClean="0"/>
-              <a:t>1/20/2026</a:t>
+              <a:t>1/21/2026</a:t>
             </a:fld>
             <a:endParaRPr lang="en-US"/>
           </a:p>
@@ -1619,7 +2487,7 @@
           <a:p>
             <a:fld id="{5BCAD085-E8A6-8845-BD4E-CB4CCA059FC4}" type="datetimeFigureOut">
               <a:rPr lang="en-US" smtClean="0"/>
-              <a:t>1/20/2026</a:t>
+              <a:t>1/21/2026</a:t>
             </a:fld>
             <a:endParaRPr lang="en-US"/>
           </a:p>
@@ -1898,7 +2766,7 @@
           <a:p>
             <a:fld id="{5BCAD085-E8A6-8845-BD4E-CB4CCA059FC4}" type="datetimeFigureOut">
               <a:rPr lang="en-US" smtClean="0"/>
-              <a:t>1/20/2026</a:t>
+              <a:t>1/21/2026</a:t>
             </a:fld>
             <a:endParaRPr lang="en-US"/>
           </a:p>
@@ -2166,7 +3034,7 @@
           <a:p>
             <a:fld id="{5BCAD085-E8A6-8845-BD4E-CB4CCA059FC4}" type="datetimeFigureOut">
               <a:rPr lang="en-US" smtClean="0"/>
-              <a:t>1/20/2026</a:t>
+              <a:t>1/21/2026</a:t>
             </a:fld>
             <a:endParaRPr lang="en-US"/>
           </a:p>
@@ -2613,7 +3481,7 @@
           <a:p>
             <a:fld id="{5BCAD085-E8A6-8845-BD4E-CB4CCA059FC4}" type="datetimeFigureOut">
               <a:rPr lang="en-US" smtClean="0"/>
-              <a:t>1/20/2026</a:t>
+              <a:t>1/21/2026</a:t>
             </a:fld>
             <a:endParaRPr lang="en-US"/>
           </a:p>
@@ -2762,7 +3630,7 @@
           <a:p>
             <a:fld id="{5BCAD085-E8A6-8845-BD4E-CB4CCA059FC4}" type="datetimeFigureOut">
               <a:rPr lang="en-US" smtClean="0"/>
-              <a:t>1/20/2026</a:t>
+              <a:t>1/21/2026</a:t>
             </a:fld>
             <a:endParaRPr lang="en-US"/>
           </a:p>
@@ -2857,7 +3725,7 @@
           <a:p>
             <a:fld id="{5BCAD085-E8A6-8845-BD4E-CB4CCA059FC4}" type="datetimeFigureOut">
               <a:rPr lang="en-US" smtClean="0"/>
-              <a:t>1/20/2026</a:t>
+              <a:t>1/21/2026</a:t>
             </a:fld>
             <a:endParaRPr lang="en-US"/>
           </a:p>
@@ -3110,7 +3978,7 @@
           <a:p>
             <a:fld id="{5BCAD085-E8A6-8845-BD4E-CB4CCA059FC4}" type="datetimeFigureOut">
               <a:rPr lang="en-US" smtClean="0"/>
-              <a:t>1/20/2026</a:t>
+              <a:t>1/21/2026</a:t>
             </a:fld>
             <a:endParaRPr lang="en-US"/>
           </a:p>
@@ -3290,6 +4158,13 @@
               <a:schemeClr val="lt1"/>
             </a:fontRef>
           </p:style>
+          <p:txBody>
+            <a:bodyPr/>
+            <a:lstStyle/>
+            <a:p>
+              <a:endParaRPr lang="en-US"/>
+            </a:p>
+          </p:txBody>
         </p:sp>
         <p:sp>
           <p:nvSpPr>
@@ -3351,6 +4226,13 @@
               <a:schemeClr val="lt1"/>
             </a:fontRef>
           </p:style>
+          <p:txBody>
+            <a:bodyPr/>
+            <a:lstStyle/>
+            <a:p>
+              <a:endParaRPr lang="en-US"/>
+            </a:p>
+          </p:txBody>
         </p:sp>
       </p:grpSp>
       <p:sp>
@@ -3555,7 +4437,7 @@
           <a:p>
             <a:fld id="{5BCAD085-E8A6-8845-BD4E-CB4CCA059FC4}" type="datetimeFigureOut">
               <a:rPr lang="en-US" smtClean="0"/>
-              <a:t>1/20/2026</a:t>
+              <a:t>1/21/2026</a:t>
             </a:fld>
             <a:endParaRPr lang="en-US"/>
           </a:p>
@@ -3926,7 +4808,7 @@
           <a:p>
             <a:fld id="{5BCAD085-E8A6-8845-BD4E-CB4CCA059FC4}" type="datetimeFigureOut">
               <a:rPr lang="en-US" smtClean="0"/>
-              <a:t>1/20/2026</a:t>
+              <a:t>1/21/2026</a:t>
             </a:fld>
             <a:endParaRPr lang="en-US"/>
           </a:p>
@@ -4385,15 +5267,21 @@
             <p:ph type="ctrTitle"/>
           </p:nvPr>
         </p:nvSpPr>
-        <p:spPr/>
+        <p:spPr>
+          <a:xfrm>
+            <a:off x="2396319" y="802299"/>
+            <a:ext cx="6138081" cy="2541431"/>
+          </a:xfrm>
+        </p:spPr>
         <p:txBody>
           <a:bodyPr>
-            <a:normAutofit fontScale="90000"/>
+            <a:normAutofit/>
           </a:bodyPr>
           <a:lstStyle/>
           <a:p>
-            <a:r>
-              <a:rPr dirty="0"/>
+            <a:pPr algn="ctr"/>
+            <a:r>
+              <a:rPr sz="3200" dirty="0"/>
               <a:t>Loan Repayment Prediction System</a:t>
             </a:r>
           </a:p>
@@ -4421,15 +5309,16 @@
           </a:bodyPr>
           <a:lstStyle/>
           <a:p>
-            <a:r>
-              <a:rPr dirty="0"/>
+            <a:pPr algn="ctr"/>
+            <a:r>
+              <a:rPr b="1" dirty="0"/>
               <a:t>Presented by: </a:t>
             </a:r>
             <a:r>
-              <a:rPr lang="en-US" dirty="0"/>
-              <a:t>Group 6</a:t>
-            </a:r>
-            <a:endParaRPr dirty="0"/>
+              <a:rPr lang="en-US" b="1" dirty="0"/>
+              <a:t>Group  six</a:t>
+            </a:r>
+            <a:endParaRPr b="1" dirty="0"/>
           </a:p>
         </p:txBody>
       </p:sp>
@@ -4441,12 +5330,18 @@
 </p:sld>
 </file>
 
-<file path=ppt/slides/slide2.xml><?xml version="1.0" encoding="utf-8"?>
+<file path=ppt/slides/slide10.xml><?xml version="1.0" encoding="utf-8"?>
 <p:sld xmlns:a="http://schemas.openxmlformats.org/drawingml/2006/main" xmlns:r="http://schemas.openxmlformats.org/officeDocument/2006/relationships" xmlns:p="http://schemas.openxmlformats.org/presentationml/2006/main">
   <p:cSld>
     <p:spTree>
       <p:nvGrpSpPr>
-        <p:cNvPr id="1" name=""/>
+        <p:cNvPr id="1" name="">
+          <a:extLst>
+            <a:ext uri="{FF2B5EF4-FFF2-40B4-BE49-F238E27FC236}">
+              <a16:creationId xmlns:a16="http://schemas.microsoft.com/office/drawing/2014/main" id="{18247DF9-D09A-6D94-FAA8-D5BCBE7DE7AD}"/>
+            </a:ext>
+          </a:extLst>
+        </p:cNvPr>
         <p:cNvGrpSpPr/>
         <p:nvPr/>
       </p:nvGrpSpPr>
@@ -4460,260 +5355,48 @@
       </p:grpSpPr>
       <p:sp>
         <p:nvSpPr>
-          <p:cNvPr id="2" name="Title 1"/>
-          <p:cNvSpPr>
-            <a:spLocks noGrp="1"/>
-          </p:cNvSpPr>
-          <p:nvPr>
-            <p:ph type="title"/>
-          </p:nvPr>
-        </p:nvSpPr>
-        <p:spPr/>
-        <p:txBody>
-          <a:bodyPr/>
-          <a:lstStyle/>
-          <a:p>
-            <a:r>
-              <a:rPr lang="en-US" dirty="0"/>
-              <a:t>Project Overview</a:t>
-            </a:r>
-            <a:endParaRPr dirty="0"/>
-          </a:p>
-        </p:txBody>
-      </p:sp>
-      <p:sp>
-        <p:nvSpPr>
-          <p:cNvPr id="3" name="Content Placeholder 2"/>
-          <p:cNvSpPr>
-            <a:spLocks noGrp="1"/>
-          </p:cNvSpPr>
-          <p:nvPr>
-            <p:ph idx="1"/>
-          </p:nvPr>
-        </p:nvSpPr>
-        <p:spPr/>
-        <p:txBody>
-          <a:bodyPr>
-            <a:normAutofit fontScale="85000" lnSpcReduction="10000"/>
-          </a:bodyPr>
-          <a:lstStyle/>
-          <a:p>
-            <a:pPr marL="0" indent="0">
-              <a:buNone/>
-            </a:pPr>
-            <a:r>
-              <a:rPr lang="en-GB" b="1" dirty="0"/>
-              <a:t>Problem Statement:</a:t>
-            </a:r>
-            <a:endParaRPr lang="en-GB" dirty="0"/>
-          </a:p>
-          <a:p>
-            <a:r>
-              <a:rPr lang="en-GB" dirty="0"/>
-              <a:t>Banks and financial institutions face risk of loan defaults.</a:t>
-            </a:r>
-          </a:p>
-          <a:p>
-            <a:r>
-              <a:rPr lang="en-GB" dirty="0"/>
-              <a:t>Manual assessment of borrowers is time-consuming and prone to errors.</a:t>
-            </a:r>
-          </a:p>
-          <a:p>
-            <a:pPr marL="0" indent="0">
-              <a:buNone/>
-            </a:pPr>
-            <a:r>
-              <a:rPr lang="en-GB" b="1" dirty="0"/>
-              <a:t>Objective:</a:t>
-            </a:r>
-            <a:endParaRPr lang="en-GB" dirty="0"/>
-          </a:p>
-          <a:p>
-            <a:r>
-              <a:rPr lang="en-GB" dirty="0"/>
-              <a:t>Develop a machine learning-based system to predict if a loan will be repaid.</a:t>
-            </a:r>
-          </a:p>
-          <a:p>
-            <a:r>
-              <a:rPr lang="en-GB" dirty="0"/>
-              <a:t>Provide probability scores to support informed decision-making.</a:t>
-            </a:r>
-          </a:p>
-          <a:p>
-            <a:r>
-              <a:rPr lang="en-GB" dirty="0"/>
-              <a:t>Automate and streamline the loan approval process.</a:t>
-            </a:r>
-          </a:p>
-        </p:txBody>
-      </p:sp>
-    </p:spTree>
-  </p:cSld>
-  <p:clrMapOvr>
-    <a:masterClrMapping/>
-  </p:clrMapOvr>
-</p:sld>
-</file>
-
-<file path=ppt/slides/slide3.xml><?xml version="1.0" encoding="utf-8"?>
-<p:sld xmlns:a="http://schemas.openxmlformats.org/drawingml/2006/main" xmlns:r="http://schemas.openxmlformats.org/officeDocument/2006/relationships" xmlns:p="http://schemas.openxmlformats.org/presentationml/2006/main">
-  <p:cSld>
-    <p:spTree>
-      <p:nvGrpSpPr>
-        <p:cNvPr id="1" name=""/>
-        <p:cNvGrpSpPr/>
-        <p:nvPr/>
-      </p:nvGrpSpPr>
-      <p:grpSpPr>
-        <a:xfrm>
-          <a:off x="0" y="0"/>
-          <a:ext cx="0" cy="0"/>
-          <a:chOff x="0" y="0"/>
-          <a:chExt cx="0" cy="0"/>
-        </a:xfrm>
-      </p:grpSpPr>
-      <p:sp>
-        <p:nvSpPr>
-          <p:cNvPr id="2" name="Title 1"/>
-          <p:cNvSpPr>
-            <a:spLocks noGrp="1"/>
-          </p:cNvSpPr>
-          <p:nvPr>
-            <p:ph type="title"/>
-          </p:nvPr>
-        </p:nvSpPr>
-        <p:spPr/>
-        <p:txBody>
-          <a:bodyPr/>
-          <a:lstStyle/>
-          <a:p>
-            <a:r>
-              <a:t>Tools, Technologies &amp; Features</a:t>
-            </a:r>
-          </a:p>
-        </p:txBody>
-      </p:sp>
-      <p:sp>
-        <p:nvSpPr>
-          <p:cNvPr id="3" name="Content Placeholder 2"/>
-          <p:cNvSpPr>
-            <a:spLocks noGrp="1"/>
-          </p:cNvSpPr>
-          <p:nvPr>
-            <p:ph idx="1"/>
-          </p:nvPr>
-        </p:nvSpPr>
-        <p:spPr/>
-        <p:txBody>
-          <a:bodyPr>
-            <a:normAutofit/>
-          </a:bodyPr>
-          <a:lstStyle/>
-          <a:p>
-            <a:r>
-              <a:rPr dirty="0"/>
-              <a:t>Programming Language: Python</a:t>
-            </a:r>
-          </a:p>
-          <a:p>
-            <a:r>
-              <a:rPr dirty="0"/>
-              <a:t>Machine Learning: Scikit-learn (Random Forest Classifier)</a:t>
-            </a:r>
-          </a:p>
-          <a:p>
-            <a:r>
-              <a:rPr dirty="0"/>
-              <a:t>Web Framework: Flask (Frontend &amp; Backend)</a:t>
-            </a:r>
-          </a:p>
-          <a:p>
-            <a:pPr marL="0" indent="0">
-              <a:buNone/>
-            </a:pPr>
-            <a:r>
-              <a:rPr b="1" dirty="0"/>
-              <a:t>Features:</a:t>
-            </a:r>
-          </a:p>
-          <a:p>
-            <a:r>
-              <a:rPr dirty="0"/>
-              <a:t>  Data preprocessing &amp; validation</a:t>
-            </a:r>
-          </a:p>
-          <a:p>
-            <a:r>
-              <a:rPr dirty="0"/>
-              <a:t>  Probability-based prediction</a:t>
-            </a:r>
-          </a:p>
-          <a:p>
-            <a:r>
-              <a:rPr dirty="0"/>
-              <a:t>  70% confidence threshold</a:t>
-            </a:r>
-          </a:p>
-        </p:txBody>
-      </p:sp>
-    </p:spTree>
-  </p:cSld>
-  <p:clrMapOvr>
-    <a:masterClrMapping/>
-  </p:clrMapOvr>
-</p:sld>
-</file>
-
-<file path=ppt/slides/slide4.xml><?xml version="1.0" encoding="utf-8"?>
-<p:sld xmlns:a="http://schemas.openxmlformats.org/drawingml/2006/main" xmlns:r="http://schemas.openxmlformats.org/officeDocument/2006/relationships" xmlns:p="http://schemas.openxmlformats.org/presentationml/2006/main">
-  <p:cSld>
-    <p:spTree>
-      <p:nvGrpSpPr>
-        <p:cNvPr id="1" name=""/>
-        <p:cNvGrpSpPr/>
-        <p:nvPr/>
-      </p:nvGrpSpPr>
-      <p:grpSpPr>
-        <a:xfrm>
-          <a:off x="0" y="0"/>
-          <a:ext cx="0" cy="0"/>
-          <a:chOff x="0" y="0"/>
-          <a:chExt cx="0" cy="0"/>
-        </a:xfrm>
-      </p:grpSpPr>
-      <p:sp>
-        <p:nvSpPr>
-          <p:cNvPr id="2" name="Title 1"/>
-          <p:cNvSpPr>
-            <a:spLocks noGrp="1"/>
-          </p:cNvSpPr>
-          <p:nvPr>
-            <p:ph type="title"/>
-          </p:nvPr>
-        </p:nvSpPr>
-        <p:spPr/>
-        <p:txBody>
-          <a:bodyPr/>
-          <a:lstStyle/>
-          <a:p>
-            <a:r>
-              <a:t>System Architecture &amp; API</a:t>
-            </a:r>
-          </a:p>
-        </p:txBody>
-      </p:sp>
-      <p:sp>
-        <p:nvSpPr>
-          <p:cNvPr id="5" name="Rectangle 2">
+          <p:cNvPr id="2" name="Title 1">
             <a:extLst>
               <a:ext uri="{FF2B5EF4-FFF2-40B4-BE49-F238E27FC236}">
-                <a16:creationId xmlns:a16="http://schemas.microsoft.com/office/drawing/2014/main" id="{90068BD3-4E7B-6658-5030-0245311EE430}"/>
+                <a16:creationId xmlns:a16="http://schemas.microsoft.com/office/drawing/2014/main" id="{EC89A8AF-BCC2-EBDB-6490-CF496F150CB9}"/>
               </a:ext>
             </a:extLst>
           </p:cNvPr>
           <p:cNvSpPr>
+            <a:spLocks noGrp="1"/>
+          </p:cNvSpPr>
+          <p:nvPr>
+            <p:ph type="title"/>
+          </p:nvPr>
+        </p:nvSpPr>
+        <p:spPr>
+          <a:xfrm>
+            <a:off x="1443491" y="804521"/>
+            <a:ext cx="6571343" cy="689000"/>
+          </a:xfrm>
+        </p:spPr>
+        <p:txBody>
+          <a:bodyPr/>
+          <a:lstStyle/>
+          <a:p>
+            <a:r>
+              <a:rPr lang="en-US" dirty="0"/>
+              <a:t>Model Deployment</a:t>
+            </a:r>
+            <a:endParaRPr dirty="0"/>
+          </a:p>
+        </p:txBody>
+      </p:sp>
+      <p:sp>
+        <p:nvSpPr>
+          <p:cNvPr id="4" name="Rectangle 1">
+            <a:extLst>
+              <a:ext uri="{FF2B5EF4-FFF2-40B4-BE49-F238E27FC236}">
+                <a16:creationId xmlns:a16="http://schemas.microsoft.com/office/drawing/2014/main" id="{8EBF02F0-2F8C-A52F-4447-3CDF52321159}"/>
+              </a:ext>
+            </a:extLst>
+          </p:cNvPr>
+          <p:cNvSpPr>
             <a:spLocks noGrp="1" noChangeArrowheads="1"/>
           </p:cNvSpPr>
           <p:nvPr>
@@ -4722,8 +5405,8 @@
         </p:nvSpPr>
         <p:spPr bwMode="auto">
           <a:xfrm>
-            <a:off x="1337187" y="2160788"/>
-            <a:ext cx="6872447" cy="2862322"/>
+            <a:off x="975678" y="2314417"/>
+            <a:ext cx="4496744" cy="1477328"/>
           </a:xfrm>
           <a:prstGeom prst="rect">
             <a:avLst/>
@@ -4763,7 +5446,7 @@
           </a:extLst>
         </p:spPr>
         <p:txBody>
-          <a:bodyPr vert="horz" wrap="square" lIns="91440" tIns="45720" rIns="91440" bIns="45720" numCol="1" anchor="ctr" anchorCtr="0" compatLnSpc="1">
+          <a:bodyPr vert="horz" wrap="none" lIns="91440" tIns="45720" rIns="91440" bIns="45720" numCol="1" anchor="ctr" anchorCtr="0" compatLnSpc="1">
             <a:prstTxWarp prst="textNoShape">
               <a:avLst/>
             </a:prstTxWarp>
@@ -4788,7 +5471,7 @@
               <a:tabLst/>
             </a:pPr>
             <a:r>
-              <a:rPr kumimoji="0" lang="en-RW" altLang="en-RW" sz="1800" b="1" i="0" u="none" strike="noStrike" cap="none" normalizeH="0" baseline="0" dirty="0">
+              <a:rPr kumimoji="0" lang="en-US" altLang="en-US" sz="1800" b="0" i="0" u="none" strike="noStrike" cap="none" normalizeH="0" baseline="0" dirty="0">
                 <a:ln>
                   <a:noFill/>
                 </a:ln>
@@ -4798,10 +5481,10 @@
                 <a:effectLst/>
                 <a:latin typeface="Arial" panose="020B0604020202020204" pitchFamily="34" charset="0"/>
               </a:rPr>
-              <a:t>Data &amp; Model Training:</a:t>
-            </a:r>
-            <a:r>
-              <a:rPr kumimoji="0" lang="en-RW" altLang="en-RW" sz="1800" b="0" i="0" u="none" strike="noStrike" cap="none" normalizeH="0" baseline="0" dirty="0">
+              <a:t>Final model saved using </a:t>
+            </a:r>
+            <a:r>
+              <a:rPr kumimoji="0" lang="en-US" altLang="en-US" sz="1800" b="1" i="0" u="none" strike="noStrike" cap="none" normalizeH="0" baseline="0" dirty="0">
                 <a:ln>
                   <a:noFill/>
                 </a:ln>
@@ -4811,10 +5494,56 @@
                 <a:effectLst/>
                 <a:latin typeface="Arial" panose="020B0604020202020204" pitchFamily="34" charset="0"/>
               </a:rPr>
-              <a:t> Raw data is </a:t>
-            </a:r>
-            <a:r>
-              <a:rPr kumimoji="0" lang="en-RW" altLang="en-RW" sz="1800" b="0" i="0" u="none" strike="noStrike" cap="none" normalizeH="0" baseline="0" dirty="0" err="1">
+              <a:t>Joblib</a:t>
+            </a:r>
+          </a:p>
+          <a:p>
+            <a:pPr marL="0" marR="0" lvl="0" indent="0" algn="l" defTabSz="914400" rtl="0" eaLnBrk="0" fontAlgn="base" latinLnBrk="0" hangingPunct="0">
+              <a:lnSpc>
+                <a:spcPct val="100000"/>
+              </a:lnSpc>
+              <a:spcBef>
+                <a:spcPct val="0"/>
+              </a:spcBef>
+              <a:spcAft>
+                <a:spcPct val="0"/>
+              </a:spcAft>
+              <a:buClrTx/>
+              <a:buSzTx/>
+              <a:buFontTx/>
+              <a:buChar char="•"/>
+              <a:tabLst/>
+            </a:pPr>
+            <a:endParaRPr kumimoji="0" lang="en-US" altLang="en-US" sz="1800" b="0" i="0" u="none" strike="noStrike" cap="none" normalizeH="0" baseline="0" dirty="0">
+              <a:ln>
+                <a:noFill/>
+              </a:ln>
+              <a:solidFill>
+                <a:schemeClr val="tx1"/>
+              </a:solidFill>
+              <a:effectLst/>
+              <a:latin typeface="Arial" panose="020B0604020202020204" pitchFamily="34" charset="0"/>
+            </a:endParaRPr>
+          </a:p>
+          <a:p>
+            <a:pPr marL="0" marR="0" lvl="0" indent="0" algn="l" defTabSz="914400" rtl="0" eaLnBrk="0" fontAlgn="base" latinLnBrk="0" hangingPunct="0">
+              <a:lnSpc>
+                <a:spcPct val="100000"/>
+              </a:lnSpc>
+              <a:spcBef>
+                <a:spcPct val="0"/>
+              </a:spcBef>
+              <a:spcAft>
+                <a:spcPct val="0"/>
+              </a:spcAft>
+              <a:buClrTx/>
+              <a:buSzTx/>
+              <a:buFontTx/>
+              <a:buChar char="•"/>
+              <a:tabLst/>
+            </a:pPr>
+            <a:r>
+              <a:rPr kumimoji="0" lang="en-US" altLang="en-US" sz="1800" b="0" i="0" u="none" strike="noStrike" cap="none" normalizeH="0" baseline="0" dirty="0">
                 <a:ln>
                   <a:noFill/>
                 </a:ln>
@@ -4824,10 +5553,10 @@
                 <a:effectLst/>
                 <a:latin typeface="Arial" panose="020B0604020202020204" pitchFamily="34" charset="0"/>
               </a:rPr>
-              <a:t>preprocessed</a:t>
-            </a:r>
-            <a:r>
-              <a:rPr kumimoji="0" lang="en-RW" altLang="en-RW" sz="1800" b="0" i="0" u="none" strike="noStrike" cap="none" normalizeH="0" baseline="0" dirty="0">
+              <a:t>Enables </a:t>
+            </a:r>
+            <a:r>
+              <a:rPr kumimoji="0" lang="en-US" altLang="en-US" sz="1800" b="1" i="0" u="none" strike="noStrike" cap="none" normalizeH="0" baseline="0" dirty="0">
                 <a:ln>
                   <a:noFill/>
                 </a:ln>
@@ -4837,9 +5566,27 @@
                 <a:effectLst/>
                 <a:latin typeface="Arial" panose="020B0604020202020204" pitchFamily="34" charset="0"/>
               </a:rPr>
-              <a:t> and multiple ML models are trained. The best-performing model is selected.</a:t>
-            </a:r>
-            <a:endParaRPr kumimoji="0" lang="en-US" altLang="en-RW" sz="1800" b="0" i="0" u="none" strike="noStrike" cap="none" normalizeH="0" baseline="0" dirty="0">
+              <a:t>reuse without retraining</a:t>
+            </a:r>
+          </a:p>
+          <a:p>
+            <a:pPr marL="0" marR="0" lvl="0" indent="0" algn="l" defTabSz="914400" rtl="0" eaLnBrk="0" fontAlgn="base" latinLnBrk="0" hangingPunct="0">
+              <a:lnSpc>
+                <a:spcPct val="100000"/>
+              </a:lnSpc>
+              <a:spcBef>
+                <a:spcPct val="0"/>
+              </a:spcBef>
+              <a:spcAft>
+                <a:spcPct val="0"/>
+              </a:spcAft>
+              <a:buClrTx/>
+              <a:buSzTx/>
+              <a:buFontTx/>
+              <a:buChar char="•"/>
+              <a:tabLst/>
+            </a:pPr>
+            <a:endParaRPr kumimoji="0" lang="en-US" altLang="en-US" sz="1800" b="0" i="0" u="none" strike="noStrike" cap="none" normalizeH="0" baseline="0" dirty="0">
               <a:ln>
                 <a:noFill/>
               </a:ln>
@@ -4863,10 +5610,224 @@
               </a:spcAft>
               <a:buClrTx/>
               <a:buSzTx/>
-              <a:buNone/>
+              <a:buFontTx/>
+              <a:buChar char="•"/>
               <a:tabLst/>
             </a:pPr>
-            <a:endParaRPr kumimoji="0" lang="en-RW" altLang="en-RW" sz="1800" b="0" i="0" u="none" strike="noStrike" cap="none" normalizeH="0" baseline="0" dirty="0">
+            <a:r>
+              <a:rPr kumimoji="0" lang="en-US" altLang="en-US" sz="1800" b="0" i="0" u="none" strike="noStrike" cap="none" normalizeH="0" baseline="0" dirty="0">
+                <a:ln>
+                  <a:noFill/>
+                </a:ln>
+                <a:solidFill>
+                  <a:schemeClr val="tx1"/>
+                </a:solidFill>
+                <a:effectLst/>
+                <a:latin typeface="Arial" panose="020B0604020202020204" pitchFamily="34" charset="0"/>
+              </a:rPr>
+              <a:t>Designed for real-time or batch prediction</a:t>
+            </a:r>
+          </a:p>
+        </p:txBody>
+      </p:sp>
+    </p:spTree>
+    <p:extLst>
+      <p:ext uri="{BB962C8B-B14F-4D97-AF65-F5344CB8AC3E}">
+        <p14:creationId xmlns:p14="http://schemas.microsoft.com/office/powerpoint/2010/main" val="825164810"/>
+      </p:ext>
+    </p:extLst>
+  </p:cSld>
+  <p:clrMapOvr>
+    <a:masterClrMapping/>
+  </p:clrMapOvr>
+</p:sld>
+</file>
+
+<file path=ppt/slides/slide11.xml><?xml version="1.0" encoding="utf-8"?>
+<p:sld xmlns:a="http://schemas.openxmlformats.org/drawingml/2006/main" xmlns:r="http://schemas.openxmlformats.org/officeDocument/2006/relationships" xmlns:p="http://schemas.openxmlformats.org/presentationml/2006/main">
+  <p:cSld>
+    <p:spTree>
+      <p:nvGrpSpPr>
+        <p:cNvPr id="1" name="">
+          <a:extLst>
+            <a:ext uri="{FF2B5EF4-FFF2-40B4-BE49-F238E27FC236}">
+              <a16:creationId xmlns:a16="http://schemas.microsoft.com/office/drawing/2014/main" id="{09BCC370-F865-7C69-840B-C4EC5455E559}"/>
+            </a:ext>
+          </a:extLst>
+        </p:cNvPr>
+        <p:cNvGrpSpPr/>
+        <p:nvPr/>
+      </p:nvGrpSpPr>
+      <p:grpSpPr>
+        <a:xfrm>
+          <a:off x="0" y="0"/>
+          <a:ext cx="0" cy="0"/>
+          <a:chOff x="0" y="0"/>
+          <a:chExt cx="0" cy="0"/>
+        </a:xfrm>
+      </p:grpSpPr>
+      <p:sp>
+        <p:nvSpPr>
+          <p:cNvPr id="2" name="Title 1">
+            <a:extLst>
+              <a:ext uri="{FF2B5EF4-FFF2-40B4-BE49-F238E27FC236}">
+                <a16:creationId xmlns:a16="http://schemas.microsoft.com/office/drawing/2014/main" id="{2715C7C0-52EE-C334-3DF7-0BE20EB5275D}"/>
+              </a:ext>
+            </a:extLst>
+          </p:cNvPr>
+          <p:cNvSpPr>
+            <a:spLocks noGrp="1"/>
+          </p:cNvSpPr>
+          <p:nvPr>
+            <p:ph type="title"/>
+          </p:nvPr>
+        </p:nvSpPr>
+        <p:spPr>
+          <a:xfrm>
+            <a:off x="1443491" y="804521"/>
+            <a:ext cx="6571343" cy="689000"/>
+          </a:xfrm>
+        </p:spPr>
+        <p:txBody>
+          <a:bodyPr/>
+          <a:lstStyle/>
+          <a:p>
+            <a:r>
+              <a:rPr lang="en-US" dirty="0"/>
+              <a:t>Probability logic </a:t>
+            </a:r>
+            <a:endParaRPr dirty="0"/>
+          </a:p>
+        </p:txBody>
+      </p:sp>
+      <p:sp>
+        <p:nvSpPr>
+          <p:cNvPr id="3" name="Rectangle 1">
+            <a:extLst>
+              <a:ext uri="{FF2B5EF4-FFF2-40B4-BE49-F238E27FC236}">
+                <a16:creationId xmlns:a16="http://schemas.microsoft.com/office/drawing/2014/main" id="{F20123BF-4F9B-441B-B505-9EEF2608B370}"/>
+              </a:ext>
+            </a:extLst>
+          </p:cNvPr>
+          <p:cNvSpPr>
+            <a:spLocks noGrp="1" noChangeArrowheads="1"/>
+          </p:cNvSpPr>
+          <p:nvPr>
+            <p:ph idx="1"/>
+          </p:nvPr>
+        </p:nvSpPr>
+        <p:spPr bwMode="auto">
+          <a:xfrm>
+            <a:off x="1209675" y="2211043"/>
+            <a:ext cx="7212965" cy="2862322"/>
+          </a:xfrm>
+          <a:prstGeom prst="rect">
+            <a:avLst/>
+          </a:prstGeom>
+          <a:noFill/>
+          <a:ln>
+            <a:noFill/>
+          </a:ln>
+          <a:effectLst/>
+          <a:extLst>
+            <a:ext uri="{909E8E84-426E-40DD-AFC4-6F175D3DCCD1}">
+              <a14:hiddenFill xmlns:a14="http://schemas.microsoft.com/office/drawing/2010/main">
+                <a:solidFill>
+                  <a:schemeClr val="accent1"/>
+                </a:solidFill>
+              </a14:hiddenFill>
+            </a:ext>
+            <a:ext uri="{91240B29-F687-4F45-9708-019B960494DF}">
+              <a14:hiddenLine xmlns:a14="http://schemas.microsoft.com/office/drawing/2010/main" w="9525">
+                <a:solidFill>
+                  <a:schemeClr val="tx1"/>
+                </a:solidFill>
+                <a:miter lim="800000"/>
+                <a:headEnd/>
+                <a:tailEnd/>
+              </a14:hiddenLine>
+            </a:ext>
+            <a:ext uri="{AF507438-7753-43E0-B8FC-AC1667EBCBE1}">
+              <a14:hiddenEffects xmlns:a14="http://schemas.microsoft.com/office/drawing/2010/main">
+                <a:effectLst>
+                  <a:outerShdw dist="35921" dir="2700000" algn="ctr" rotWithShape="0">
+                    <a:schemeClr val="bg2"/>
+                  </a:outerShdw>
+                </a:effectLst>
+              </a14:hiddenEffects>
+            </a:ext>
+          </a:extLst>
+        </p:spPr>
+        <p:txBody>
+          <a:bodyPr vert="horz" wrap="square" lIns="91440" tIns="45720" rIns="91440" bIns="45720" numCol="1" anchor="ctr" anchorCtr="0" compatLnSpc="1">
+            <a:prstTxWarp prst="textNoShape">
+              <a:avLst/>
+            </a:prstTxWarp>
+            <a:spAutoFit/>
+          </a:bodyPr>
+          <a:lstStyle/>
+          <a:p>
+            <a:pPr marL="0" marR="0" lvl="0" indent="0" algn="l" defTabSz="914400" rtl="0" eaLnBrk="0" fontAlgn="base" latinLnBrk="0" hangingPunct="0">
+              <a:lnSpc>
+                <a:spcPct val="100000"/>
+              </a:lnSpc>
+              <a:spcBef>
+                <a:spcPct val="0"/>
+              </a:spcBef>
+              <a:spcAft>
+                <a:spcPct val="0"/>
+              </a:spcAft>
+              <a:buClrTx/>
+              <a:buSzTx/>
+              <a:buFontTx/>
+              <a:buChar char="•"/>
+              <a:tabLst/>
+            </a:pPr>
+            <a:r>
+              <a:rPr kumimoji="0" lang="en-US" altLang="en-US" sz="1800" b="0" i="0" u="none" strike="noStrike" cap="none" normalizeH="0" baseline="0" dirty="0">
+                <a:ln>
+                  <a:noFill/>
+                </a:ln>
+                <a:solidFill>
+                  <a:schemeClr val="tx1"/>
+                </a:solidFill>
+                <a:effectLst/>
+                <a:latin typeface="Arial" panose="020B0604020202020204" pitchFamily="34" charset="0"/>
+              </a:rPr>
+              <a:t> Model outputs the </a:t>
+            </a:r>
+            <a:r>
+              <a:rPr kumimoji="0" lang="en-US" altLang="en-US" sz="1800" b="1" i="0" u="none" strike="noStrike" cap="none" normalizeH="0" baseline="0" dirty="0">
+                <a:ln>
+                  <a:noFill/>
+                </a:ln>
+                <a:solidFill>
+                  <a:schemeClr val="tx1"/>
+                </a:solidFill>
+                <a:effectLst/>
+                <a:latin typeface="Arial" panose="020B0604020202020204" pitchFamily="34" charset="0"/>
+              </a:rPr>
+              <a:t>probability of loan repayment</a:t>
+            </a:r>
+          </a:p>
+          <a:p>
+            <a:pPr marL="0" marR="0" lvl="0" indent="0" algn="l" defTabSz="914400" rtl="0" eaLnBrk="0" fontAlgn="base" latinLnBrk="0" hangingPunct="0">
+              <a:lnSpc>
+                <a:spcPct val="100000"/>
+              </a:lnSpc>
+              <a:spcBef>
+                <a:spcPct val="0"/>
+              </a:spcBef>
+              <a:spcAft>
+                <a:spcPct val="0"/>
+              </a:spcAft>
+              <a:buClrTx/>
+              <a:buSzTx/>
+              <a:buFontTx/>
+              <a:buChar char="•"/>
+              <a:tabLst/>
+            </a:pPr>
+            <a:endParaRPr kumimoji="0" lang="en-US" altLang="en-US" sz="1800" b="0" i="0" u="none" strike="noStrike" cap="none" normalizeH="0" baseline="0" dirty="0">
               <a:ln>
                 <a:noFill/>
               </a:ln>
@@ -4895,7 +5856,7 @@
               <a:tabLst/>
             </a:pPr>
             <a:r>
-              <a:rPr kumimoji="0" lang="en-RW" altLang="en-RW" sz="1800" b="1" i="0" u="none" strike="noStrike" cap="none" normalizeH="0" baseline="0" dirty="0">
+              <a:rPr kumimoji="0" lang="en-US" altLang="en-US" sz="1800" b="0" i="0" u="none" strike="noStrike" cap="none" normalizeH="0" baseline="0" dirty="0">
                 <a:ln>
                   <a:noFill/>
                 </a:ln>
@@ -4905,10 +5866,10 @@
                 <a:effectLst/>
                 <a:latin typeface="Arial" panose="020B0604020202020204" pitchFamily="34" charset="0"/>
               </a:rPr>
-              <a:t>Backend API:</a:t>
-            </a:r>
-            <a:r>
-              <a:rPr kumimoji="0" lang="en-RW" altLang="en-RW" sz="1800" b="0" i="0" u="none" strike="noStrike" cap="none" normalizeH="0" baseline="0" dirty="0">
+              <a:t> Applied a </a:t>
+            </a:r>
+            <a:r>
+              <a:rPr kumimoji="0" lang="en-US" altLang="en-US" sz="1800" b="1" i="0" u="none" strike="noStrike" cap="none" normalizeH="0" baseline="0" dirty="0">
                 <a:ln>
                   <a:noFill/>
                 </a:ln>
@@ -4918,9 +5879,40 @@
                 <a:effectLst/>
                 <a:latin typeface="Arial" panose="020B0604020202020204" pitchFamily="34" charset="0"/>
               </a:rPr>
-              <a:t> The Flask API loads the trained model, processes user input, and generates predictions.</a:t>
-            </a:r>
-            <a:endParaRPr kumimoji="0" lang="en-US" altLang="en-RW" sz="1800" b="0" i="0" u="none" strike="noStrike" cap="none" normalizeH="0" baseline="0" dirty="0">
+              <a:t>confidence threshold (95%)</a:t>
+            </a:r>
+            <a:r>
+              <a:rPr kumimoji="0" lang="en-US" altLang="en-US" sz="1800" b="0" i="0" u="none" strike="noStrike" cap="none" normalizeH="0" baseline="0" dirty="0">
+                <a:ln>
+                  <a:noFill/>
+                </a:ln>
+                <a:solidFill>
+                  <a:schemeClr val="tx1"/>
+                </a:solidFill>
+                <a:effectLst/>
+                <a:latin typeface="Arial" panose="020B0604020202020204" pitchFamily="34" charset="0"/>
+              </a:rPr>
+              <a:t>:</a:t>
+            </a:r>
+          </a:p>
+          <a:p>
+            <a:pPr marL="0" marR="0" lvl="0" indent="0" algn="l" defTabSz="914400" rtl="0" eaLnBrk="0" fontAlgn="base" latinLnBrk="0" hangingPunct="0">
+              <a:lnSpc>
+                <a:spcPct val="100000"/>
+              </a:lnSpc>
+              <a:spcBef>
+                <a:spcPct val="0"/>
+              </a:spcBef>
+              <a:spcAft>
+                <a:spcPct val="0"/>
+              </a:spcAft>
+              <a:buClrTx/>
+              <a:buSzTx/>
+              <a:buFontTx/>
+              <a:buChar char="•"/>
+              <a:tabLst/>
+            </a:pPr>
+            <a:endParaRPr kumimoji="0" lang="en-US" altLang="en-US" sz="1800" b="0" i="0" u="none" strike="noStrike" cap="none" normalizeH="0" baseline="0" dirty="0">
               <a:ln>
                 <a:noFill/>
               </a:ln>
@@ -4944,10 +5936,55 @@
               </a:spcAft>
               <a:buClrTx/>
               <a:buSzTx/>
-              <a:buNone/>
+              <a:buFontTx/>
+              <a:buChar char="•"/>
               <a:tabLst/>
             </a:pPr>
-            <a:endParaRPr kumimoji="0" lang="en-RW" altLang="en-RW" sz="1800" b="0" i="0" u="none" strike="noStrike" cap="none" normalizeH="0" baseline="0" dirty="0">
+            <a:r>
+              <a:rPr kumimoji="0" lang="en-US" altLang="en-US" sz="1800" b="0" i="0" u="none" strike="noStrike" cap="none" normalizeH="0" baseline="0" dirty="0">
+                <a:ln>
+                  <a:noFill/>
+                </a:ln>
+                <a:solidFill>
+                  <a:schemeClr val="tx1"/>
+                </a:solidFill>
+                <a:effectLst/>
+                <a:latin typeface="Arial" panose="020B0604020202020204" pitchFamily="34" charset="0"/>
+              </a:rPr>
+              <a:t> ≥ 95% → </a:t>
+            </a:r>
+            <a:r>
+              <a:rPr kumimoji="0" lang="en-US" altLang="en-US" sz="1800" b="0" i="1" u="none" strike="noStrike" cap="none" normalizeH="0" baseline="0" dirty="0">
+                <a:ln>
+                  <a:noFill/>
+                </a:ln>
+                <a:solidFill>
+                  <a:schemeClr val="tx1"/>
+                </a:solidFill>
+                <a:effectLst/>
+                <a:latin typeface="Arial" panose="020B0604020202020204" pitchFamily="34" charset="0"/>
+              </a:rPr>
+              <a:t>Paying Back</a:t>
+            </a:r>
+          </a:p>
+          <a:p>
+            <a:pPr marL="0" marR="0" lvl="0" indent="0" algn="l" defTabSz="914400" rtl="0" eaLnBrk="0" fontAlgn="base" latinLnBrk="0" hangingPunct="0">
+              <a:lnSpc>
+                <a:spcPct val="100000"/>
+              </a:lnSpc>
+              <a:spcBef>
+                <a:spcPct val="0"/>
+              </a:spcBef>
+              <a:spcAft>
+                <a:spcPct val="0"/>
+              </a:spcAft>
+              <a:buClrTx/>
+              <a:buSzTx/>
+              <a:buFontTx/>
+              <a:buChar char="•"/>
+              <a:tabLst/>
+            </a:pPr>
+            <a:endParaRPr kumimoji="0" lang="en-US" altLang="en-US" sz="1800" b="0" i="0" u="none" strike="noStrike" cap="none" normalizeH="0" baseline="0" dirty="0">
               <a:ln>
                 <a:noFill/>
               </a:ln>
@@ -4976,7 +6013,7 @@
               <a:tabLst/>
             </a:pPr>
             <a:r>
-              <a:rPr kumimoji="0" lang="en-RW" altLang="en-RW" sz="1800" b="1" i="0" u="none" strike="noStrike" cap="none" normalizeH="0" baseline="0" dirty="0">
+              <a:rPr kumimoji="0" lang="en-US" altLang="en-US" sz="1800" b="0" i="0" u="none" strike="noStrike" cap="none" normalizeH="0" baseline="0" dirty="0">
                 <a:ln>
                   <a:noFill/>
                 </a:ln>
@@ -4986,10 +6023,10 @@
                 <a:effectLst/>
                 <a:latin typeface="Arial" panose="020B0604020202020204" pitchFamily="34" charset="0"/>
               </a:rPr>
-              <a:t>Frontend Interaction:</a:t>
-            </a:r>
-            <a:r>
-              <a:rPr kumimoji="0" lang="en-RW" altLang="en-RW" sz="1800" b="0" i="0" u="none" strike="noStrike" cap="none" normalizeH="0" baseline="0" dirty="0">
+              <a:t> &lt; 95% → </a:t>
+            </a:r>
+            <a:r>
+              <a:rPr kumimoji="0" lang="en-US" altLang="en-US" sz="1800" b="0" i="1" u="none" strike="noStrike" cap="none" normalizeH="0" baseline="0" dirty="0">
                 <a:ln>
                   <a:noFill/>
                 </a:ln>
@@ -4999,16 +6036,56 @@
                 <a:effectLst/>
                 <a:latin typeface="Arial" panose="020B0604020202020204" pitchFamily="34" charset="0"/>
               </a:rPr>
-              <a:t> Users submit input through the frontend,</a:t>
-            </a:r>
-            <a:r>
-              <a:rPr lang="en-US" altLang="en-RW" sz="1800" dirty="0">
-                <a:latin typeface="Arial" panose="020B0604020202020204" pitchFamily="34" charset="0"/>
-              </a:rPr>
-              <a:t> </a:t>
-            </a:r>
-            <a:r>
-              <a:rPr kumimoji="0" lang="en-RW" altLang="en-RW" sz="1800" b="0" i="0" u="none" strike="noStrike" cap="none" normalizeH="0" baseline="0" dirty="0">
+              <a:t>Not Paying Back</a:t>
+            </a:r>
+          </a:p>
+          <a:p>
+            <a:pPr marL="0" marR="0" lvl="0" indent="0" algn="l" defTabSz="914400" rtl="0" eaLnBrk="0" fontAlgn="base" latinLnBrk="0" hangingPunct="0">
+              <a:lnSpc>
+                <a:spcPct val="100000"/>
+              </a:lnSpc>
+              <a:spcBef>
+                <a:spcPct val="0"/>
+              </a:spcBef>
+              <a:spcAft>
+                <a:spcPct val="0"/>
+              </a:spcAft>
+              <a:buClrTx/>
+              <a:buSzTx/>
+              <a:buFontTx/>
+              <a:buChar char="•"/>
+              <a:tabLst/>
+            </a:pPr>
+            <a:endParaRPr kumimoji="0" lang="en-US" altLang="en-US" sz="1800" b="0" i="0" u="none" strike="noStrike" cap="none" normalizeH="0" baseline="0" dirty="0">
+              <a:ln>
+                <a:noFill/>
+              </a:ln>
+              <a:solidFill>
+                <a:schemeClr val="tx1"/>
+              </a:solidFill>
+              <a:effectLst/>
+              <a:latin typeface="Arial" panose="020B0604020202020204" pitchFamily="34" charset="0"/>
+            </a:endParaRPr>
+          </a:p>
+          <a:p>
+            <a:pPr marL="0" marR="0" lvl="0" indent="0" algn="l" defTabSz="914400" rtl="0" eaLnBrk="0" fontAlgn="base" latinLnBrk="0" hangingPunct="0">
+              <a:lnSpc>
+                <a:spcPct val="100000"/>
+              </a:lnSpc>
+              <a:spcBef>
+                <a:spcPct val="0"/>
+              </a:spcBef>
+              <a:spcAft>
+                <a:spcPct val="0"/>
+              </a:spcAft>
+              <a:buClrTx/>
+              <a:buSzTx/>
+              <a:buFontTx/>
+              <a:buChar char="•"/>
+              <a:tabLst/>
+            </a:pPr>
+            <a:r>
+              <a:rPr kumimoji="0" lang="en-US" altLang="en-US" sz="1800" b="0" i="0" u="none" strike="noStrike" cap="none" normalizeH="0" baseline="0" dirty="0">
                 <a:ln>
                   <a:noFill/>
                 </a:ln>
@@ -5018,9 +6095,252 @@
                 <a:effectLst/>
                 <a:latin typeface="Arial" panose="020B0604020202020204" pitchFamily="34" charset="0"/>
               </a:rPr>
-              <a:t>receive loan repayment decisions and probability scores.</a:t>
-            </a:r>
-            <a:endParaRPr kumimoji="0" lang="en-US" altLang="en-RW" sz="1800" b="0" i="0" u="none" strike="noStrike" cap="none" normalizeH="0" baseline="0" dirty="0">
+              <a:t> Helps reduce </a:t>
+            </a:r>
+            <a:r>
+              <a:rPr kumimoji="0" lang="en-US" altLang="en-US" sz="1800" b="1" i="0" u="none" strike="noStrike" cap="none" normalizeH="0" baseline="0" dirty="0">
+                <a:ln>
+                  <a:noFill/>
+                </a:ln>
+                <a:solidFill>
+                  <a:schemeClr val="tx1"/>
+                </a:solidFill>
+                <a:effectLst/>
+                <a:latin typeface="Arial" panose="020B0604020202020204" pitchFamily="34" charset="0"/>
+              </a:rPr>
+              <a:t>financial risk</a:t>
+            </a:r>
+            <a:r>
+              <a:rPr kumimoji="0" lang="en-US" altLang="en-US" sz="1800" b="0" i="0" u="none" strike="noStrike" cap="none" normalizeH="0" baseline="0" dirty="0">
+                <a:ln>
+                  <a:noFill/>
+                </a:ln>
+                <a:solidFill>
+                  <a:schemeClr val="tx1"/>
+                </a:solidFill>
+                <a:effectLst/>
+                <a:latin typeface="Arial" panose="020B0604020202020204" pitchFamily="34" charset="0"/>
+              </a:rPr>
+              <a:t> by approving only high-confidence</a:t>
+            </a:r>
+          </a:p>
+          <a:p>
+            <a:pPr marL="0" marR="0" lvl="0" indent="0" algn="l" defTabSz="914400" rtl="0" eaLnBrk="0" fontAlgn="base" latinLnBrk="0" hangingPunct="0">
+              <a:lnSpc>
+                <a:spcPct val="100000"/>
+              </a:lnSpc>
+              <a:spcBef>
+                <a:spcPct val="0"/>
+              </a:spcBef>
+              <a:spcAft>
+                <a:spcPct val="0"/>
+              </a:spcAft>
+              <a:buClrTx/>
+              <a:buSzTx/>
+              <a:buNone/>
+              <a:tabLst/>
+            </a:pPr>
+            <a:r>
+              <a:rPr kumimoji="0" lang="en-US" altLang="en-US" sz="1800" b="0" i="0" u="none" strike="noStrike" cap="none" normalizeH="0" baseline="0" dirty="0">
+                <a:ln>
+                  <a:noFill/>
+                </a:ln>
+                <a:solidFill>
+                  <a:schemeClr val="tx1"/>
+                </a:solidFill>
+                <a:effectLst/>
+                <a:latin typeface="Arial" panose="020B0604020202020204" pitchFamily="34" charset="0"/>
+              </a:rPr>
+              <a:t>applicants</a:t>
+            </a:r>
+          </a:p>
+        </p:txBody>
+      </p:sp>
+    </p:spTree>
+    <p:extLst>
+      <p:ext uri="{BB962C8B-B14F-4D97-AF65-F5344CB8AC3E}">
+        <p14:creationId xmlns:p14="http://schemas.microsoft.com/office/powerpoint/2010/main" val="713179206"/>
+      </p:ext>
+    </p:extLst>
+  </p:cSld>
+  <p:clrMapOvr>
+    <a:masterClrMapping/>
+  </p:clrMapOvr>
+</p:sld>
+</file>
+
+<file path=ppt/slides/slide12.xml><?xml version="1.0" encoding="utf-8"?>
+<p:sld xmlns:a="http://schemas.openxmlformats.org/drawingml/2006/main" xmlns:r="http://schemas.openxmlformats.org/officeDocument/2006/relationships" xmlns:p="http://schemas.openxmlformats.org/presentationml/2006/main">
+  <p:cSld>
+    <p:spTree>
+      <p:nvGrpSpPr>
+        <p:cNvPr id="1" name="">
+          <a:extLst>
+            <a:ext uri="{FF2B5EF4-FFF2-40B4-BE49-F238E27FC236}">
+              <a16:creationId xmlns:a16="http://schemas.microsoft.com/office/drawing/2014/main" id="{5627CDCD-3840-A414-295A-2D7B66EA9A02}"/>
+            </a:ext>
+          </a:extLst>
+        </p:cNvPr>
+        <p:cNvGrpSpPr/>
+        <p:nvPr/>
+      </p:nvGrpSpPr>
+      <p:grpSpPr>
+        <a:xfrm>
+          <a:off x="0" y="0"/>
+          <a:ext cx="0" cy="0"/>
+          <a:chOff x="0" y="0"/>
+          <a:chExt cx="0" cy="0"/>
+        </a:xfrm>
+      </p:grpSpPr>
+      <p:sp>
+        <p:nvSpPr>
+          <p:cNvPr id="2" name="Title 1">
+            <a:extLst>
+              <a:ext uri="{FF2B5EF4-FFF2-40B4-BE49-F238E27FC236}">
+                <a16:creationId xmlns:a16="http://schemas.microsoft.com/office/drawing/2014/main" id="{F3EEB779-ECDC-7A7E-F4CF-F9249B9BC438}"/>
+              </a:ext>
+            </a:extLst>
+          </p:cNvPr>
+          <p:cNvSpPr>
+            <a:spLocks noGrp="1"/>
+          </p:cNvSpPr>
+          <p:nvPr>
+            <p:ph type="title"/>
+          </p:nvPr>
+        </p:nvSpPr>
+        <p:spPr>
+          <a:xfrm>
+            <a:off x="1443491" y="804521"/>
+            <a:ext cx="6571343" cy="689000"/>
+          </a:xfrm>
+        </p:spPr>
+        <p:txBody>
+          <a:bodyPr/>
+          <a:lstStyle/>
+          <a:p>
+            <a:r>
+              <a:rPr lang="en-US" dirty="0"/>
+              <a:t>Business impact</a:t>
+            </a:r>
+            <a:endParaRPr dirty="0"/>
+          </a:p>
+        </p:txBody>
+      </p:sp>
+      <p:sp>
+        <p:nvSpPr>
+          <p:cNvPr id="3" name="Rectangle 1">
+            <a:extLst>
+              <a:ext uri="{FF2B5EF4-FFF2-40B4-BE49-F238E27FC236}">
+                <a16:creationId xmlns:a16="http://schemas.microsoft.com/office/drawing/2014/main" id="{529B7412-6552-540C-CEBF-E09694A9973E}"/>
+              </a:ext>
+            </a:extLst>
+          </p:cNvPr>
+          <p:cNvSpPr>
+            <a:spLocks noGrp="1" noChangeArrowheads="1"/>
+          </p:cNvSpPr>
+          <p:nvPr>
+            <p:ph idx="1"/>
+          </p:nvPr>
+        </p:nvSpPr>
+        <p:spPr bwMode="auto">
+          <a:xfrm>
+            <a:off x="965517" y="2026378"/>
+            <a:ext cx="7212965" cy="2031325"/>
+          </a:xfrm>
+          <a:prstGeom prst="rect">
+            <a:avLst/>
+          </a:prstGeom>
+          <a:noFill/>
+          <a:ln>
+            <a:noFill/>
+          </a:ln>
+          <a:effectLst/>
+          <a:extLst>
+            <a:ext uri="{909E8E84-426E-40DD-AFC4-6F175D3DCCD1}">
+              <a14:hiddenFill xmlns:a14="http://schemas.microsoft.com/office/drawing/2010/main">
+                <a:solidFill>
+                  <a:schemeClr val="accent1"/>
+                </a:solidFill>
+              </a14:hiddenFill>
+            </a:ext>
+            <a:ext uri="{91240B29-F687-4F45-9708-019B960494DF}">
+              <a14:hiddenLine xmlns:a14="http://schemas.microsoft.com/office/drawing/2010/main" w="9525">
+                <a:solidFill>
+                  <a:schemeClr val="tx1"/>
+                </a:solidFill>
+                <a:miter lim="800000"/>
+                <a:headEnd/>
+                <a:tailEnd/>
+              </a14:hiddenLine>
+            </a:ext>
+            <a:ext uri="{AF507438-7753-43E0-B8FC-AC1667EBCBE1}">
+              <a14:hiddenEffects xmlns:a14="http://schemas.microsoft.com/office/drawing/2010/main">
+                <a:effectLst>
+                  <a:outerShdw dist="35921" dir="2700000" algn="ctr" rotWithShape="0">
+                    <a:schemeClr val="bg2"/>
+                  </a:outerShdw>
+                </a:effectLst>
+              </a14:hiddenEffects>
+            </a:ext>
+          </a:extLst>
+        </p:spPr>
+        <p:txBody>
+          <a:bodyPr vert="horz" wrap="square" lIns="91440" tIns="45720" rIns="91440" bIns="45720" numCol="1" anchor="ctr" anchorCtr="0" compatLnSpc="1">
+            <a:prstTxWarp prst="textNoShape">
+              <a:avLst/>
+            </a:prstTxWarp>
+            <a:spAutoFit/>
+          </a:bodyPr>
+          <a:lstStyle/>
+          <a:p>
+            <a:pPr marL="0" marR="0" lvl="0" indent="0" algn="l" defTabSz="914400" rtl="0" eaLnBrk="0" fontAlgn="base" latinLnBrk="0" hangingPunct="0">
+              <a:lnSpc>
+                <a:spcPct val="100000"/>
+              </a:lnSpc>
+              <a:spcBef>
+                <a:spcPct val="0"/>
+              </a:spcBef>
+              <a:spcAft>
+                <a:spcPct val="0"/>
+              </a:spcAft>
+              <a:buClrTx/>
+              <a:buSzTx/>
+              <a:buFontTx/>
+              <a:buChar char="•"/>
+              <a:tabLst/>
+            </a:pPr>
+            <a:r>
+              <a:rPr kumimoji="0" lang="en-US" altLang="en-US" sz="1800" i="0" u="none" strike="noStrike" cap="none" normalizeH="0" baseline="0" dirty="0">
+                <a:ln>
+                  <a:noFill/>
+                </a:ln>
+                <a:solidFill>
+                  <a:schemeClr val="tx1"/>
+                </a:solidFill>
+                <a:effectLst/>
+                <a:latin typeface="Arial" panose="020B0604020202020204" pitchFamily="34" charset="0"/>
+              </a:rPr>
+              <a:t> Improves loan approval decision quality</a:t>
+            </a:r>
+          </a:p>
+          <a:p>
+            <a:pPr marL="0" marR="0" lvl="0" indent="0" algn="l" defTabSz="914400" rtl="0" eaLnBrk="0" fontAlgn="base" latinLnBrk="0" hangingPunct="0">
+              <a:lnSpc>
+                <a:spcPct val="100000"/>
+              </a:lnSpc>
+              <a:spcBef>
+                <a:spcPct val="0"/>
+              </a:spcBef>
+              <a:spcAft>
+                <a:spcPct val="0"/>
+              </a:spcAft>
+              <a:buClrTx/>
+              <a:buSzTx/>
+              <a:buFontTx/>
+              <a:buChar char="•"/>
+              <a:tabLst/>
+            </a:pPr>
+            <a:endParaRPr kumimoji="0" lang="en-US" altLang="en-US" sz="1800" i="0" u="none" strike="noStrike" cap="none" normalizeH="0" baseline="0" dirty="0">
               <a:ln>
                 <a:noFill/>
               </a:ln>
@@ -5048,9 +6368,19 @@
               <a:buChar char="•"/>
               <a:tabLst/>
             </a:pPr>
-            <a:endParaRPr lang="en-US" altLang="en-RW" sz="1800" dirty="0">
-              <a:latin typeface="Arial" panose="020B0604020202020204" pitchFamily="34" charset="0"/>
-            </a:endParaRPr>
+            <a:r>
+              <a:rPr kumimoji="0" lang="en-US" altLang="en-US" sz="1800" i="0" u="none" strike="noStrike" cap="none" normalizeH="0" baseline="0" dirty="0">
+                <a:ln>
+                  <a:noFill/>
+                </a:ln>
+                <a:solidFill>
+                  <a:schemeClr val="tx1"/>
+                </a:solidFill>
+                <a:effectLst/>
+                <a:latin typeface="Arial" panose="020B0604020202020204" pitchFamily="34" charset="0"/>
+              </a:rPr>
+              <a:t> Reduces default risk</a:t>
+            </a:r>
           </a:p>
           <a:p>
             <a:pPr marL="0" marR="0" lvl="0" indent="0" algn="l" defTabSz="914400" rtl="0" eaLnBrk="0" fontAlgn="base" latinLnBrk="0" hangingPunct="0">
@@ -5069,7 +6399,7 @@
               <a:buChar char="•"/>
               <a:tabLst/>
             </a:pPr>
-            <a:endParaRPr kumimoji="0" lang="en-RW" altLang="en-RW" sz="1800" b="0" i="0" u="none" strike="noStrike" cap="none" normalizeH="0" baseline="0" dirty="0">
+            <a:endParaRPr kumimoji="0" lang="en-US" altLang="en-US" sz="1800" i="0" u="none" strike="noStrike" cap="none" normalizeH="0" baseline="0" dirty="0">
               <a:ln>
                 <a:noFill/>
               </a:ln>
@@ -5079,6 +6409,612 @@
               <a:effectLst/>
               <a:latin typeface="Arial" panose="020B0604020202020204" pitchFamily="34" charset="0"/>
             </a:endParaRPr>
+          </a:p>
+          <a:p>
+            <a:pPr marL="0" marR="0" lvl="0" indent="0" algn="l" defTabSz="914400" rtl="0" eaLnBrk="0" fontAlgn="base" latinLnBrk="0" hangingPunct="0">
+              <a:lnSpc>
+                <a:spcPct val="100000"/>
+              </a:lnSpc>
+              <a:spcBef>
+                <a:spcPct val="0"/>
+              </a:spcBef>
+              <a:spcAft>
+                <a:spcPct val="0"/>
+              </a:spcAft>
+              <a:buClrTx/>
+              <a:buSzTx/>
+              <a:buFontTx/>
+              <a:buChar char="•"/>
+              <a:tabLst/>
+            </a:pPr>
+            <a:r>
+              <a:rPr kumimoji="0" lang="en-US" altLang="en-US" sz="1800" i="0" u="none" strike="noStrike" cap="none" normalizeH="0" baseline="0" dirty="0">
+                <a:ln>
+                  <a:noFill/>
+                </a:ln>
+                <a:solidFill>
+                  <a:schemeClr val="tx1"/>
+                </a:solidFill>
+                <a:effectLst/>
+                <a:latin typeface="Arial" panose="020B0604020202020204" pitchFamily="34" charset="0"/>
+              </a:rPr>
+              <a:t> Enables data-driven credit assessment</a:t>
+            </a:r>
+          </a:p>
+          <a:p>
+            <a:pPr marL="0" marR="0" lvl="0" indent="0" algn="l" defTabSz="914400" rtl="0" eaLnBrk="0" fontAlgn="base" latinLnBrk="0" hangingPunct="0">
+              <a:lnSpc>
+                <a:spcPct val="100000"/>
+              </a:lnSpc>
+              <a:spcBef>
+                <a:spcPct val="0"/>
+              </a:spcBef>
+              <a:spcAft>
+                <a:spcPct val="0"/>
+              </a:spcAft>
+              <a:buClrTx/>
+              <a:buSzTx/>
+              <a:buFontTx/>
+              <a:buChar char="•"/>
+              <a:tabLst/>
+            </a:pPr>
+            <a:endParaRPr kumimoji="0" lang="en-US" altLang="en-US" sz="1800" i="0" u="none" strike="noStrike" cap="none" normalizeH="0" baseline="0" dirty="0">
+              <a:ln>
+                <a:noFill/>
+              </a:ln>
+              <a:solidFill>
+                <a:schemeClr val="tx1"/>
+              </a:solidFill>
+              <a:effectLst/>
+              <a:latin typeface="Arial" panose="020B0604020202020204" pitchFamily="34" charset="0"/>
+            </a:endParaRPr>
+          </a:p>
+          <a:p>
+            <a:pPr marL="0" marR="0" lvl="0" indent="0" algn="l" defTabSz="914400" rtl="0" eaLnBrk="0" fontAlgn="base" latinLnBrk="0" hangingPunct="0">
+              <a:lnSpc>
+                <a:spcPct val="100000"/>
+              </a:lnSpc>
+              <a:spcBef>
+                <a:spcPct val="0"/>
+              </a:spcBef>
+              <a:spcAft>
+                <a:spcPct val="0"/>
+              </a:spcAft>
+              <a:buClrTx/>
+              <a:buSzTx/>
+              <a:buFontTx/>
+              <a:buChar char="•"/>
+              <a:tabLst/>
+            </a:pPr>
+            <a:r>
+              <a:rPr kumimoji="0" lang="en-US" altLang="en-US" sz="1800" i="0" u="none" strike="noStrike" cap="none" normalizeH="0" baseline="0" dirty="0">
+                <a:ln>
+                  <a:noFill/>
+                </a:ln>
+                <a:solidFill>
+                  <a:schemeClr val="tx1"/>
+                </a:solidFill>
+                <a:effectLst/>
+                <a:latin typeface="Arial" panose="020B0604020202020204" pitchFamily="34" charset="0"/>
+              </a:rPr>
+              <a:t> Scalable and reusable for future applicants</a:t>
+            </a:r>
+          </a:p>
+        </p:txBody>
+      </p:sp>
+    </p:spTree>
+    <p:extLst>
+      <p:ext uri="{BB962C8B-B14F-4D97-AF65-F5344CB8AC3E}">
+        <p14:creationId xmlns:p14="http://schemas.microsoft.com/office/powerpoint/2010/main" val="4023916157"/>
+      </p:ext>
+    </p:extLst>
+  </p:cSld>
+  <p:clrMapOvr>
+    <a:masterClrMapping/>
+  </p:clrMapOvr>
+</p:sld>
+</file>
+
+<file path=ppt/slides/slide13.xml><?xml version="1.0" encoding="utf-8"?>
+<p:sld xmlns:a="http://schemas.openxmlformats.org/drawingml/2006/main" xmlns:r="http://schemas.openxmlformats.org/officeDocument/2006/relationships" xmlns:p="http://schemas.openxmlformats.org/presentationml/2006/main">
+  <p:cSld>
+    <p:spTree>
+      <p:nvGrpSpPr>
+        <p:cNvPr id="1" name=""/>
+        <p:cNvGrpSpPr/>
+        <p:nvPr/>
+      </p:nvGrpSpPr>
+      <p:grpSpPr>
+        <a:xfrm>
+          <a:off x="0" y="0"/>
+          <a:ext cx="0" cy="0"/>
+          <a:chOff x="0" y="0"/>
+          <a:chExt cx="0" cy="0"/>
+        </a:xfrm>
+      </p:grpSpPr>
+      <p:sp>
+        <p:nvSpPr>
+          <p:cNvPr id="2" name="Title 1">
+            <a:extLst>
+              <a:ext uri="{FF2B5EF4-FFF2-40B4-BE49-F238E27FC236}">
+                <a16:creationId xmlns:a16="http://schemas.microsoft.com/office/drawing/2014/main" id="{C5A66F5D-8F8C-000D-3237-B2B0986EB68F}"/>
+              </a:ext>
+            </a:extLst>
+          </p:cNvPr>
+          <p:cNvSpPr>
+            <a:spLocks noGrp="1"/>
+          </p:cNvSpPr>
+          <p:nvPr>
+            <p:ph type="ctrTitle"/>
+          </p:nvPr>
+        </p:nvSpPr>
+        <p:spPr/>
+        <p:txBody>
+          <a:bodyPr>
+            <a:normAutofit/>
+          </a:bodyPr>
+          <a:lstStyle/>
+          <a:p>
+            <a:pPr algn="ctr"/>
+            <a:r>
+              <a:rPr lang="en-US" sz="2800" dirty="0"/>
+              <a:t>END OF PRESENTATION</a:t>
+            </a:r>
+            <a:br>
+              <a:rPr lang="en-US" sz="2800" dirty="0"/>
+            </a:br>
+            <a:br>
+              <a:rPr lang="en-US" sz="2800" dirty="0"/>
+            </a:br>
+            <a:br>
+              <a:rPr lang="en-US" sz="2800" dirty="0"/>
+            </a:br>
+            <a:endParaRPr lang="en-RW" sz="2800" dirty="0"/>
+          </a:p>
+        </p:txBody>
+      </p:sp>
+      <p:sp>
+        <p:nvSpPr>
+          <p:cNvPr id="3" name="Subtitle 2">
+            <a:extLst>
+              <a:ext uri="{FF2B5EF4-FFF2-40B4-BE49-F238E27FC236}">
+                <a16:creationId xmlns:a16="http://schemas.microsoft.com/office/drawing/2014/main" id="{9933FD50-420E-71DC-FDD0-8E76358BD64A}"/>
+              </a:ext>
+            </a:extLst>
+          </p:cNvPr>
+          <p:cNvSpPr>
+            <a:spLocks noGrp="1"/>
+          </p:cNvSpPr>
+          <p:nvPr>
+            <p:ph type="subTitle" idx="1"/>
+          </p:nvPr>
+        </p:nvSpPr>
+        <p:spPr>
+          <a:xfrm>
+            <a:off x="2396319" y="3963825"/>
+            <a:ext cx="5618515" cy="977621"/>
+          </a:xfrm>
+        </p:spPr>
+        <p:txBody>
+          <a:bodyPr/>
+          <a:lstStyle/>
+          <a:p>
+            <a:pPr algn="ctr"/>
+            <a:r>
+              <a:rPr lang="en-US" dirty="0"/>
+              <a:t>Any Question??</a:t>
+            </a:r>
+            <a:endParaRPr lang="en-RW" dirty="0"/>
+          </a:p>
+        </p:txBody>
+      </p:sp>
+    </p:spTree>
+    <p:extLst>
+      <p:ext uri="{BB962C8B-B14F-4D97-AF65-F5344CB8AC3E}">
+        <p14:creationId xmlns:p14="http://schemas.microsoft.com/office/powerpoint/2010/main" val="4075110139"/>
+      </p:ext>
+    </p:extLst>
+  </p:cSld>
+  <p:clrMapOvr>
+    <a:masterClrMapping/>
+  </p:clrMapOvr>
+</p:sld>
+</file>
+
+<file path=ppt/slides/slide2.xml><?xml version="1.0" encoding="utf-8"?>
+<p:sld xmlns:a="http://schemas.openxmlformats.org/drawingml/2006/main" xmlns:r="http://schemas.openxmlformats.org/officeDocument/2006/relationships" xmlns:p="http://schemas.openxmlformats.org/presentationml/2006/main">
+  <p:cSld>
+    <p:spTree>
+      <p:nvGrpSpPr>
+        <p:cNvPr id="1" name=""/>
+        <p:cNvGrpSpPr/>
+        <p:nvPr/>
+      </p:nvGrpSpPr>
+      <p:grpSpPr>
+        <a:xfrm>
+          <a:off x="0" y="0"/>
+          <a:ext cx="0" cy="0"/>
+          <a:chOff x="0" y="0"/>
+          <a:chExt cx="0" cy="0"/>
+        </a:xfrm>
+      </p:grpSpPr>
+      <p:sp>
+        <p:nvSpPr>
+          <p:cNvPr id="2" name="Title 1">
+            <a:extLst>
+              <a:ext uri="{FF2B5EF4-FFF2-40B4-BE49-F238E27FC236}">
+                <a16:creationId xmlns:a16="http://schemas.microsoft.com/office/drawing/2014/main" id="{1A4C6379-08BE-C7CD-E090-ABC5AEE916D5}"/>
+              </a:ext>
+            </a:extLst>
+          </p:cNvPr>
+          <p:cNvSpPr>
+            <a:spLocks noGrp="1"/>
+          </p:cNvSpPr>
+          <p:nvPr>
+            <p:ph type="title"/>
+          </p:nvPr>
+        </p:nvSpPr>
+        <p:spPr/>
+        <p:txBody>
+          <a:bodyPr/>
+          <a:lstStyle/>
+          <a:p>
+            <a:r>
+              <a:rPr lang="en-US" dirty="0"/>
+              <a:t>Group 6 Members</a:t>
+            </a:r>
+            <a:endParaRPr lang="en-RW" dirty="0"/>
+          </a:p>
+        </p:txBody>
+      </p:sp>
+      <p:sp>
+        <p:nvSpPr>
+          <p:cNvPr id="3" name="Content Placeholder 2">
+            <a:extLst>
+              <a:ext uri="{FF2B5EF4-FFF2-40B4-BE49-F238E27FC236}">
+                <a16:creationId xmlns:a16="http://schemas.microsoft.com/office/drawing/2014/main" id="{87020935-1869-F3D8-E20B-A6753E77972C}"/>
+              </a:ext>
+            </a:extLst>
+          </p:cNvPr>
+          <p:cNvSpPr>
+            <a:spLocks noGrp="1"/>
+          </p:cNvSpPr>
+          <p:nvPr>
+            <p:ph idx="1"/>
+          </p:nvPr>
+        </p:nvSpPr>
+        <p:spPr/>
+        <p:txBody>
+          <a:bodyPr/>
+          <a:lstStyle/>
+          <a:p>
+            <a:pPr marL="0" indent="0">
+              <a:buNone/>
+            </a:pPr>
+            <a:r>
+              <a:rPr lang="en-US" dirty="0"/>
+              <a:t>1. UMURAZA Angelique</a:t>
+            </a:r>
+          </a:p>
+          <a:p>
+            <a:pPr marL="0" indent="0">
+              <a:buNone/>
+            </a:pPr>
+            <a:r>
+              <a:rPr lang="en-US" dirty="0"/>
+              <a:t>2. TUYISENGE Ephrem</a:t>
+            </a:r>
+          </a:p>
+          <a:p>
+            <a:pPr marL="0" indent="0">
+              <a:buNone/>
+            </a:pPr>
+            <a:r>
+              <a:rPr lang="en-US" dirty="0"/>
+              <a:t>3. ISHIMWE Sandrine</a:t>
+            </a:r>
+          </a:p>
+          <a:p>
+            <a:pPr marL="0" indent="0">
+              <a:buNone/>
+            </a:pPr>
+            <a:r>
+              <a:rPr lang="en-US" dirty="0"/>
+              <a:t>4. NDAHIMANA Raphael</a:t>
+            </a:r>
+          </a:p>
+          <a:p>
+            <a:pPr marL="0" indent="0">
+              <a:buNone/>
+            </a:pPr>
+            <a:r>
+              <a:rPr lang="en-US" dirty="0"/>
+              <a:t>5. TURAJYISIYONI Jean Marie Vianny</a:t>
+            </a:r>
+          </a:p>
+        </p:txBody>
+      </p:sp>
+    </p:spTree>
+    <p:extLst>
+      <p:ext uri="{BB962C8B-B14F-4D97-AF65-F5344CB8AC3E}">
+        <p14:creationId xmlns:p14="http://schemas.microsoft.com/office/powerpoint/2010/main" val="756982255"/>
+      </p:ext>
+    </p:extLst>
+  </p:cSld>
+  <p:clrMapOvr>
+    <a:masterClrMapping/>
+  </p:clrMapOvr>
+</p:sld>
+</file>
+
+<file path=ppt/slides/slide3.xml><?xml version="1.0" encoding="utf-8"?>
+<p:sld xmlns:a="http://schemas.openxmlformats.org/drawingml/2006/main" xmlns:r="http://schemas.openxmlformats.org/officeDocument/2006/relationships" xmlns:p="http://schemas.openxmlformats.org/presentationml/2006/main">
+  <p:cSld>
+    <p:spTree>
+      <p:nvGrpSpPr>
+        <p:cNvPr id="1" name=""/>
+        <p:cNvGrpSpPr/>
+        <p:nvPr/>
+      </p:nvGrpSpPr>
+      <p:grpSpPr>
+        <a:xfrm>
+          <a:off x="0" y="0"/>
+          <a:ext cx="0" cy="0"/>
+          <a:chOff x="0" y="0"/>
+          <a:chExt cx="0" cy="0"/>
+        </a:xfrm>
+      </p:grpSpPr>
+      <p:sp>
+        <p:nvSpPr>
+          <p:cNvPr id="2" name="Title 1"/>
+          <p:cNvSpPr>
+            <a:spLocks noGrp="1"/>
+          </p:cNvSpPr>
+          <p:nvPr>
+            <p:ph type="title"/>
+          </p:nvPr>
+        </p:nvSpPr>
+        <p:spPr/>
+        <p:txBody>
+          <a:bodyPr/>
+          <a:lstStyle/>
+          <a:p>
+            <a:r>
+              <a:rPr lang="en-US" dirty="0"/>
+              <a:t>Project Overview</a:t>
+            </a:r>
+            <a:endParaRPr dirty="0"/>
+          </a:p>
+        </p:txBody>
+      </p:sp>
+      <p:sp>
+        <p:nvSpPr>
+          <p:cNvPr id="3" name="Content Placeholder 2"/>
+          <p:cNvSpPr>
+            <a:spLocks noGrp="1"/>
+          </p:cNvSpPr>
+          <p:nvPr>
+            <p:ph idx="1"/>
+          </p:nvPr>
+        </p:nvSpPr>
+        <p:spPr/>
+        <p:txBody>
+          <a:bodyPr>
+            <a:normAutofit fontScale="70000" lnSpcReduction="20000"/>
+          </a:bodyPr>
+          <a:lstStyle/>
+          <a:p>
+            <a:pPr marL="0" indent="0">
+              <a:buNone/>
+            </a:pPr>
+            <a:r>
+              <a:rPr lang="en-GB" b="1" dirty="0"/>
+              <a:t>Problem Statement:</a:t>
+            </a:r>
+            <a:endParaRPr lang="en-GB" dirty="0"/>
+          </a:p>
+          <a:p>
+            <a:r>
+              <a:rPr lang="en-GB" dirty="0"/>
+              <a:t>Banks and financial institutions face risk of loan defaults.</a:t>
+            </a:r>
+          </a:p>
+          <a:p>
+            <a:r>
+              <a:rPr lang="en-GB" dirty="0"/>
+              <a:t>Manual assessment of borrowers is time-consuming and prone to errors.</a:t>
+            </a:r>
+          </a:p>
+          <a:p>
+            <a:pPr marL="0" indent="0">
+              <a:buNone/>
+            </a:pPr>
+            <a:r>
+              <a:rPr lang="en-GB" b="1" dirty="0"/>
+              <a:t>Data source</a:t>
+            </a:r>
+          </a:p>
+          <a:p>
+            <a:r>
+              <a:rPr lang="en-GB" dirty="0"/>
+              <a:t>Kaggle</a:t>
+            </a:r>
+          </a:p>
+          <a:p>
+            <a:pPr marL="0" indent="0">
+              <a:buNone/>
+            </a:pPr>
+            <a:r>
+              <a:rPr lang="en-GB" b="1" dirty="0"/>
+              <a:t>Objective:</a:t>
+            </a:r>
+            <a:endParaRPr lang="en-GB" dirty="0"/>
+          </a:p>
+          <a:p>
+            <a:r>
+              <a:rPr lang="en-GB" dirty="0"/>
+              <a:t>Develop a machine learning-based system to predict if a loan will be repaid.</a:t>
+            </a:r>
+          </a:p>
+          <a:p>
+            <a:r>
+              <a:rPr lang="en-GB" dirty="0"/>
+              <a:t>Provide probability scores to support informed decision-making.</a:t>
+            </a:r>
+          </a:p>
+          <a:p>
+            <a:r>
+              <a:rPr lang="en-GB" dirty="0"/>
+              <a:t>Automate and streamline the loan approval process.</a:t>
+            </a:r>
+          </a:p>
+        </p:txBody>
+      </p:sp>
+    </p:spTree>
+  </p:cSld>
+  <p:clrMapOvr>
+    <a:masterClrMapping/>
+  </p:clrMapOvr>
+</p:sld>
+</file>
+
+<file path=ppt/slides/slide4.xml><?xml version="1.0" encoding="utf-8"?>
+<p:sld xmlns:a="http://schemas.openxmlformats.org/drawingml/2006/main" xmlns:r="http://schemas.openxmlformats.org/officeDocument/2006/relationships" xmlns:p="http://schemas.openxmlformats.org/presentationml/2006/main">
+  <p:cSld>
+    <p:spTree>
+      <p:nvGrpSpPr>
+        <p:cNvPr id="1" name=""/>
+        <p:cNvGrpSpPr/>
+        <p:nvPr/>
+      </p:nvGrpSpPr>
+      <p:grpSpPr>
+        <a:xfrm>
+          <a:off x="0" y="0"/>
+          <a:ext cx="0" cy="0"/>
+          <a:chOff x="0" y="0"/>
+          <a:chExt cx="0" cy="0"/>
+        </a:xfrm>
+      </p:grpSpPr>
+      <p:sp>
+        <p:nvSpPr>
+          <p:cNvPr id="2" name="Title 1"/>
+          <p:cNvSpPr>
+            <a:spLocks noGrp="1"/>
+          </p:cNvSpPr>
+          <p:nvPr>
+            <p:ph type="title"/>
+          </p:nvPr>
+        </p:nvSpPr>
+        <p:spPr/>
+        <p:txBody>
+          <a:bodyPr/>
+          <a:lstStyle/>
+          <a:p>
+            <a:pPr algn="ctr"/>
+            <a:r>
+              <a:rPr dirty="0"/>
+              <a:t>Tools, Technologies &amp; Features</a:t>
+            </a:r>
+            <a:r>
+              <a:rPr lang="en-US" dirty="0"/>
+              <a:t> used</a:t>
+            </a:r>
+            <a:endParaRPr dirty="0"/>
+          </a:p>
+        </p:txBody>
+      </p:sp>
+      <p:sp>
+        <p:nvSpPr>
+          <p:cNvPr id="3" name="Content Placeholder 2"/>
+          <p:cNvSpPr>
+            <a:spLocks noGrp="1"/>
+          </p:cNvSpPr>
+          <p:nvPr>
+            <p:ph idx="1"/>
+          </p:nvPr>
+        </p:nvSpPr>
+        <p:spPr/>
+        <p:txBody>
+          <a:bodyPr>
+            <a:normAutofit/>
+          </a:bodyPr>
+          <a:lstStyle/>
+          <a:p>
+            <a:r>
+              <a:rPr dirty="0"/>
+              <a:t>Programming Language: </a:t>
+            </a:r>
+            <a:r>
+              <a:rPr lang="en-US" dirty="0"/>
+              <a:t> </a:t>
+            </a:r>
+            <a:r>
+              <a:rPr dirty="0"/>
+              <a:t>Python</a:t>
+            </a:r>
+          </a:p>
+          <a:p>
+            <a:r>
+              <a:rPr dirty="0"/>
+              <a:t>Machine Learning: </a:t>
+            </a:r>
+            <a:r>
+              <a:rPr lang="en-US" dirty="0"/>
+              <a:t> </a:t>
+            </a:r>
+            <a:r>
+              <a:rPr dirty="0"/>
+              <a:t>Scikit-learn (Random Forest Classifier)</a:t>
+            </a:r>
+          </a:p>
+          <a:p>
+            <a:r>
+              <a:rPr dirty="0"/>
+              <a:t>Web Framework: </a:t>
+            </a:r>
+            <a:r>
+              <a:rPr lang="en-US" dirty="0"/>
+              <a:t> </a:t>
+            </a:r>
+            <a:r>
+              <a:rPr dirty="0"/>
+              <a:t>Flask (Frontend &amp; Backend)</a:t>
+            </a:r>
+          </a:p>
+          <a:p>
+            <a:pPr marL="0" indent="0">
+              <a:buNone/>
+            </a:pPr>
+            <a:r>
+              <a:rPr b="1" dirty="0"/>
+              <a:t>Features:</a:t>
+            </a:r>
+          </a:p>
+          <a:p>
+            <a:r>
+              <a:rPr dirty="0"/>
+              <a:t>  Data preprocessing &amp; validation</a:t>
+            </a:r>
+          </a:p>
+          <a:p>
+            <a:r>
+              <a:rPr dirty="0"/>
+              <a:t>  Probability-based prediction</a:t>
+            </a:r>
+          </a:p>
+          <a:p>
+            <a:r>
+              <a:rPr dirty="0"/>
+              <a:t>  </a:t>
+            </a:r>
+            <a:r>
+              <a:rPr lang="en-US" dirty="0"/>
+              <a:t>95</a:t>
+            </a:r>
+            <a:r>
+              <a:rPr dirty="0"/>
+              <a:t>% confidence threshold</a:t>
+            </a:r>
           </a:p>
         </p:txBody>
       </p:sp>
@@ -5109,73 +7045,474 @@
       </p:grpSpPr>
       <p:sp>
         <p:nvSpPr>
-          <p:cNvPr id="2" name="Title 1">
+          <p:cNvPr id="2" name="Title 1"/>
+          <p:cNvSpPr>
+            <a:spLocks noGrp="1"/>
+          </p:cNvSpPr>
+          <p:nvPr>
+            <p:ph type="title"/>
+          </p:nvPr>
+        </p:nvSpPr>
+        <p:spPr>
+          <a:xfrm>
+            <a:off x="1443491" y="804521"/>
+            <a:ext cx="6571343" cy="689000"/>
+          </a:xfrm>
+        </p:spPr>
+        <p:txBody>
+          <a:bodyPr/>
+          <a:lstStyle/>
+          <a:p>
+            <a:r>
+              <a:rPr dirty="0"/>
+              <a:t>System Architecture &amp; API</a:t>
+            </a:r>
+          </a:p>
+        </p:txBody>
+      </p:sp>
+      <p:sp>
+        <p:nvSpPr>
+          <p:cNvPr id="5" name="Rectangle 2">
             <a:extLst>
               <a:ext uri="{FF2B5EF4-FFF2-40B4-BE49-F238E27FC236}">
-                <a16:creationId xmlns:a16="http://schemas.microsoft.com/office/drawing/2014/main" id="{C5A66F5D-8F8C-000D-3237-B2B0986EB68F}"/>
+                <a16:creationId xmlns:a16="http://schemas.microsoft.com/office/drawing/2014/main" id="{90068BD3-4E7B-6658-5030-0245311EE430}"/>
               </a:ext>
             </a:extLst>
           </p:cNvPr>
           <p:cNvSpPr>
-            <a:spLocks noGrp="1"/>
-          </p:cNvSpPr>
-          <p:nvPr>
-            <p:ph type="ctrTitle"/>
-          </p:nvPr>
-        </p:nvSpPr>
-        <p:spPr/>
-        <p:txBody>
-          <a:bodyPr/>
-          <a:lstStyle/>
-          <a:p>
-            <a:r>
-              <a:rPr lang="en-US" dirty="0"/>
-              <a:t>END OF PRESENTATION</a:t>
-            </a:r>
-            <a:endParaRPr lang="en-RW" dirty="0"/>
-          </a:p>
-        </p:txBody>
-      </p:sp>
-      <p:sp>
-        <p:nvSpPr>
-          <p:cNvPr id="3" name="Subtitle 2">
-            <a:extLst>
-              <a:ext uri="{FF2B5EF4-FFF2-40B4-BE49-F238E27FC236}">
-                <a16:creationId xmlns:a16="http://schemas.microsoft.com/office/drawing/2014/main" id="{9933FD50-420E-71DC-FDD0-8E76358BD64A}"/>
-              </a:ext>
-            </a:extLst>
-          </p:cNvPr>
-          <p:cNvSpPr>
-            <a:spLocks noGrp="1"/>
-          </p:cNvSpPr>
-          <p:nvPr>
-            <p:ph type="subTitle" idx="1"/>
-          </p:nvPr>
-        </p:nvSpPr>
-        <p:spPr>
+            <a:spLocks noGrp="1" noChangeArrowheads="1"/>
+          </p:cNvSpPr>
+          <p:nvPr>
+            <p:ph idx="1"/>
+          </p:nvPr>
+        </p:nvSpPr>
+        <p:spPr bwMode="auto">
           <a:xfrm>
-            <a:off x="2396319" y="3963825"/>
-            <a:ext cx="5618515" cy="977621"/>
+            <a:off x="172721" y="1962390"/>
+            <a:ext cx="8798560" cy="3970318"/>
           </a:xfrm>
+          <a:prstGeom prst="rect">
+            <a:avLst/>
+          </a:prstGeom>
+          <a:noFill/>
+          <a:ln>
+            <a:noFill/>
+          </a:ln>
+          <a:effectLst/>
+          <a:extLst>
+            <a:ext uri="{909E8E84-426E-40DD-AFC4-6F175D3DCCD1}">
+              <a14:hiddenFill xmlns:a14="http://schemas.microsoft.com/office/drawing/2010/main">
+                <a:solidFill>
+                  <a:schemeClr val="accent1"/>
+                </a:solidFill>
+              </a14:hiddenFill>
+            </a:ext>
+            <a:ext uri="{91240B29-F687-4F45-9708-019B960494DF}">
+              <a14:hiddenLine xmlns:a14="http://schemas.microsoft.com/office/drawing/2010/main" w="9525">
+                <a:solidFill>
+                  <a:schemeClr val="tx1"/>
+                </a:solidFill>
+                <a:miter lim="800000"/>
+                <a:headEnd/>
+                <a:tailEnd/>
+              </a14:hiddenLine>
+            </a:ext>
+            <a:ext uri="{AF507438-7753-43E0-B8FC-AC1667EBCBE1}">
+              <a14:hiddenEffects xmlns:a14="http://schemas.microsoft.com/office/drawing/2010/main">
+                <a:effectLst>
+                  <a:outerShdw dist="35921" dir="2700000" algn="ctr" rotWithShape="0">
+                    <a:schemeClr val="bg2"/>
+                  </a:outerShdw>
+                </a:effectLst>
+              </a14:hiddenEffects>
+            </a:ext>
+          </a:extLst>
         </p:spPr>
         <p:txBody>
-          <a:bodyPr/>
-          <a:lstStyle/>
-          <a:p>
-            <a:r>
-              <a:rPr lang="en-US" dirty="0"/>
-              <a:t>Any Question??</a:t>
-            </a:r>
-            <a:endParaRPr lang="en-RW" dirty="0"/>
+          <a:bodyPr vert="horz" wrap="square" lIns="91440" tIns="45720" rIns="91440" bIns="45720" numCol="1" anchor="ctr" anchorCtr="0" compatLnSpc="1">
+            <a:prstTxWarp prst="textNoShape">
+              <a:avLst/>
+            </a:prstTxWarp>
+            <a:spAutoFit/>
+          </a:bodyPr>
+          <a:lstStyle/>
+          <a:p>
+            <a:pPr marL="0" marR="0" lvl="0" indent="0" algn="l" defTabSz="914400" rtl="0" eaLnBrk="0" fontAlgn="base" latinLnBrk="0" hangingPunct="0">
+              <a:lnSpc>
+                <a:spcPct val="150000"/>
+              </a:lnSpc>
+              <a:spcBef>
+                <a:spcPct val="0"/>
+              </a:spcBef>
+              <a:spcAft>
+                <a:spcPct val="0"/>
+              </a:spcAft>
+              <a:buClrTx/>
+              <a:buSzTx/>
+              <a:buFontTx/>
+              <a:buChar char="•"/>
+              <a:tabLst/>
+            </a:pPr>
+            <a:r>
+              <a:rPr kumimoji="0" lang="en-RW" altLang="en-RW" sz="1800" b="1" i="0" u="none" strike="noStrike" cap="none" normalizeH="0" baseline="0" dirty="0">
+                <a:ln>
+                  <a:noFill/>
+                </a:ln>
+                <a:solidFill>
+                  <a:schemeClr val="tx1"/>
+                </a:solidFill>
+                <a:effectLst/>
+                <a:latin typeface="Arial" panose="020B0604020202020204" pitchFamily="34" charset="0"/>
+              </a:rPr>
+              <a:t>Data &amp; Model Training:</a:t>
+            </a:r>
+            <a:r>
+              <a:rPr kumimoji="0" lang="en-RW" altLang="en-RW" sz="1800" b="0" i="0" u="none" strike="noStrike" cap="none" normalizeH="0" baseline="0" dirty="0">
+                <a:ln>
+                  <a:noFill/>
+                </a:ln>
+                <a:solidFill>
+                  <a:schemeClr val="tx1"/>
+                </a:solidFill>
+                <a:effectLst/>
+                <a:latin typeface="Arial" panose="020B0604020202020204" pitchFamily="34" charset="0"/>
+              </a:rPr>
+              <a:t> Raw data is pre</a:t>
+            </a:r>
+            <a:r>
+              <a:rPr kumimoji="0" lang="en-US" altLang="en-RW" sz="1800" b="0" i="0" u="none" strike="noStrike" cap="none" normalizeH="0" baseline="0" dirty="0">
+                <a:ln>
+                  <a:noFill/>
+                </a:ln>
+                <a:solidFill>
+                  <a:schemeClr val="tx1"/>
+                </a:solidFill>
+                <a:effectLst/>
+                <a:latin typeface="Arial" panose="020B0604020202020204" pitchFamily="34" charset="0"/>
+              </a:rPr>
+              <a:t>-</a:t>
+            </a:r>
+            <a:r>
+              <a:rPr kumimoji="0" lang="en-RW" altLang="en-RW" sz="1800" b="0" i="0" u="none" strike="noStrike" cap="none" normalizeH="0" baseline="0" dirty="0">
+                <a:ln>
+                  <a:noFill/>
+                </a:ln>
+                <a:solidFill>
+                  <a:schemeClr val="tx1"/>
+                </a:solidFill>
+                <a:effectLst/>
+                <a:latin typeface="Arial" panose="020B0604020202020204" pitchFamily="34" charset="0"/>
+              </a:rPr>
+              <a:t>processed</a:t>
+            </a:r>
+            <a:r>
+              <a:rPr kumimoji="0" lang="en-US" altLang="en-RW" sz="1800" b="0" i="0" u="none" strike="noStrike" cap="none" normalizeH="0" baseline="0" dirty="0">
+                <a:ln>
+                  <a:noFill/>
+                </a:ln>
+                <a:solidFill>
+                  <a:schemeClr val="tx1"/>
+                </a:solidFill>
+                <a:effectLst/>
+                <a:latin typeface="Arial" panose="020B0604020202020204" pitchFamily="34" charset="0"/>
+              </a:rPr>
+              <a:t>,</a:t>
+            </a:r>
+            <a:r>
+              <a:rPr kumimoji="0" lang="en-RW" altLang="en-RW" sz="1800" b="0" i="0" u="none" strike="noStrike" cap="none" normalizeH="0" baseline="0" dirty="0">
+                <a:ln>
+                  <a:noFill/>
+                </a:ln>
+                <a:solidFill>
+                  <a:schemeClr val="tx1"/>
+                </a:solidFill>
+                <a:effectLst/>
+                <a:latin typeface="Arial" panose="020B0604020202020204" pitchFamily="34" charset="0"/>
+              </a:rPr>
+              <a:t> and </a:t>
+            </a:r>
+            <a:r>
+              <a:rPr lang="en-US" altLang="en-RW" sz="1800" dirty="0">
+                <a:latin typeface="Arial" panose="020B0604020202020204" pitchFamily="34" charset="0"/>
+              </a:rPr>
+              <a:t>3</a:t>
+            </a:r>
+            <a:r>
+              <a:rPr kumimoji="0" lang="en-RW" altLang="en-RW" sz="1800" b="0" i="0" u="none" strike="noStrike" cap="none" normalizeH="0" baseline="0" dirty="0">
+                <a:ln>
+                  <a:noFill/>
+                </a:ln>
+                <a:solidFill>
+                  <a:schemeClr val="tx1"/>
+                </a:solidFill>
+                <a:effectLst/>
+                <a:latin typeface="Arial" panose="020B0604020202020204" pitchFamily="34" charset="0"/>
+              </a:rPr>
+              <a:t> ML models are trained. The best-performing model</a:t>
+            </a:r>
+            <a:r>
+              <a:rPr lang="en-US" altLang="en-RW" sz="1800" dirty="0">
+                <a:latin typeface="Arial" panose="020B0604020202020204" pitchFamily="34" charset="0"/>
+              </a:rPr>
+              <a:t> was </a:t>
+            </a:r>
+            <a:r>
+              <a:rPr kumimoji="0" lang="en-RW" altLang="en-RW" sz="1800" b="0" i="0" u="none" strike="noStrike" cap="none" normalizeH="0" baseline="0" dirty="0">
+                <a:ln>
+                  <a:noFill/>
+                </a:ln>
+                <a:solidFill>
+                  <a:schemeClr val="tx1"/>
+                </a:solidFill>
+                <a:effectLst/>
+                <a:latin typeface="Arial" panose="020B0604020202020204" pitchFamily="34" charset="0"/>
+              </a:rPr>
+              <a:t>selected.</a:t>
+            </a:r>
+            <a:endParaRPr kumimoji="0" lang="en-US" altLang="en-RW" sz="1800" b="0" i="0" u="none" strike="noStrike" cap="none" normalizeH="0" baseline="0" dirty="0">
+              <a:ln>
+                <a:noFill/>
+              </a:ln>
+              <a:solidFill>
+                <a:schemeClr val="tx1"/>
+              </a:solidFill>
+              <a:effectLst/>
+              <a:latin typeface="Arial" panose="020B0604020202020204" pitchFamily="34" charset="0"/>
+            </a:endParaRPr>
+          </a:p>
+          <a:p>
+            <a:pPr marL="0" marR="0" lvl="0" indent="0" algn="l" defTabSz="914400" rtl="0" eaLnBrk="0" fontAlgn="base" latinLnBrk="0" hangingPunct="0">
+              <a:lnSpc>
+                <a:spcPct val="150000"/>
+              </a:lnSpc>
+              <a:spcBef>
+                <a:spcPct val="0"/>
+              </a:spcBef>
+              <a:spcAft>
+                <a:spcPct val="0"/>
+              </a:spcAft>
+              <a:buClrTx/>
+              <a:buSzTx/>
+              <a:buNone/>
+              <a:tabLst/>
+            </a:pPr>
+            <a:endParaRPr kumimoji="0" lang="en-RW" altLang="en-RW" sz="1800" b="0" i="0" u="none" strike="noStrike" cap="none" normalizeH="0" baseline="0" dirty="0">
+              <a:ln>
+                <a:noFill/>
+              </a:ln>
+              <a:solidFill>
+                <a:schemeClr val="tx1"/>
+              </a:solidFill>
+              <a:effectLst/>
+              <a:latin typeface="Arial" panose="020B0604020202020204" pitchFamily="34" charset="0"/>
+            </a:endParaRPr>
+          </a:p>
+          <a:p>
+            <a:pPr marL="0" marR="0" lvl="0" indent="0" algn="l" defTabSz="914400" rtl="0" eaLnBrk="0" fontAlgn="base" latinLnBrk="0" hangingPunct="0">
+              <a:lnSpc>
+                <a:spcPct val="150000"/>
+              </a:lnSpc>
+              <a:spcBef>
+                <a:spcPct val="0"/>
+              </a:spcBef>
+              <a:spcAft>
+                <a:spcPct val="0"/>
+              </a:spcAft>
+              <a:buClrTx/>
+              <a:buSzTx/>
+              <a:buFontTx/>
+              <a:buChar char="•"/>
+              <a:tabLst/>
+            </a:pPr>
+            <a:r>
+              <a:rPr kumimoji="0" lang="en-RW" altLang="en-RW" sz="1800" b="1" i="0" u="none" strike="noStrike" cap="none" normalizeH="0" baseline="0" dirty="0">
+                <a:ln>
+                  <a:noFill/>
+                </a:ln>
+                <a:solidFill>
+                  <a:schemeClr val="tx1"/>
+                </a:solidFill>
+                <a:effectLst/>
+                <a:latin typeface="Arial" panose="020B0604020202020204" pitchFamily="34" charset="0"/>
+              </a:rPr>
+              <a:t>Backend API:</a:t>
+            </a:r>
+            <a:r>
+              <a:rPr kumimoji="0" lang="en-RW" altLang="en-RW" sz="1800" b="0" i="0" u="none" strike="noStrike" cap="none" normalizeH="0" baseline="0" dirty="0">
+                <a:ln>
+                  <a:noFill/>
+                </a:ln>
+                <a:solidFill>
+                  <a:schemeClr val="tx1"/>
+                </a:solidFill>
+                <a:effectLst/>
+                <a:latin typeface="Arial" panose="020B0604020202020204" pitchFamily="34" charset="0"/>
+              </a:rPr>
+              <a:t> The Flask API loads the trained model, processes user input, and generates predictions.</a:t>
+            </a:r>
+            <a:endParaRPr kumimoji="0" lang="en-US" altLang="en-RW" sz="1800" b="0" i="0" u="none" strike="noStrike" cap="none" normalizeH="0" baseline="0" dirty="0">
+              <a:ln>
+                <a:noFill/>
+              </a:ln>
+              <a:solidFill>
+                <a:schemeClr val="tx1"/>
+              </a:solidFill>
+              <a:effectLst/>
+              <a:latin typeface="Arial" panose="020B0604020202020204" pitchFamily="34" charset="0"/>
+            </a:endParaRPr>
+          </a:p>
+          <a:p>
+            <a:pPr marL="0" marR="0" lvl="0" indent="0" algn="l" defTabSz="914400" rtl="0" eaLnBrk="0" fontAlgn="base" latinLnBrk="0" hangingPunct="0">
+              <a:lnSpc>
+                <a:spcPct val="150000"/>
+              </a:lnSpc>
+              <a:spcBef>
+                <a:spcPct val="0"/>
+              </a:spcBef>
+              <a:spcAft>
+                <a:spcPct val="0"/>
+              </a:spcAft>
+              <a:buClrTx/>
+              <a:buSzTx/>
+              <a:buNone/>
+              <a:tabLst/>
+            </a:pPr>
+            <a:endParaRPr kumimoji="0" lang="en-RW" altLang="en-RW" sz="1800" b="0" i="0" u="none" strike="noStrike" cap="none" normalizeH="0" baseline="0" dirty="0">
+              <a:ln>
+                <a:noFill/>
+              </a:ln>
+              <a:solidFill>
+                <a:schemeClr val="tx1"/>
+              </a:solidFill>
+              <a:effectLst/>
+              <a:latin typeface="Arial" panose="020B0604020202020204" pitchFamily="34" charset="0"/>
+            </a:endParaRPr>
+          </a:p>
+          <a:p>
+            <a:pPr marL="0" marR="0" lvl="0" indent="0" algn="l" defTabSz="914400" rtl="0" eaLnBrk="0" fontAlgn="base" latinLnBrk="0" hangingPunct="0">
+              <a:lnSpc>
+                <a:spcPct val="150000"/>
+              </a:lnSpc>
+              <a:spcBef>
+                <a:spcPct val="0"/>
+              </a:spcBef>
+              <a:spcAft>
+                <a:spcPct val="0"/>
+              </a:spcAft>
+              <a:buClrTx/>
+              <a:buSzTx/>
+              <a:buFontTx/>
+              <a:buChar char="•"/>
+              <a:tabLst/>
+            </a:pPr>
+            <a:r>
+              <a:rPr kumimoji="0" lang="en-RW" altLang="en-RW" sz="1800" b="1" i="0" u="none" strike="noStrike" cap="none" normalizeH="0" baseline="0" dirty="0">
+                <a:ln>
+                  <a:noFill/>
+                </a:ln>
+                <a:solidFill>
+                  <a:schemeClr val="tx1"/>
+                </a:solidFill>
+                <a:effectLst/>
+                <a:latin typeface="Arial" panose="020B0604020202020204" pitchFamily="34" charset="0"/>
+              </a:rPr>
+              <a:t>Frontend Interaction:</a:t>
+            </a:r>
+            <a:r>
+              <a:rPr kumimoji="0" lang="en-RW" altLang="en-RW" sz="1800" b="0" i="0" u="none" strike="noStrike" cap="none" normalizeH="0" baseline="0" dirty="0">
+                <a:ln>
+                  <a:noFill/>
+                </a:ln>
+                <a:solidFill>
+                  <a:schemeClr val="tx1"/>
+                </a:solidFill>
+                <a:effectLst/>
+                <a:latin typeface="Arial" panose="020B0604020202020204" pitchFamily="34" charset="0"/>
+              </a:rPr>
+              <a:t> Users submit input through the frontend,</a:t>
+            </a:r>
+            <a:r>
+              <a:rPr lang="en-US" altLang="en-RW" sz="1800" dirty="0">
+                <a:latin typeface="Arial" panose="020B0604020202020204" pitchFamily="34" charset="0"/>
+              </a:rPr>
+              <a:t> </a:t>
+            </a:r>
+            <a:r>
+              <a:rPr kumimoji="0" lang="en-RW" altLang="en-RW" sz="1800" b="0" i="0" u="none" strike="noStrike" cap="none" normalizeH="0" baseline="0" dirty="0">
+                <a:ln>
+                  <a:noFill/>
+                </a:ln>
+                <a:solidFill>
+                  <a:schemeClr val="tx1"/>
+                </a:solidFill>
+                <a:effectLst/>
+                <a:latin typeface="Arial" panose="020B0604020202020204" pitchFamily="34" charset="0"/>
+              </a:rPr>
+              <a:t>receive loan repayment decisions and probability scores.</a:t>
+            </a:r>
+            <a:endParaRPr kumimoji="0" lang="en-US" altLang="en-RW" sz="1800" b="0" i="0" u="none" strike="noStrike" cap="none" normalizeH="0" baseline="0" dirty="0">
+              <a:ln>
+                <a:noFill/>
+              </a:ln>
+              <a:solidFill>
+                <a:schemeClr val="tx1"/>
+              </a:solidFill>
+              <a:effectLst/>
+              <a:latin typeface="Arial" panose="020B0604020202020204" pitchFamily="34" charset="0"/>
+            </a:endParaRPr>
+          </a:p>
+          <a:p>
+            <a:pPr marL="0" marR="0" lvl="0" indent="0" algn="l" defTabSz="914400" rtl="0" eaLnBrk="0" fontAlgn="base" latinLnBrk="0" hangingPunct="0">
+              <a:lnSpc>
+                <a:spcPct val="100000"/>
+              </a:lnSpc>
+              <a:spcBef>
+                <a:spcPct val="0"/>
+              </a:spcBef>
+              <a:spcAft>
+                <a:spcPct val="0"/>
+              </a:spcAft>
+              <a:buClrTx/>
+              <a:buSzTx/>
+              <a:buFontTx/>
+              <a:buChar char="•"/>
+              <a:tabLst/>
+            </a:pPr>
+            <a:endParaRPr lang="en-US" altLang="en-RW" sz="1800" dirty="0">
+              <a:latin typeface="Arial" panose="020B0604020202020204" pitchFamily="34" charset="0"/>
+            </a:endParaRPr>
+          </a:p>
+          <a:p>
+            <a:pPr marL="0" marR="0" lvl="0" indent="0" algn="l" defTabSz="914400" rtl="0" eaLnBrk="0" fontAlgn="base" latinLnBrk="0" hangingPunct="0">
+              <a:lnSpc>
+                <a:spcPct val="100000"/>
+              </a:lnSpc>
+              <a:spcBef>
+                <a:spcPct val="0"/>
+              </a:spcBef>
+              <a:spcAft>
+                <a:spcPct val="0"/>
+              </a:spcAft>
+              <a:buClrTx/>
+              <a:buSzTx/>
+              <a:buFontTx/>
+              <a:buChar char="•"/>
+              <a:tabLst/>
+            </a:pPr>
+            <a:endParaRPr kumimoji="0" lang="en-RW" altLang="en-RW" sz="1800" b="0" i="0" u="none" strike="noStrike" cap="none" normalizeH="0" baseline="0" dirty="0">
+              <a:ln>
+                <a:noFill/>
+              </a:ln>
+              <a:solidFill>
+                <a:schemeClr val="tx1"/>
+              </a:solidFill>
+              <a:effectLst/>
+              <a:latin typeface="Arial" panose="020B0604020202020204" pitchFamily="34" charset="0"/>
+            </a:endParaRPr>
           </a:p>
         </p:txBody>
       </p:sp>
     </p:spTree>
-    <p:extLst>
-      <p:ext uri="{BB962C8B-B14F-4D97-AF65-F5344CB8AC3E}">
-        <p14:creationId xmlns:p14="http://schemas.microsoft.com/office/powerpoint/2010/main" val="4075110139"/>
-      </p:ext>
-    </p:extLst>
   </p:cSld>
   <p:clrMapOvr>
     <a:masterClrMapping/>
@@ -5188,7 +7525,13 @@
   <p:cSld>
     <p:spTree>
       <p:nvGrpSpPr>
-        <p:cNvPr id="1" name=""/>
+        <p:cNvPr id="1" name="">
+          <a:extLst>
+            <a:ext uri="{FF2B5EF4-FFF2-40B4-BE49-F238E27FC236}">
+              <a16:creationId xmlns:a16="http://schemas.microsoft.com/office/drawing/2014/main" id="{FE4836D4-C3DA-9905-DF13-59DB3AD0E660}"/>
+            </a:ext>
+          </a:extLst>
+        </p:cNvPr>
         <p:cNvGrpSpPr/>
         <p:nvPr/>
       </p:nvGrpSpPr>
@@ -5205,7 +7548,7 @@
           <p:cNvPr id="2" name="Title 1">
             <a:extLst>
               <a:ext uri="{FF2B5EF4-FFF2-40B4-BE49-F238E27FC236}">
-                <a16:creationId xmlns:a16="http://schemas.microsoft.com/office/drawing/2014/main" id="{1A4C6379-08BE-C7CD-E090-ABC5AEE916D5}"/>
+                <a16:creationId xmlns:a16="http://schemas.microsoft.com/office/drawing/2014/main" id="{A0C16521-101E-BBA4-F57A-325D19755E52}"/>
               </a:ext>
             </a:extLst>
           </p:cNvPr>
@@ -5216,90 +7559,1407 @@
             <p:ph type="title"/>
           </p:nvPr>
         </p:nvSpPr>
-        <p:spPr/>
+        <p:spPr>
+          <a:xfrm>
+            <a:off x="1443491" y="804521"/>
+            <a:ext cx="6571343" cy="689000"/>
+          </a:xfrm>
+        </p:spPr>
         <p:txBody>
           <a:bodyPr/>
           <a:lstStyle/>
           <a:p>
             <a:r>
               <a:rPr lang="en-US" dirty="0"/>
-              <a:t>Group Members</a:t>
-            </a:r>
-            <a:endParaRPr lang="en-RW" dirty="0"/>
-          </a:p>
-        </p:txBody>
-      </p:sp>
-      <p:sp>
-        <p:nvSpPr>
-          <p:cNvPr id="3" name="Content Placeholder 2">
+              <a:t>KEY FEATURES USED</a:t>
+            </a:r>
+            <a:endParaRPr dirty="0"/>
+          </a:p>
+        </p:txBody>
+      </p:sp>
+      <p:sp>
+        <p:nvSpPr>
+          <p:cNvPr id="5" name="Rectangle 2">
             <a:extLst>
               <a:ext uri="{FF2B5EF4-FFF2-40B4-BE49-F238E27FC236}">
-                <a16:creationId xmlns:a16="http://schemas.microsoft.com/office/drawing/2014/main" id="{87020935-1869-F3D8-E20B-A6753E77972C}"/>
+                <a16:creationId xmlns:a16="http://schemas.microsoft.com/office/drawing/2014/main" id="{9F9FEA94-B80E-12D7-D805-C457D4028CAE}"/>
               </a:ext>
             </a:extLst>
           </p:cNvPr>
           <p:cNvSpPr>
-            <a:spLocks noGrp="1"/>
+            <a:spLocks noGrp="1" noChangeArrowheads="1"/>
           </p:cNvSpPr>
           <p:nvPr>
             <p:ph idx="1"/>
           </p:nvPr>
         </p:nvSpPr>
-        <p:spPr/>
-        <p:txBody>
-          <a:bodyPr/>
-          <a:lstStyle/>
-          <a:p>
-            <a:pPr marL="0" indent="0">
+        <p:spPr bwMode="auto">
+          <a:xfrm>
+            <a:off x="883921" y="1936459"/>
+            <a:ext cx="7924799" cy="3554819"/>
+          </a:xfrm>
+          <a:prstGeom prst="rect">
+            <a:avLst/>
+          </a:prstGeom>
+          <a:noFill/>
+          <a:ln>
+            <a:noFill/>
+          </a:ln>
+          <a:effectLst/>
+          <a:extLst>
+            <a:ext uri="{909E8E84-426E-40DD-AFC4-6F175D3DCCD1}">
+              <a14:hiddenFill xmlns:a14="http://schemas.microsoft.com/office/drawing/2010/main">
+                <a:solidFill>
+                  <a:schemeClr val="accent1"/>
+                </a:solidFill>
+              </a14:hiddenFill>
+            </a:ext>
+            <a:ext uri="{91240B29-F687-4F45-9708-019B960494DF}">
+              <a14:hiddenLine xmlns:a14="http://schemas.microsoft.com/office/drawing/2010/main" w="9525">
+                <a:solidFill>
+                  <a:schemeClr val="tx1"/>
+                </a:solidFill>
+                <a:miter lim="800000"/>
+                <a:headEnd/>
+                <a:tailEnd/>
+              </a14:hiddenLine>
+            </a:ext>
+            <a:ext uri="{AF507438-7753-43E0-B8FC-AC1667EBCBE1}">
+              <a14:hiddenEffects xmlns:a14="http://schemas.microsoft.com/office/drawing/2010/main">
+                <a:effectLst>
+                  <a:outerShdw dist="35921" dir="2700000" algn="ctr" rotWithShape="0">
+                    <a:schemeClr val="bg2"/>
+                  </a:outerShdw>
+                </a:effectLst>
+              </a14:hiddenEffects>
+            </a:ext>
+          </a:extLst>
+        </p:spPr>
+        <p:txBody>
+          <a:bodyPr vert="horz" wrap="square" lIns="91440" tIns="45720" rIns="91440" bIns="45720" numCol="1" anchor="ctr" anchorCtr="0" compatLnSpc="1">
+            <a:prstTxWarp prst="textNoShape">
+              <a:avLst/>
+            </a:prstTxWarp>
+            <a:spAutoFit/>
+          </a:bodyPr>
+          <a:lstStyle/>
+          <a:p>
+            <a:pPr marL="0" marR="0" lvl="0" indent="0" algn="l" defTabSz="914400" rtl="0" eaLnBrk="0" fontAlgn="base" latinLnBrk="0" hangingPunct="0">
+              <a:lnSpc>
+                <a:spcPct val="150000"/>
+              </a:lnSpc>
+              <a:spcBef>
+                <a:spcPct val="0"/>
+              </a:spcBef>
+              <a:spcAft>
+                <a:spcPct val="0"/>
+              </a:spcAft>
+              <a:buClrTx/>
+              <a:buSzTx/>
               <a:buNone/>
+              <a:tabLst/>
             </a:pPr>
-            <a:r>
-              <a:rPr lang="en-US" dirty="0"/>
-              <a:t>UMURAZA Angelique</a:t>
-            </a:r>
-          </a:p>
-          <a:p>
-            <a:pPr marL="0" indent="0">
+            <a:endParaRPr kumimoji="0" lang="en-RW" altLang="en-RW" sz="1800" b="0" i="0" u="none" strike="noStrike" cap="none" normalizeH="0" baseline="0" dirty="0">
+              <a:ln>
+                <a:noFill/>
+              </a:ln>
+              <a:solidFill>
+                <a:schemeClr val="tx1"/>
+              </a:solidFill>
+              <a:effectLst/>
+              <a:latin typeface="Arial" panose="020B0604020202020204" pitchFamily="34" charset="0"/>
+            </a:endParaRPr>
+          </a:p>
+          <a:p>
+            <a:pPr marL="0" marR="0" lvl="0" indent="0" algn="l" defTabSz="914400" rtl="0" eaLnBrk="0" fontAlgn="base" latinLnBrk="0" hangingPunct="0">
+              <a:lnSpc>
+                <a:spcPct val="150000"/>
+              </a:lnSpc>
+              <a:spcBef>
+                <a:spcPct val="0"/>
+              </a:spcBef>
+              <a:spcAft>
+                <a:spcPct val="0"/>
+              </a:spcAft>
+              <a:buClrTx/>
+              <a:buSzTx/>
               <a:buNone/>
+              <a:tabLst/>
             </a:pPr>
             <a:r>
-              <a:rPr lang="en-US" dirty="0"/>
-              <a:t>TUYISENGE Ephrem</a:t>
-            </a:r>
-          </a:p>
-          <a:p>
-            <a:pPr marL="0" indent="0">
+              <a:rPr kumimoji="0" lang="en-US" altLang="en-RW" sz="1800" b="1" i="0" u="none" strike="noStrike" cap="none" normalizeH="0" baseline="0" dirty="0">
+                <a:ln>
+                  <a:noFill/>
+                </a:ln>
+                <a:solidFill>
+                  <a:schemeClr val="tx1"/>
+                </a:solidFill>
+                <a:effectLst/>
+                <a:latin typeface="Arial" panose="020B0604020202020204" pitchFamily="34" charset="0"/>
+              </a:rPr>
+              <a:t>Personal &amp; demographic</a:t>
+            </a:r>
+          </a:p>
+          <a:p>
+            <a:pPr marL="0" marR="0" lvl="0" indent="0" algn="l" defTabSz="914400" rtl="0" eaLnBrk="0" fontAlgn="base" latinLnBrk="0" hangingPunct="0">
+              <a:lnSpc>
+                <a:spcPct val="150000"/>
+              </a:lnSpc>
+              <a:spcBef>
+                <a:spcPct val="0"/>
+              </a:spcBef>
+              <a:spcAft>
+                <a:spcPct val="0"/>
+              </a:spcAft>
+              <a:buClrTx/>
+              <a:buSzTx/>
               <a:buNone/>
+              <a:tabLst/>
             </a:pPr>
             <a:r>
-              <a:rPr lang="en-US" dirty="0"/>
-              <a:t>ISHIMWE Sandrine</a:t>
-            </a:r>
-          </a:p>
-          <a:p>
-            <a:pPr marL="0" indent="0">
+              <a:rPr kumimoji="0" lang="en-US" altLang="en-RW" sz="1800" b="0" i="0" u="none" strike="noStrike" cap="none" normalizeH="0" baseline="0" dirty="0">
+                <a:ln>
+                  <a:noFill/>
+                </a:ln>
+                <a:solidFill>
+                  <a:schemeClr val="tx1"/>
+                </a:solidFill>
+                <a:effectLst/>
+                <a:latin typeface="Arial" panose="020B0604020202020204" pitchFamily="34" charset="0"/>
+              </a:rPr>
+              <a:t>Gender, marital status, education level, employment status </a:t>
+            </a:r>
+          </a:p>
+          <a:p>
+            <a:pPr marL="0" marR="0" lvl="0" indent="0" algn="l" defTabSz="914400" rtl="0" eaLnBrk="0" fontAlgn="base" latinLnBrk="0" hangingPunct="0">
+              <a:lnSpc>
+                <a:spcPct val="150000"/>
+              </a:lnSpc>
+              <a:spcBef>
+                <a:spcPct val="0"/>
+              </a:spcBef>
+              <a:spcAft>
+                <a:spcPct val="0"/>
+              </a:spcAft>
+              <a:buClrTx/>
+              <a:buSzTx/>
               <a:buNone/>
+              <a:tabLst/>
             </a:pPr>
             <a:r>
-              <a:rPr lang="en-US" dirty="0"/>
-              <a:t>NDAHIMANA Raphael</a:t>
-            </a:r>
-          </a:p>
-          <a:p>
-            <a:pPr marL="0" indent="0">
+              <a:rPr kumimoji="0" lang="en-US" altLang="en-RW" sz="1800" b="1" i="0" u="none" strike="noStrike" cap="none" normalizeH="0" baseline="0" dirty="0">
+                <a:ln>
+                  <a:noFill/>
+                </a:ln>
+                <a:solidFill>
+                  <a:schemeClr val="tx1"/>
+                </a:solidFill>
+                <a:effectLst/>
+                <a:latin typeface="Arial" panose="020B0604020202020204" pitchFamily="34" charset="0"/>
+              </a:rPr>
+              <a:t>Financial indicators</a:t>
+            </a:r>
+          </a:p>
+          <a:p>
+            <a:pPr marL="0" marR="0" lvl="0" indent="0" algn="l" defTabSz="914400" rtl="0" eaLnBrk="0" fontAlgn="base" latinLnBrk="0" hangingPunct="0">
+              <a:lnSpc>
+                <a:spcPct val="150000"/>
+              </a:lnSpc>
+              <a:spcBef>
+                <a:spcPct val="0"/>
+              </a:spcBef>
+              <a:spcAft>
+                <a:spcPct val="0"/>
+              </a:spcAft>
+              <a:buClrTx/>
+              <a:buSzTx/>
               <a:buNone/>
+              <a:tabLst/>
             </a:pPr>
             <a:r>
-              <a:rPr lang="en-US" dirty="0"/>
-              <a:t>TURAJYISIYONI Jean Marie Vianny</a:t>
-            </a:r>
+              <a:rPr kumimoji="0" lang="en-US" altLang="en-RW" sz="1800" b="0" i="0" u="none" strike="noStrike" cap="none" normalizeH="0" baseline="0" dirty="0">
+                <a:ln>
+                  <a:noFill/>
+                </a:ln>
+                <a:solidFill>
+                  <a:schemeClr val="tx1"/>
+                </a:solidFill>
+                <a:effectLst/>
+                <a:latin typeface="Arial" panose="020B0604020202020204" pitchFamily="34" charset="0"/>
+              </a:rPr>
+              <a:t>Annual income, loan amount, interest rate, loan term</a:t>
+            </a:r>
+          </a:p>
+          <a:p>
+            <a:pPr marL="0" marR="0" lvl="0" indent="0" algn="l" defTabSz="914400" rtl="0" eaLnBrk="0" fontAlgn="base" latinLnBrk="0" hangingPunct="0">
+              <a:lnSpc>
+                <a:spcPct val="150000"/>
+              </a:lnSpc>
+              <a:spcBef>
+                <a:spcPct val="0"/>
+              </a:spcBef>
+              <a:spcAft>
+                <a:spcPct val="0"/>
+              </a:spcAft>
+              <a:buClrTx/>
+              <a:buSzTx/>
+              <a:buNone/>
+              <a:tabLst/>
+            </a:pPr>
+            <a:r>
+              <a:rPr kumimoji="0" lang="en-US" altLang="en-RW" sz="1800" b="1" i="0" u="none" strike="noStrike" cap="none" normalizeH="0" baseline="0" dirty="0">
+                <a:ln>
+                  <a:noFill/>
+                </a:ln>
+                <a:solidFill>
+                  <a:schemeClr val="tx1"/>
+                </a:solidFill>
+                <a:effectLst/>
+                <a:latin typeface="Arial" panose="020B0604020202020204" pitchFamily="34" charset="0"/>
+              </a:rPr>
+              <a:t>Credit &amp; risk metrics</a:t>
+            </a:r>
+          </a:p>
+          <a:p>
+            <a:pPr marL="0" marR="0" lvl="0" indent="0" algn="l" defTabSz="914400" rtl="0" eaLnBrk="0" fontAlgn="base" latinLnBrk="0" hangingPunct="0">
+              <a:lnSpc>
+                <a:spcPct val="150000"/>
+              </a:lnSpc>
+              <a:spcBef>
+                <a:spcPct val="0"/>
+              </a:spcBef>
+              <a:spcAft>
+                <a:spcPct val="0"/>
+              </a:spcAft>
+              <a:buClrTx/>
+              <a:buSzTx/>
+              <a:buNone/>
+              <a:tabLst/>
+            </a:pPr>
+            <a:r>
+              <a:rPr kumimoji="0" lang="en-US" altLang="en-RW" sz="1800" b="0" i="0" u="none" strike="noStrike" cap="none" normalizeH="0" baseline="0" dirty="0">
+                <a:ln>
+                  <a:noFill/>
+                </a:ln>
+                <a:solidFill>
+                  <a:schemeClr val="tx1"/>
+                </a:solidFill>
+                <a:effectLst/>
+                <a:latin typeface="Arial" panose="020B0604020202020204" pitchFamily="34" charset="0"/>
+              </a:rPr>
+              <a:t>Credit score, debt-to-income ratio, number of credit lines</a:t>
+            </a:r>
+            <a:endParaRPr kumimoji="0" lang="en-RW" altLang="en-RW" sz="1800" b="0" i="0" u="none" strike="noStrike" cap="none" normalizeH="0" baseline="0" dirty="0">
+              <a:ln>
+                <a:noFill/>
+              </a:ln>
+              <a:solidFill>
+                <a:schemeClr val="tx1"/>
+              </a:solidFill>
+              <a:effectLst/>
+              <a:latin typeface="Arial" panose="020B0604020202020204" pitchFamily="34" charset="0"/>
+            </a:endParaRPr>
+          </a:p>
+          <a:p>
+            <a:pPr marL="0" marR="0" lvl="0" indent="0" algn="l" defTabSz="914400" rtl="0" eaLnBrk="0" fontAlgn="base" latinLnBrk="0" hangingPunct="0">
+              <a:lnSpc>
+                <a:spcPct val="100000"/>
+              </a:lnSpc>
+              <a:spcBef>
+                <a:spcPct val="0"/>
+              </a:spcBef>
+              <a:spcAft>
+                <a:spcPct val="0"/>
+              </a:spcAft>
+              <a:buClrTx/>
+              <a:buSzTx/>
+              <a:buFontTx/>
+              <a:buChar char="•"/>
+              <a:tabLst/>
+            </a:pPr>
+            <a:endParaRPr lang="en-US" altLang="en-RW" sz="1800" dirty="0">
+              <a:latin typeface="Arial" panose="020B0604020202020204" pitchFamily="34" charset="0"/>
+            </a:endParaRPr>
+          </a:p>
+          <a:p>
+            <a:pPr marL="0" marR="0" lvl="0" indent="0" algn="l" defTabSz="914400" rtl="0" eaLnBrk="0" fontAlgn="base" latinLnBrk="0" hangingPunct="0">
+              <a:lnSpc>
+                <a:spcPct val="100000"/>
+              </a:lnSpc>
+              <a:spcBef>
+                <a:spcPct val="0"/>
+              </a:spcBef>
+              <a:spcAft>
+                <a:spcPct val="0"/>
+              </a:spcAft>
+              <a:buClrTx/>
+              <a:buSzTx/>
+              <a:buFontTx/>
+              <a:buChar char="•"/>
+              <a:tabLst/>
+            </a:pPr>
+            <a:endParaRPr kumimoji="0" lang="en-RW" altLang="en-RW" sz="1800" b="0" i="0" u="none" strike="noStrike" cap="none" normalizeH="0" baseline="0" dirty="0">
+              <a:ln>
+                <a:noFill/>
+              </a:ln>
+              <a:solidFill>
+                <a:schemeClr val="tx1"/>
+              </a:solidFill>
+              <a:effectLst/>
+              <a:latin typeface="Arial" panose="020B0604020202020204" pitchFamily="34" charset="0"/>
+            </a:endParaRPr>
           </a:p>
         </p:txBody>
       </p:sp>
     </p:spTree>
     <p:extLst>
       <p:ext uri="{BB962C8B-B14F-4D97-AF65-F5344CB8AC3E}">
-        <p14:creationId xmlns:p14="http://schemas.microsoft.com/office/powerpoint/2010/main" val="756982255"/>
+        <p14:creationId xmlns:p14="http://schemas.microsoft.com/office/powerpoint/2010/main" val="1503703090"/>
+      </p:ext>
+    </p:extLst>
+  </p:cSld>
+  <p:clrMapOvr>
+    <a:masterClrMapping/>
+  </p:clrMapOvr>
+</p:sld>
+</file>
+
+<file path=ppt/slides/slide7.xml><?xml version="1.0" encoding="utf-8"?>
+<p:sld xmlns:a="http://schemas.openxmlformats.org/drawingml/2006/main" xmlns:r="http://schemas.openxmlformats.org/officeDocument/2006/relationships" xmlns:p="http://schemas.openxmlformats.org/presentationml/2006/main">
+  <p:cSld>
+    <p:spTree>
+      <p:nvGrpSpPr>
+        <p:cNvPr id="1" name="">
+          <a:extLst>
+            <a:ext uri="{FF2B5EF4-FFF2-40B4-BE49-F238E27FC236}">
+              <a16:creationId xmlns:a16="http://schemas.microsoft.com/office/drawing/2014/main" id="{9E4F76C9-D420-60F8-E321-4E041AC43BFD}"/>
+            </a:ext>
+          </a:extLst>
+        </p:cNvPr>
+        <p:cNvGrpSpPr/>
+        <p:nvPr/>
+      </p:nvGrpSpPr>
+      <p:grpSpPr>
+        <a:xfrm>
+          <a:off x="0" y="0"/>
+          <a:ext cx="0" cy="0"/>
+          <a:chOff x="0" y="0"/>
+          <a:chExt cx="0" cy="0"/>
+        </a:xfrm>
+      </p:grpSpPr>
+      <p:sp>
+        <p:nvSpPr>
+          <p:cNvPr id="2" name="Title 1">
+            <a:extLst>
+              <a:ext uri="{FF2B5EF4-FFF2-40B4-BE49-F238E27FC236}">
+                <a16:creationId xmlns:a16="http://schemas.microsoft.com/office/drawing/2014/main" id="{4FB8182B-BD5B-6CE1-DC94-1C144DB43A07}"/>
+              </a:ext>
+            </a:extLst>
+          </p:cNvPr>
+          <p:cNvSpPr>
+            <a:spLocks noGrp="1"/>
+          </p:cNvSpPr>
+          <p:nvPr>
+            <p:ph type="title"/>
+          </p:nvPr>
+        </p:nvSpPr>
+        <p:spPr>
+          <a:xfrm>
+            <a:off x="1443491" y="804521"/>
+            <a:ext cx="6571343" cy="689000"/>
+          </a:xfrm>
+        </p:spPr>
+        <p:txBody>
+          <a:bodyPr/>
+          <a:lstStyle/>
+          <a:p>
+            <a:r>
+              <a:rPr lang="en-US" dirty="0"/>
+              <a:t>Data Preprocessing</a:t>
+            </a:r>
+            <a:endParaRPr dirty="0"/>
+          </a:p>
+        </p:txBody>
+      </p:sp>
+      <p:sp>
+        <p:nvSpPr>
+          <p:cNvPr id="5" name="Rectangle 2">
+            <a:extLst>
+              <a:ext uri="{FF2B5EF4-FFF2-40B4-BE49-F238E27FC236}">
+                <a16:creationId xmlns:a16="http://schemas.microsoft.com/office/drawing/2014/main" id="{75FF67C1-1D06-AF7D-B3F3-79B4566834E4}"/>
+              </a:ext>
+            </a:extLst>
+          </p:cNvPr>
+          <p:cNvSpPr>
+            <a:spLocks noGrp="1" noChangeArrowheads="1"/>
+          </p:cNvSpPr>
+          <p:nvPr>
+            <p:ph idx="1"/>
+          </p:nvPr>
+        </p:nvSpPr>
+        <p:spPr bwMode="auto">
+          <a:xfrm>
+            <a:off x="883921" y="2067088"/>
+            <a:ext cx="7924799" cy="2723823"/>
+          </a:xfrm>
+          <a:prstGeom prst="rect">
+            <a:avLst/>
+          </a:prstGeom>
+          <a:noFill/>
+          <a:ln>
+            <a:noFill/>
+          </a:ln>
+          <a:effectLst/>
+          <a:extLst>
+            <a:ext uri="{909E8E84-426E-40DD-AFC4-6F175D3DCCD1}">
+              <a14:hiddenFill xmlns:a14="http://schemas.microsoft.com/office/drawing/2010/main">
+                <a:solidFill>
+                  <a:schemeClr val="accent1"/>
+                </a:solidFill>
+              </a14:hiddenFill>
+            </a:ext>
+            <a:ext uri="{91240B29-F687-4F45-9708-019B960494DF}">
+              <a14:hiddenLine xmlns:a14="http://schemas.microsoft.com/office/drawing/2010/main" w="9525">
+                <a:solidFill>
+                  <a:schemeClr val="tx1"/>
+                </a:solidFill>
+                <a:miter lim="800000"/>
+                <a:headEnd/>
+                <a:tailEnd/>
+              </a14:hiddenLine>
+            </a:ext>
+            <a:ext uri="{AF507438-7753-43E0-B8FC-AC1667EBCBE1}">
+              <a14:hiddenEffects xmlns:a14="http://schemas.microsoft.com/office/drawing/2010/main">
+                <a:effectLst>
+                  <a:outerShdw dist="35921" dir="2700000" algn="ctr" rotWithShape="0">
+                    <a:schemeClr val="bg2"/>
+                  </a:outerShdw>
+                </a:effectLst>
+              </a14:hiddenEffects>
+            </a:ext>
+          </a:extLst>
+        </p:spPr>
+        <p:txBody>
+          <a:bodyPr vert="horz" wrap="square" lIns="91440" tIns="45720" rIns="91440" bIns="45720" numCol="1" anchor="ctr" anchorCtr="0" compatLnSpc="1">
+            <a:prstTxWarp prst="textNoShape">
+              <a:avLst/>
+            </a:prstTxWarp>
+            <a:spAutoFit/>
+          </a:bodyPr>
+          <a:lstStyle/>
+          <a:p>
+            <a:pPr marL="0" marR="0" lvl="0" indent="0" algn="l" defTabSz="914400" rtl="0" eaLnBrk="0" fontAlgn="base" latinLnBrk="0" hangingPunct="0">
+              <a:lnSpc>
+                <a:spcPct val="150000"/>
+              </a:lnSpc>
+              <a:spcBef>
+                <a:spcPct val="0"/>
+              </a:spcBef>
+              <a:spcAft>
+                <a:spcPct val="0"/>
+              </a:spcAft>
+              <a:buClrTx/>
+              <a:buSzTx/>
+              <a:buNone/>
+              <a:tabLst/>
+            </a:pPr>
+            <a:endParaRPr kumimoji="0" lang="en-US" altLang="en-RW" sz="1800" b="1" i="0" u="none" strike="noStrike" cap="none" normalizeH="0" baseline="0" dirty="0">
+              <a:ln>
+                <a:noFill/>
+              </a:ln>
+              <a:solidFill>
+                <a:schemeClr val="tx1"/>
+              </a:solidFill>
+              <a:effectLst/>
+              <a:latin typeface="Arial" panose="020B0604020202020204" pitchFamily="34" charset="0"/>
+            </a:endParaRPr>
+          </a:p>
+          <a:p>
+            <a:pPr marL="0" marR="0" lvl="0" indent="0" algn="l" defTabSz="914400" rtl="0" eaLnBrk="0" fontAlgn="base" latinLnBrk="0" hangingPunct="0">
+              <a:lnSpc>
+                <a:spcPct val="150000"/>
+              </a:lnSpc>
+              <a:spcBef>
+                <a:spcPct val="0"/>
+              </a:spcBef>
+              <a:spcAft>
+                <a:spcPct val="0"/>
+              </a:spcAft>
+              <a:buClrTx/>
+              <a:buSzTx/>
+              <a:buNone/>
+              <a:tabLst/>
+            </a:pPr>
+            <a:r>
+              <a:rPr lang="en-US" altLang="en-RW" sz="1800" dirty="0">
+                <a:latin typeface="Arial" panose="020B0604020202020204" pitchFamily="34" charset="0"/>
+              </a:rPr>
+              <a:t>1. Handled </a:t>
+            </a:r>
+            <a:r>
+              <a:rPr lang="en-US" altLang="en-RW" sz="1800" b="1" dirty="0">
+                <a:latin typeface="Arial" panose="020B0604020202020204" pitchFamily="34" charset="0"/>
+              </a:rPr>
+              <a:t>categorical variables </a:t>
+            </a:r>
+            <a:r>
+              <a:rPr lang="en-US" altLang="en-RW" sz="1800" dirty="0">
+                <a:latin typeface="Arial" panose="020B0604020202020204" pitchFamily="34" charset="0"/>
+              </a:rPr>
+              <a:t>using encoding techniques</a:t>
+            </a:r>
+          </a:p>
+          <a:p>
+            <a:pPr marL="0" marR="0" lvl="0" indent="0" algn="l" defTabSz="914400" rtl="0" eaLnBrk="0" fontAlgn="base" latinLnBrk="0" hangingPunct="0">
+              <a:lnSpc>
+                <a:spcPct val="150000"/>
+              </a:lnSpc>
+              <a:spcBef>
+                <a:spcPct val="0"/>
+              </a:spcBef>
+              <a:spcAft>
+                <a:spcPct val="0"/>
+              </a:spcAft>
+              <a:buClrTx/>
+              <a:buSzTx/>
+              <a:buNone/>
+              <a:tabLst/>
+            </a:pPr>
+            <a:r>
+              <a:rPr lang="en-US" altLang="en-RW" sz="1800" b="1" dirty="0">
+                <a:latin typeface="Arial" panose="020B0604020202020204" pitchFamily="34" charset="0"/>
+              </a:rPr>
+              <a:t>2. </a:t>
+            </a:r>
+            <a:r>
+              <a:rPr lang="en-US" altLang="en-RW" sz="1800" dirty="0">
+                <a:latin typeface="Arial" panose="020B0604020202020204" pitchFamily="34" charset="0"/>
+              </a:rPr>
+              <a:t>Separated numerical and categorical features</a:t>
+            </a:r>
+          </a:p>
+          <a:p>
+            <a:pPr marL="0" marR="0" lvl="0" indent="0" algn="l" defTabSz="914400" rtl="0" eaLnBrk="0" fontAlgn="base" latinLnBrk="0" hangingPunct="0">
+              <a:lnSpc>
+                <a:spcPct val="150000"/>
+              </a:lnSpc>
+              <a:spcBef>
+                <a:spcPct val="0"/>
+              </a:spcBef>
+              <a:spcAft>
+                <a:spcPct val="0"/>
+              </a:spcAft>
+              <a:buClrTx/>
+              <a:buSzTx/>
+              <a:buNone/>
+              <a:tabLst/>
+            </a:pPr>
+            <a:r>
+              <a:rPr lang="en-US" altLang="en-RW" sz="1800" b="1" dirty="0">
+                <a:latin typeface="Arial" panose="020B0604020202020204" pitchFamily="34" charset="0"/>
+              </a:rPr>
+              <a:t>3. </a:t>
+            </a:r>
+            <a:r>
+              <a:rPr lang="en-US" altLang="en-RW" sz="1800" dirty="0">
+                <a:latin typeface="Arial" panose="020B0604020202020204" pitchFamily="34" charset="0"/>
+              </a:rPr>
+              <a:t>Performed a </a:t>
+            </a:r>
+            <a:r>
+              <a:rPr lang="en-US" altLang="en-RW" sz="1800" b="1" dirty="0">
+                <a:latin typeface="Arial" panose="020B0604020202020204" pitchFamily="34" charset="0"/>
+              </a:rPr>
+              <a:t>train-test split </a:t>
+            </a:r>
+            <a:r>
+              <a:rPr lang="en-US" altLang="en-RW" sz="1800" dirty="0">
+                <a:latin typeface="Arial" panose="020B0604020202020204" pitchFamily="34" charset="0"/>
+              </a:rPr>
+              <a:t>for the model </a:t>
+            </a:r>
+          </a:p>
+          <a:p>
+            <a:pPr marL="0" marR="0" lvl="0" indent="0" algn="l" defTabSz="914400" rtl="0" eaLnBrk="0" fontAlgn="base" latinLnBrk="0" hangingPunct="0">
+              <a:lnSpc>
+                <a:spcPct val="150000"/>
+              </a:lnSpc>
+              <a:spcBef>
+                <a:spcPct val="0"/>
+              </a:spcBef>
+              <a:spcAft>
+                <a:spcPct val="0"/>
+              </a:spcAft>
+              <a:buClrTx/>
+              <a:buSzTx/>
+              <a:buNone/>
+              <a:tabLst/>
+            </a:pPr>
+            <a:r>
+              <a:rPr lang="en-US" altLang="en-RW" sz="1800" dirty="0">
+                <a:latin typeface="Arial" panose="020B0604020202020204" pitchFamily="34" charset="0"/>
+              </a:rPr>
+              <a:t>4. Evaluation ensured data were compatible with </a:t>
+            </a:r>
+            <a:r>
+              <a:rPr lang="en-US" altLang="en-RW" sz="1800" b="1" dirty="0">
+                <a:latin typeface="Arial" panose="020B0604020202020204" pitchFamily="34" charset="0"/>
+              </a:rPr>
+              <a:t>multiple ML models</a:t>
+            </a:r>
+          </a:p>
+          <a:p>
+            <a:pPr marL="0" marR="0" lvl="0" indent="0" algn="l" defTabSz="914400" rtl="0" eaLnBrk="0" fontAlgn="base" latinLnBrk="0" hangingPunct="0">
+              <a:lnSpc>
+                <a:spcPct val="100000"/>
+              </a:lnSpc>
+              <a:spcBef>
+                <a:spcPct val="0"/>
+              </a:spcBef>
+              <a:spcAft>
+                <a:spcPct val="0"/>
+              </a:spcAft>
+              <a:buClrTx/>
+              <a:buSzTx/>
+              <a:buFontTx/>
+              <a:buChar char="•"/>
+              <a:tabLst/>
+            </a:pPr>
+            <a:endParaRPr lang="en-US" altLang="en-RW" sz="1800" dirty="0">
+              <a:latin typeface="Arial" panose="020B0604020202020204" pitchFamily="34" charset="0"/>
+            </a:endParaRPr>
+          </a:p>
+          <a:p>
+            <a:pPr marL="0" marR="0" lvl="0" indent="0" algn="l" defTabSz="914400" rtl="0" eaLnBrk="0" fontAlgn="base" latinLnBrk="0" hangingPunct="0">
+              <a:lnSpc>
+                <a:spcPct val="100000"/>
+              </a:lnSpc>
+              <a:spcBef>
+                <a:spcPct val="0"/>
+              </a:spcBef>
+              <a:spcAft>
+                <a:spcPct val="0"/>
+              </a:spcAft>
+              <a:buClrTx/>
+              <a:buSzTx/>
+              <a:buFontTx/>
+              <a:buChar char="•"/>
+              <a:tabLst/>
+            </a:pPr>
+            <a:endParaRPr kumimoji="0" lang="en-RW" altLang="en-RW" sz="1800" b="0" i="0" u="none" strike="noStrike" cap="none" normalizeH="0" baseline="0" dirty="0">
+              <a:ln>
+                <a:noFill/>
+              </a:ln>
+              <a:solidFill>
+                <a:schemeClr val="tx1"/>
+              </a:solidFill>
+              <a:effectLst/>
+              <a:latin typeface="Arial" panose="020B0604020202020204" pitchFamily="34" charset="0"/>
+            </a:endParaRPr>
+          </a:p>
+        </p:txBody>
+      </p:sp>
+    </p:spTree>
+    <p:extLst>
+      <p:ext uri="{BB962C8B-B14F-4D97-AF65-F5344CB8AC3E}">
+        <p14:creationId xmlns:p14="http://schemas.microsoft.com/office/powerpoint/2010/main" val="2144671783"/>
+      </p:ext>
+    </p:extLst>
+  </p:cSld>
+  <p:clrMapOvr>
+    <a:masterClrMapping/>
+  </p:clrMapOvr>
+</p:sld>
+</file>
+
+<file path=ppt/slides/slide8.xml><?xml version="1.0" encoding="utf-8"?>
+<p:sld xmlns:a="http://schemas.openxmlformats.org/drawingml/2006/main" xmlns:r="http://schemas.openxmlformats.org/officeDocument/2006/relationships" xmlns:p="http://schemas.openxmlformats.org/presentationml/2006/main">
+  <p:cSld>
+    <p:spTree>
+      <p:nvGrpSpPr>
+        <p:cNvPr id="1" name="">
+          <a:extLst>
+            <a:ext uri="{FF2B5EF4-FFF2-40B4-BE49-F238E27FC236}">
+              <a16:creationId xmlns:a16="http://schemas.microsoft.com/office/drawing/2014/main" id="{B85E0280-D42B-6D97-7066-25D01A6E489E}"/>
+            </a:ext>
+          </a:extLst>
+        </p:cNvPr>
+        <p:cNvGrpSpPr/>
+        <p:nvPr/>
+      </p:nvGrpSpPr>
+      <p:grpSpPr>
+        <a:xfrm>
+          <a:off x="0" y="0"/>
+          <a:ext cx="0" cy="0"/>
+          <a:chOff x="0" y="0"/>
+          <a:chExt cx="0" cy="0"/>
+        </a:xfrm>
+      </p:grpSpPr>
+      <p:sp>
+        <p:nvSpPr>
+          <p:cNvPr id="2" name="Title 1">
+            <a:extLst>
+              <a:ext uri="{FF2B5EF4-FFF2-40B4-BE49-F238E27FC236}">
+                <a16:creationId xmlns:a16="http://schemas.microsoft.com/office/drawing/2014/main" id="{51F99CB1-9693-16D0-DBF1-A13DDE7C2A07}"/>
+              </a:ext>
+            </a:extLst>
+          </p:cNvPr>
+          <p:cNvSpPr>
+            <a:spLocks noGrp="1"/>
+          </p:cNvSpPr>
+          <p:nvPr>
+            <p:ph type="title"/>
+          </p:nvPr>
+        </p:nvSpPr>
+        <p:spPr>
+          <a:xfrm>
+            <a:off x="1443491" y="804521"/>
+            <a:ext cx="6571343" cy="689000"/>
+          </a:xfrm>
+        </p:spPr>
+        <p:txBody>
+          <a:bodyPr/>
+          <a:lstStyle/>
+          <a:p>
+            <a:r>
+              <a:rPr lang="en-US" dirty="0"/>
+              <a:t>Models implemented</a:t>
+            </a:r>
+            <a:endParaRPr dirty="0"/>
+          </a:p>
+        </p:txBody>
+      </p:sp>
+      <p:sp>
+        <p:nvSpPr>
+          <p:cNvPr id="5" name="Rectangle 2">
+            <a:extLst>
+              <a:ext uri="{FF2B5EF4-FFF2-40B4-BE49-F238E27FC236}">
+                <a16:creationId xmlns:a16="http://schemas.microsoft.com/office/drawing/2014/main" id="{0A34EC25-70F4-4B0F-4CDD-2157845A7AAD}"/>
+              </a:ext>
+            </a:extLst>
+          </p:cNvPr>
+          <p:cNvSpPr>
+            <a:spLocks noGrp="1" noChangeArrowheads="1"/>
+          </p:cNvSpPr>
+          <p:nvPr>
+            <p:ph idx="1"/>
+          </p:nvPr>
+        </p:nvSpPr>
+        <p:spPr bwMode="auto">
+          <a:xfrm>
+            <a:off x="883921" y="2205588"/>
+            <a:ext cx="7924799" cy="2446824"/>
+          </a:xfrm>
+          <a:prstGeom prst="rect">
+            <a:avLst/>
+          </a:prstGeom>
+          <a:noFill/>
+          <a:ln>
+            <a:noFill/>
+          </a:ln>
+          <a:effectLst/>
+          <a:extLst>
+            <a:ext uri="{909E8E84-426E-40DD-AFC4-6F175D3DCCD1}">
+              <a14:hiddenFill xmlns:a14="http://schemas.microsoft.com/office/drawing/2010/main">
+                <a:solidFill>
+                  <a:schemeClr val="accent1"/>
+                </a:solidFill>
+              </a14:hiddenFill>
+            </a:ext>
+            <a:ext uri="{91240B29-F687-4F45-9708-019B960494DF}">
+              <a14:hiddenLine xmlns:a14="http://schemas.microsoft.com/office/drawing/2010/main" w="9525">
+                <a:solidFill>
+                  <a:schemeClr val="tx1"/>
+                </a:solidFill>
+                <a:miter lim="800000"/>
+                <a:headEnd/>
+                <a:tailEnd/>
+              </a14:hiddenLine>
+            </a:ext>
+            <a:ext uri="{AF507438-7753-43E0-B8FC-AC1667EBCBE1}">
+              <a14:hiddenEffects xmlns:a14="http://schemas.microsoft.com/office/drawing/2010/main">
+                <a:effectLst>
+                  <a:outerShdw dist="35921" dir="2700000" algn="ctr" rotWithShape="0">
+                    <a:schemeClr val="bg2"/>
+                  </a:outerShdw>
+                </a:effectLst>
+              </a14:hiddenEffects>
+            </a:ext>
+          </a:extLst>
+        </p:spPr>
+        <p:txBody>
+          <a:bodyPr vert="horz" wrap="square" lIns="91440" tIns="45720" rIns="91440" bIns="45720" numCol="1" anchor="ctr" anchorCtr="0" compatLnSpc="1">
+            <a:prstTxWarp prst="textNoShape">
+              <a:avLst/>
+            </a:prstTxWarp>
+            <a:spAutoFit/>
+          </a:bodyPr>
+          <a:lstStyle/>
+          <a:p>
+            <a:pPr marL="0" marR="0" lvl="0" indent="0" algn="l" defTabSz="914400" rtl="0" eaLnBrk="0" fontAlgn="base" latinLnBrk="0" hangingPunct="0">
+              <a:lnSpc>
+                <a:spcPct val="150000"/>
+              </a:lnSpc>
+              <a:spcBef>
+                <a:spcPct val="0"/>
+              </a:spcBef>
+              <a:spcAft>
+                <a:spcPct val="0"/>
+              </a:spcAft>
+              <a:buClrTx/>
+              <a:buSzTx/>
+              <a:buNone/>
+              <a:tabLst/>
+            </a:pPr>
+            <a:r>
+              <a:rPr lang="en-US" altLang="en-RW" sz="1800" b="1" dirty="0">
+                <a:latin typeface="Arial" panose="020B0604020202020204" pitchFamily="34" charset="0"/>
+              </a:rPr>
+              <a:t>Trained and evaluated multiple machine learning models:</a:t>
+            </a:r>
+          </a:p>
+          <a:p>
+            <a:pPr marL="0" marR="0" lvl="0" indent="0" algn="l" defTabSz="914400" rtl="0" eaLnBrk="0" fontAlgn="base" latinLnBrk="0" hangingPunct="0">
+              <a:lnSpc>
+                <a:spcPct val="150000"/>
+              </a:lnSpc>
+              <a:spcBef>
+                <a:spcPct val="0"/>
+              </a:spcBef>
+              <a:spcAft>
+                <a:spcPct val="0"/>
+              </a:spcAft>
+              <a:buClrTx/>
+              <a:buSzTx/>
+              <a:buNone/>
+              <a:tabLst/>
+            </a:pPr>
+            <a:r>
+              <a:rPr lang="en-US" altLang="en-RW" sz="1800" dirty="0">
+                <a:latin typeface="Arial" panose="020B0604020202020204" pitchFamily="34" charset="0"/>
+              </a:rPr>
+              <a:t>1.1 Logistic Regression</a:t>
+            </a:r>
+          </a:p>
+          <a:p>
+            <a:pPr marL="0" marR="0" lvl="0" indent="0" algn="l" defTabSz="914400" rtl="0" eaLnBrk="0" fontAlgn="base" latinLnBrk="0" hangingPunct="0">
+              <a:lnSpc>
+                <a:spcPct val="150000"/>
+              </a:lnSpc>
+              <a:spcBef>
+                <a:spcPct val="0"/>
+              </a:spcBef>
+              <a:spcAft>
+                <a:spcPct val="0"/>
+              </a:spcAft>
+              <a:buClrTx/>
+              <a:buSzTx/>
+              <a:buNone/>
+              <a:tabLst/>
+            </a:pPr>
+            <a:r>
+              <a:rPr lang="en-US" altLang="en-RW" sz="1800" dirty="0">
+                <a:latin typeface="Arial" panose="020B0604020202020204" pitchFamily="34" charset="0"/>
+              </a:rPr>
+              <a:t>1.2 Random Forest Classifier</a:t>
+            </a:r>
+          </a:p>
+          <a:p>
+            <a:pPr marL="0" marR="0" lvl="0" indent="0" algn="l" defTabSz="914400" rtl="0" eaLnBrk="0" fontAlgn="base" latinLnBrk="0" hangingPunct="0">
+              <a:lnSpc>
+                <a:spcPct val="150000"/>
+              </a:lnSpc>
+              <a:spcBef>
+                <a:spcPct val="0"/>
+              </a:spcBef>
+              <a:spcAft>
+                <a:spcPct val="0"/>
+              </a:spcAft>
+              <a:buClrTx/>
+              <a:buSzTx/>
+              <a:buNone/>
+              <a:tabLst/>
+            </a:pPr>
+            <a:r>
+              <a:rPr lang="en-US" altLang="en-RW" sz="1800" dirty="0">
+                <a:latin typeface="Arial" panose="020B0604020202020204" pitchFamily="34" charset="0"/>
+              </a:rPr>
+              <a:t>1.3 Gradient Boosting Classifier</a:t>
+            </a:r>
+          </a:p>
+          <a:p>
+            <a:pPr marL="0" marR="0" lvl="0" indent="0" algn="l" defTabSz="914400" rtl="0" eaLnBrk="0" fontAlgn="base" latinLnBrk="0" hangingPunct="0">
+              <a:lnSpc>
+                <a:spcPct val="150000"/>
+              </a:lnSpc>
+              <a:spcBef>
+                <a:spcPct val="0"/>
+              </a:spcBef>
+              <a:spcAft>
+                <a:spcPct val="0"/>
+              </a:spcAft>
+              <a:buClrTx/>
+              <a:buSzTx/>
+              <a:buNone/>
+              <a:tabLst/>
+            </a:pPr>
+            <a:r>
+              <a:rPr lang="en-US" altLang="en-RW" sz="1800" b="1" dirty="0">
+                <a:latin typeface="Arial" panose="020B0604020202020204" pitchFamily="34" charset="0"/>
+              </a:rPr>
+              <a:t>Compared models based on performance metric</a:t>
+            </a:r>
+          </a:p>
+          <a:p>
+            <a:pPr marL="0" marR="0" lvl="0" indent="0" algn="l" defTabSz="914400" rtl="0" eaLnBrk="0" fontAlgn="base" latinLnBrk="0" hangingPunct="0">
+              <a:lnSpc>
+                <a:spcPct val="100000"/>
+              </a:lnSpc>
+              <a:spcBef>
+                <a:spcPct val="0"/>
+              </a:spcBef>
+              <a:spcAft>
+                <a:spcPct val="0"/>
+              </a:spcAft>
+              <a:buClrTx/>
+              <a:buSzTx/>
+              <a:buFontTx/>
+              <a:buChar char="•"/>
+              <a:tabLst/>
+            </a:pPr>
+            <a:endParaRPr kumimoji="0" lang="en-RW" altLang="en-RW" sz="1800" b="0" i="0" u="none" strike="noStrike" cap="none" normalizeH="0" baseline="0" dirty="0">
+              <a:ln>
+                <a:noFill/>
+              </a:ln>
+              <a:solidFill>
+                <a:schemeClr val="tx1"/>
+              </a:solidFill>
+              <a:effectLst/>
+              <a:latin typeface="Arial" panose="020B0604020202020204" pitchFamily="34" charset="0"/>
+            </a:endParaRPr>
+          </a:p>
+        </p:txBody>
+      </p:sp>
+    </p:spTree>
+    <p:extLst>
+      <p:ext uri="{BB962C8B-B14F-4D97-AF65-F5344CB8AC3E}">
+        <p14:creationId xmlns:p14="http://schemas.microsoft.com/office/powerpoint/2010/main" val="3968018456"/>
+      </p:ext>
+    </p:extLst>
+  </p:cSld>
+  <p:clrMapOvr>
+    <a:masterClrMapping/>
+  </p:clrMapOvr>
+</p:sld>
+</file>
+
+<file path=ppt/slides/slide9.xml><?xml version="1.0" encoding="utf-8"?>
+<p:sld xmlns:a="http://schemas.openxmlformats.org/drawingml/2006/main" xmlns:r="http://schemas.openxmlformats.org/officeDocument/2006/relationships" xmlns:p="http://schemas.openxmlformats.org/presentationml/2006/main">
+  <p:cSld>
+    <p:spTree>
+      <p:nvGrpSpPr>
+        <p:cNvPr id="1" name="">
+          <a:extLst>
+            <a:ext uri="{FF2B5EF4-FFF2-40B4-BE49-F238E27FC236}">
+              <a16:creationId xmlns:a16="http://schemas.microsoft.com/office/drawing/2014/main" id="{0C2C6963-18C5-8720-CE78-C829F7B9D6C3}"/>
+            </a:ext>
+          </a:extLst>
+        </p:cNvPr>
+        <p:cNvGrpSpPr/>
+        <p:nvPr/>
+      </p:nvGrpSpPr>
+      <p:grpSpPr>
+        <a:xfrm>
+          <a:off x="0" y="0"/>
+          <a:ext cx="0" cy="0"/>
+          <a:chOff x="0" y="0"/>
+          <a:chExt cx="0" cy="0"/>
+        </a:xfrm>
+      </p:grpSpPr>
+      <p:sp>
+        <p:nvSpPr>
+          <p:cNvPr id="2" name="Title 1">
+            <a:extLst>
+              <a:ext uri="{FF2B5EF4-FFF2-40B4-BE49-F238E27FC236}">
+                <a16:creationId xmlns:a16="http://schemas.microsoft.com/office/drawing/2014/main" id="{0242290C-0248-9245-DE8D-C2BF40992070}"/>
+              </a:ext>
+            </a:extLst>
+          </p:cNvPr>
+          <p:cNvSpPr>
+            <a:spLocks noGrp="1"/>
+          </p:cNvSpPr>
+          <p:nvPr>
+            <p:ph type="title"/>
+          </p:nvPr>
+        </p:nvSpPr>
+        <p:spPr>
+          <a:xfrm>
+            <a:off x="1443491" y="804521"/>
+            <a:ext cx="6571343" cy="689000"/>
+          </a:xfrm>
+        </p:spPr>
+        <p:txBody>
+          <a:bodyPr/>
+          <a:lstStyle/>
+          <a:p>
+            <a:r>
+              <a:rPr lang="en-US" dirty="0"/>
+              <a:t>Model evaluation</a:t>
+            </a:r>
+            <a:endParaRPr dirty="0"/>
+          </a:p>
+        </p:txBody>
+      </p:sp>
+      <p:sp>
+        <p:nvSpPr>
+          <p:cNvPr id="3" name="Rectangle 1">
+            <a:extLst>
+              <a:ext uri="{FF2B5EF4-FFF2-40B4-BE49-F238E27FC236}">
+                <a16:creationId xmlns:a16="http://schemas.microsoft.com/office/drawing/2014/main" id="{9E4208F5-5541-9A6B-BBBE-CA480A2BA657}"/>
+              </a:ext>
+            </a:extLst>
+          </p:cNvPr>
+          <p:cNvSpPr>
+            <a:spLocks noGrp="1" noChangeArrowheads="1"/>
+          </p:cNvSpPr>
+          <p:nvPr>
+            <p:ph idx="1"/>
+          </p:nvPr>
+        </p:nvSpPr>
+        <p:spPr bwMode="auto">
+          <a:xfrm>
+            <a:off x="884238" y="2274839"/>
+            <a:ext cx="6796722" cy="2308324"/>
+          </a:xfrm>
+          <a:prstGeom prst="rect">
+            <a:avLst/>
+          </a:prstGeom>
+          <a:noFill/>
+          <a:ln>
+            <a:noFill/>
+          </a:ln>
+          <a:effectLst/>
+          <a:extLst>
+            <a:ext uri="{909E8E84-426E-40DD-AFC4-6F175D3DCCD1}">
+              <a14:hiddenFill xmlns:a14="http://schemas.microsoft.com/office/drawing/2010/main">
+                <a:solidFill>
+                  <a:schemeClr val="accent1"/>
+                </a:solidFill>
+              </a14:hiddenFill>
+            </a:ext>
+            <a:ext uri="{91240B29-F687-4F45-9708-019B960494DF}">
+              <a14:hiddenLine xmlns:a14="http://schemas.microsoft.com/office/drawing/2010/main" w="9525">
+                <a:solidFill>
+                  <a:schemeClr val="tx1"/>
+                </a:solidFill>
+                <a:miter lim="800000"/>
+                <a:headEnd/>
+                <a:tailEnd/>
+              </a14:hiddenLine>
+            </a:ext>
+            <a:ext uri="{AF507438-7753-43E0-B8FC-AC1667EBCBE1}">
+              <a14:hiddenEffects xmlns:a14="http://schemas.microsoft.com/office/drawing/2010/main">
+                <a:effectLst>
+                  <a:outerShdw dist="35921" dir="2700000" algn="ctr" rotWithShape="0">
+                    <a:schemeClr val="bg2"/>
+                  </a:outerShdw>
+                </a:effectLst>
+              </a14:hiddenEffects>
+            </a:ext>
+          </a:extLst>
+        </p:spPr>
+        <p:txBody>
+          <a:bodyPr vert="horz" wrap="square" lIns="91440" tIns="45720" rIns="91440" bIns="45720" numCol="1" anchor="ctr" anchorCtr="0" compatLnSpc="1">
+            <a:prstTxWarp prst="textNoShape">
+              <a:avLst/>
+            </a:prstTxWarp>
+            <a:spAutoFit/>
+          </a:bodyPr>
+          <a:lstStyle/>
+          <a:p>
+            <a:pPr marL="0" marR="0" lvl="0" indent="0" algn="l" defTabSz="914400" rtl="0" eaLnBrk="0" fontAlgn="base" latinLnBrk="0" hangingPunct="0">
+              <a:lnSpc>
+                <a:spcPct val="100000"/>
+              </a:lnSpc>
+              <a:spcBef>
+                <a:spcPct val="0"/>
+              </a:spcBef>
+              <a:spcAft>
+                <a:spcPct val="0"/>
+              </a:spcAft>
+              <a:buClrTx/>
+              <a:buSzTx/>
+              <a:buNone/>
+              <a:tabLst/>
+            </a:pPr>
+            <a:r>
+              <a:rPr kumimoji="0" lang="en-US" altLang="en-US" sz="1800" b="1" i="0" u="none" strike="noStrike" cap="none" normalizeH="0" baseline="0" dirty="0">
+                <a:ln>
+                  <a:noFill/>
+                </a:ln>
+                <a:solidFill>
+                  <a:schemeClr val="tx1"/>
+                </a:solidFill>
+                <a:effectLst/>
+                <a:latin typeface="Arial" panose="020B0604020202020204" pitchFamily="34" charset="0"/>
+              </a:rPr>
+              <a:t>Evaluation metrics used</a:t>
+            </a:r>
+            <a:r>
+              <a:rPr kumimoji="0" lang="en-US" altLang="en-US" sz="1800" b="0" i="0" u="none" strike="noStrike" cap="none" normalizeH="0" baseline="0" dirty="0">
+                <a:ln>
+                  <a:noFill/>
+                </a:ln>
+                <a:solidFill>
+                  <a:schemeClr val="tx1"/>
+                </a:solidFill>
+                <a:effectLst/>
+                <a:latin typeface="Arial" panose="020B0604020202020204" pitchFamily="34" charset="0"/>
+              </a:rPr>
+              <a:t>:</a:t>
+            </a:r>
+          </a:p>
+          <a:p>
+            <a:pPr marL="0" marR="0" lvl="0" indent="0" algn="l" defTabSz="914400" rtl="0" eaLnBrk="0" fontAlgn="base" latinLnBrk="0" hangingPunct="0">
+              <a:lnSpc>
+                <a:spcPct val="100000"/>
+              </a:lnSpc>
+              <a:spcBef>
+                <a:spcPct val="0"/>
+              </a:spcBef>
+              <a:spcAft>
+                <a:spcPct val="0"/>
+              </a:spcAft>
+              <a:buClrTx/>
+              <a:buSzTx/>
+              <a:buNone/>
+              <a:tabLst/>
+            </a:pPr>
+            <a:endParaRPr kumimoji="0" lang="en-US" altLang="en-US" sz="1800" b="0" i="0" u="none" strike="noStrike" cap="none" normalizeH="0" baseline="0" dirty="0">
+              <a:ln>
+                <a:noFill/>
+              </a:ln>
+              <a:solidFill>
+                <a:schemeClr val="tx1"/>
+              </a:solidFill>
+              <a:effectLst/>
+              <a:latin typeface="Arial" panose="020B0604020202020204" pitchFamily="34" charset="0"/>
+            </a:endParaRPr>
+          </a:p>
+          <a:p>
+            <a:pPr marL="0" marR="0" lvl="0" indent="0" algn="l" defTabSz="914400" rtl="0" eaLnBrk="0" fontAlgn="base" latinLnBrk="0" hangingPunct="0">
+              <a:lnSpc>
+                <a:spcPct val="100000"/>
+              </a:lnSpc>
+              <a:spcBef>
+                <a:spcPct val="0"/>
+              </a:spcBef>
+              <a:spcAft>
+                <a:spcPct val="0"/>
+              </a:spcAft>
+              <a:buClrTx/>
+              <a:buSzTx/>
+              <a:buFontTx/>
+              <a:buChar char="•"/>
+              <a:tabLst/>
+            </a:pPr>
+            <a:r>
+              <a:rPr kumimoji="0" lang="en-US" altLang="en-US" sz="1800" b="0" i="0" u="none" strike="noStrike" cap="none" normalizeH="0" baseline="0" dirty="0">
+                <a:ln>
+                  <a:noFill/>
+                </a:ln>
+                <a:solidFill>
+                  <a:schemeClr val="tx1"/>
+                </a:solidFill>
+                <a:effectLst/>
+                <a:latin typeface="Arial" panose="020B0604020202020204" pitchFamily="34" charset="0"/>
+              </a:rPr>
+              <a:t>Accuracy</a:t>
+            </a:r>
+          </a:p>
+          <a:p>
+            <a:pPr marL="0" marR="0" lvl="0" indent="0" algn="l" defTabSz="914400" rtl="0" eaLnBrk="0" fontAlgn="base" latinLnBrk="0" hangingPunct="0">
+              <a:lnSpc>
+                <a:spcPct val="100000"/>
+              </a:lnSpc>
+              <a:spcBef>
+                <a:spcPct val="0"/>
+              </a:spcBef>
+              <a:spcAft>
+                <a:spcPct val="0"/>
+              </a:spcAft>
+              <a:buClrTx/>
+              <a:buSzTx/>
+              <a:buFontTx/>
+              <a:buChar char="•"/>
+              <a:tabLst/>
+            </a:pPr>
+            <a:r>
+              <a:rPr kumimoji="0" lang="en-US" altLang="en-US" sz="1800" b="0" i="0" u="none" strike="noStrike" cap="none" normalizeH="0" baseline="0" dirty="0">
+                <a:ln>
+                  <a:noFill/>
+                </a:ln>
+                <a:solidFill>
+                  <a:schemeClr val="tx1"/>
+                </a:solidFill>
+                <a:effectLst/>
+                <a:latin typeface="Arial" panose="020B0604020202020204" pitchFamily="34" charset="0"/>
+              </a:rPr>
+              <a:t>Precision</a:t>
+            </a:r>
+          </a:p>
+          <a:p>
+            <a:pPr marL="0" marR="0" lvl="0" indent="0" algn="l" defTabSz="914400" rtl="0" eaLnBrk="0" fontAlgn="base" latinLnBrk="0" hangingPunct="0">
+              <a:lnSpc>
+                <a:spcPct val="100000"/>
+              </a:lnSpc>
+              <a:spcBef>
+                <a:spcPct val="0"/>
+              </a:spcBef>
+              <a:spcAft>
+                <a:spcPct val="0"/>
+              </a:spcAft>
+              <a:buClrTx/>
+              <a:buSzTx/>
+              <a:buFontTx/>
+              <a:buChar char="•"/>
+              <a:tabLst/>
+            </a:pPr>
+            <a:r>
+              <a:rPr kumimoji="0" lang="en-US" altLang="en-US" sz="1800" b="0" i="0" u="none" strike="noStrike" cap="none" normalizeH="0" baseline="0" dirty="0">
+                <a:ln>
+                  <a:noFill/>
+                </a:ln>
+                <a:solidFill>
+                  <a:schemeClr val="tx1"/>
+                </a:solidFill>
+                <a:effectLst/>
+                <a:latin typeface="Arial" panose="020B0604020202020204" pitchFamily="34" charset="0"/>
+              </a:rPr>
+              <a:t>Recall</a:t>
+            </a:r>
+          </a:p>
+          <a:p>
+            <a:pPr marL="0" marR="0" lvl="0" indent="0" algn="l" defTabSz="914400" rtl="0" eaLnBrk="0" fontAlgn="base" latinLnBrk="0" hangingPunct="0">
+              <a:lnSpc>
+                <a:spcPct val="100000"/>
+              </a:lnSpc>
+              <a:spcBef>
+                <a:spcPct val="0"/>
+              </a:spcBef>
+              <a:spcAft>
+                <a:spcPct val="0"/>
+              </a:spcAft>
+              <a:buClrTx/>
+              <a:buSzTx/>
+              <a:buFontTx/>
+              <a:buChar char="•"/>
+              <a:tabLst/>
+            </a:pPr>
+            <a:r>
+              <a:rPr kumimoji="0" lang="en-US" altLang="en-US" sz="1800" b="0" i="0" u="none" strike="noStrike" cap="none" normalizeH="0" baseline="0" dirty="0">
+                <a:ln>
+                  <a:noFill/>
+                </a:ln>
+                <a:solidFill>
+                  <a:schemeClr val="tx1"/>
+                </a:solidFill>
+                <a:effectLst/>
+                <a:latin typeface="Arial" panose="020B0604020202020204" pitchFamily="34" charset="0"/>
+              </a:rPr>
+              <a:t>F1-score</a:t>
+            </a:r>
+          </a:p>
+          <a:p>
+            <a:pPr marL="0" marR="0" lvl="0" indent="0" algn="l" defTabSz="914400" rtl="0" eaLnBrk="0" fontAlgn="base" latinLnBrk="0" hangingPunct="0">
+              <a:lnSpc>
+                <a:spcPct val="100000"/>
+              </a:lnSpc>
+              <a:spcBef>
+                <a:spcPct val="0"/>
+              </a:spcBef>
+              <a:spcAft>
+                <a:spcPct val="0"/>
+              </a:spcAft>
+              <a:buClrTx/>
+              <a:buSzTx/>
+              <a:buFontTx/>
+              <a:buChar char="•"/>
+              <a:tabLst/>
+            </a:pPr>
+            <a:endParaRPr kumimoji="0" lang="en-US" altLang="en-US" sz="1800" b="0" i="0" u="none" strike="noStrike" cap="none" normalizeH="0" baseline="0" dirty="0">
+              <a:ln>
+                <a:noFill/>
+              </a:ln>
+              <a:solidFill>
+                <a:schemeClr val="tx1"/>
+              </a:solidFill>
+              <a:effectLst/>
+              <a:latin typeface="Arial" panose="020B0604020202020204" pitchFamily="34" charset="0"/>
+            </a:endParaRPr>
+          </a:p>
+          <a:p>
+            <a:pPr marL="0" marR="0" lvl="0" indent="0" algn="l" defTabSz="914400" rtl="0" eaLnBrk="0" fontAlgn="base" latinLnBrk="0" hangingPunct="0">
+              <a:lnSpc>
+                <a:spcPct val="100000"/>
+              </a:lnSpc>
+              <a:spcBef>
+                <a:spcPct val="0"/>
+              </a:spcBef>
+              <a:spcAft>
+                <a:spcPct val="0"/>
+              </a:spcAft>
+              <a:buClrTx/>
+              <a:buSzTx/>
+              <a:buNone/>
+              <a:tabLst/>
+            </a:pPr>
+            <a:r>
+              <a:rPr kumimoji="0" lang="en-US" altLang="en-US" sz="1800" b="0" i="0" u="none" strike="noStrike" cap="none" normalizeH="0" baseline="0" dirty="0">
+                <a:ln>
+                  <a:noFill/>
+                </a:ln>
+                <a:solidFill>
+                  <a:schemeClr val="tx1"/>
+                </a:solidFill>
+                <a:effectLst/>
+                <a:latin typeface="Arial" panose="020B0604020202020204" pitchFamily="34" charset="0"/>
+              </a:rPr>
+              <a:t>Selected the </a:t>
+            </a:r>
+            <a:r>
+              <a:rPr kumimoji="0" lang="en-US" altLang="en-US" sz="1800" b="1" i="0" u="none" strike="noStrike" cap="none" normalizeH="0" baseline="0" dirty="0">
+                <a:ln>
+                  <a:noFill/>
+                </a:ln>
+                <a:solidFill>
+                  <a:schemeClr val="tx1"/>
+                </a:solidFill>
+                <a:effectLst/>
+                <a:latin typeface="Arial" panose="020B0604020202020204" pitchFamily="34" charset="0"/>
+              </a:rPr>
+              <a:t>best-performing model</a:t>
+            </a:r>
+            <a:r>
+              <a:rPr kumimoji="0" lang="en-US" altLang="en-US" sz="1800" b="0" i="0" u="none" strike="noStrike" cap="none" normalizeH="0" baseline="0" dirty="0">
+                <a:ln>
+                  <a:noFill/>
+                </a:ln>
+                <a:solidFill>
+                  <a:schemeClr val="tx1"/>
+                </a:solidFill>
+                <a:effectLst/>
+                <a:latin typeface="Arial" panose="020B0604020202020204" pitchFamily="34" charset="0"/>
+              </a:rPr>
+              <a:t> for deployment</a:t>
+            </a:r>
+          </a:p>
+        </p:txBody>
+      </p:sp>
+    </p:spTree>
+    <p:extLst>
+      <p:ext uri="{BB962C8B-B14F-4D97-AF65-F5344CB8AC3E}">
+        <p14:creationId xmlns:p14="http://schemas.microsoft.com/office/powerpoint/2010/main" val="1031630287"/>
       </p:ext>
     </p:extLst>
   </p:cSld>
